--- a/Customer Shopping dataset.pptx
+++ b/Customer Shopping dataset.pptx
@@ -10,6 +10,10 @@
     <p:sldId id="258" r:id="rId4"/>
     <p:sldId id="259" r:id="rId5"/>
     <p:sldId id="260" r:id="rId6"/>
+    <p:sldId id="263" r:id="rId7"/>
+    <p:sldId id="264" r:id="rId8"/>
+    <p:sldId id="261" r:id="rId9"/>
+    <p:sldId id="262" r:id="rId10"/>
   </p:sldIdLst>
   <p:sldSz cx="12192000" cy="6858000"/>
   <p:notesSz cx="6858000" cy="9144000"/>
@@ -108,6 +112,11 @@
       </a:defRPr>
     </a:lvl9pPr>
   </p:defaultTextStyle>
+  <p:extLst>
+    <p:ext uri="{EFAFB233-063F-42B5-8137-9DF3F51BA10A}">
+      <p15:sldGuideLst xmlns:p15="http://schemas.microsoft.com/office/powerpoint/2012/main"/>
+    </p:ext>
+  </p:extLst>
 </p:presentation>
 </file>
 
@@ -273,7 +282,7 @@
           <a:p>
             <a:fld id="{E6171E64-FE02-4DE5-B72F-53C3706641C3}" type="datetimeFigureOut">
               <a:rPr lang="en-US" smtClean="0"/>
-              <a:t>10/5/2023</a:t>
+              <a:t>10/24/2023</a:t>
             </a:fld>
             <a:endParaRPr lang="en-US"/>
           </a:p>
@@ -660,7 +669,7 @@
           <a:p>
             <a:fld id="{E6171E64-FE02-4DE5-B72F-53C3706641C3}" type="datetimeFigureOut">
               <a:rPr lang="en-US" smtClean="0"/>
-              <a:t>10/5/2023</a:t>
+              <a:t>10/24/2023</a:t>
             </a:fld>
             <a:endParaRPr lang="en-US"/>
           </a:p>
@@ -1053,7 +1062,7 @@
           <a:p>
             <a:fld id="{E6171E64-FE02-4DE5-B72F-53C3706641C3}" type="datetimeFigureOut">
               <a:rPr lang="en-US" smtClean="0"/>
-              <a:t>10/5/2023</a:t>
+              <a:t>10/24/2023</a:t>
             </a:fld>
             <a:endParaRPr lang="en-US"/>
           </a:p>
@@ -1468,7 +1477,7 @@
           <a:p>
             <a:fld id="{E6171E64-FE02-4DE5-B72F-53C3706641C3}" type="datetimeFigureOut">
               <a:rPr lang="en-US" smtClean="0"/>
-              <a:t>10/5/2023</a:t>
+              <a:t>10/24/2023</a:t>
             </a:fld>
             <a:endParaRPr lang="en-US"/>
           </a:p>
@@ -1810,7 +1819,7 @@
           <a:p>
             <a:fld id="{E6171E64-FE02-4DE5-B72F-53C3706641C3}" type="datetimeFigureOut">
               <a:rPr lang="en-US" smtClean="0"/>
-              <a:t>10/5/2023</a:t>
+              <a:t>10/24/2023</a:t>
             </a:fld>
             <a:endParaRPr lang="en-US"/>
           </a:p>
@@ -2134,7 +2143,7 @@
           <a:p>
             <a:fld id="{E6171E64-FE02-4DE5-B72F-53C3706641C3}" type="datetimeFigureOut">
               <a:rPr lang="en-US" smtClean="0"/>
-              <a:t>10/5/2023</a:t>
+              <a:t>10/24/2023</a:t>
             </a:fld>
             <a:endParaRPr lang="en-US"/>
           </a:p>
@@ -2615,7 +2624,7 @@
           <a:p>
             <a:fld id="{E6171E64-FE02-4DE5-B72F-53C3706641C3}" type="datetimeFigureOut">
               <a:rPr lang="en-US" smtClean="0"/>
-              <a:t>10/5/2023</a:t>
+              <a:t>10/24/2023</a:t>
             </a:fld>
             <a:endParaRPr lang="en-US"/>
           </a:p>
@@ -2777,7 +2786,7 @@
           <a:p>
             <a:fld id="{E6171E64-FE02-4DE5-B72F-53C3706641C3}" type="datetimeFigureOut">
               <a:rPr lang="en-US" smtClean="0"/>
-              <a:t>10/5/2023</a:t>
+              <a:t>10/24/2023</a:t>
             </a:fld>
             <a:endParaRPr lang="en-US"/>
           </a:p>
@@ -2890,7 +2899,7 @@
           <a:p>
             <a:fld id="{E6171E64-FE02-4DE5-B72F-53C3706641C3}" type="datetimeFigureOut">
               <a:rPr lang="en-US" smtClean="0"/>
-              <a:t>10/5/2023</a:t>
+              <a:t>10/24/2023</a:t>
             </a:fld>
             <a:endParaRPr lang="en-US"/>
           </a:p>
@@ -3212,7 +3221,7 @@
           <a:p>
             <a:fld id="{E6171E64-FE02-4DE5-B72F-53C3706641C3}" type="datetimeFigureOut">
               <a:rPr lang="en-US" smtClean="0"/>
-              <a:t>10/5/2023</a:t>
+              <a:t>10/24/2023</a:t>
             </a:fld>
             <a:endParaRPr lang="en-US"/>
           </a:p>
@@ -3514,7 +3523,7 @@
           <a:p>
             <a:fld id="{E6171E64-FE02-4DE5-B72F-53C3706641C3}" type="datetimeFigureOut">
               <a:rPr lang="en-US" smtClean="0"/>
-              <a:t>10/5/2023</a:t>
+              <a:t>10/24/2023</a:t>
             </a:fld>
             <a:endParaRPr lang="en-US"/>
           </a:p>
@@ -3755,7 +3764,7 @@
           <a:p>
             <a:fld id="{E6171E64-FE02-4DE5-B72F-53C3706641C3}" type="datetimeFigureOut">
               <a:rPr lang="en-US" smtClean="0"/>
-              <a:t>10/5/2023</a:t>
+              <a:t>10/24/2023</a:t>
             </a:fld>
             <a:endParaRPr lang="en-US"/>
           </a:p>
@@ -4830,18 +4839,12 @@
             </a:pPr>
             <a:r>
               <a:rPr lang="es-MX" b="1" i="0" dirty="0">
-                <a:solidFill>
-                  <a:srgbClr val="374151"/>
-                </a:solidFill>
                 <a:effectLst/>
                 <a:latin typeface="Söhne"/>
               </a:rPr>
               <a:t>"Exploración de Datos de Compras en Estambul"</a:t>
             </a:r>
             <a:endParaRPr lang="es-MX" b="0" i="0" dirty="0">
-              <a:solidFill>
-                <a:srgbClr val="374151"/>
-              </a:solidFill>
               <a:effectLst/>
               <a:latin typeface="Söhne"/>
             </a:endParaRPr>
@@ -5011,14 +5014,11 @@
         </p:nvSpPr>
         <p:spPr/>
         <p:txBody>
-          <a:bodyPr/>
+          <a:bodyPr anchor="ctr"/>
           <a:lstStyle/>
           <a:p>
             <a:r>
               <a:rPr lang="es-MX" b="1" i="0" dirty="0">
-                <a:solidFill>
-                  <a:srgbClr val="374151"/>
-                </a:solidFill>
                 <a:effectLst/>
                 <a:latin typeface="Söhne"/>
               </a:rPr>
@@ -5362,14 +5362,18 @@
         </p:nvSpPr>
         <p:spPr/>
         <p:txBody>
-          <a:bodyPr/>
+          <a:bodyPr anchor="ctr"/>
           <a:lstStyle/>
           <a:p>
             <a:r>
-              <a:rPr lang="es-MX" dirty="0"/>
-              <a:t>Objetivos Según metodología SMART</a:t>
+              <a:rPr lang="es-MX" b="1" dirty="0">
+                <a:latin typeface="Söhne"/>
+              </a:rPr>
+              <a:t>Objetivo</a:t>
             </a:r>
-            <a:endParaRPr lang="es-CL" dirty="0"/>
+            <a:endParaRPr lang="es-CL" b="1" dirty="0">
+              <a:latin typeface="Söhne"/>
+            </a:endParaRPr>
           </a:p>
         </p:txBody>
       </p:sp>
@@ -5392,33 +5396,12 @@
         <p:spPr/>
         <p:txBody>
           <a:bodyPr>
-            <a:normAutofit fontScale="55000" lnSpcReduction="20000"/>
+            <a:normAutofit/>
           </a:bodyPr>
           <a:lstStyle/>
           <a:p>
-            <a:pPr algn="l"/>
-            <a:r>
-              <a:rPr lang="es-MX" b="1" i="0" dirty="0">
-                <a:solidFill>
-                  <a:srgbClr val="374151"/>
-                </a:solidFill>
-                <a:effectLst/>
-                <a:latin typeface="Söhne"/>
-              </a:rPr>
-              <a:t>1. Retención de Clientes</a:t>
-            </a:r>
-            <a:endParaRPr lang="es-MX" b="0" i="0" dirty="0">
-              <a:solidFill>
-                <a:srgbClr val="374151"/>
-              </a:solidFill>
-              <a:effectLst/>
-              <a:latin typeface="Söhne"/>
-            </a:endParaRPr>
-          </a:p>
-          <a:p>
-            <a:pPr algn="l">
-              <a:buFont typeface="Arial" panose="020B0604020202020204" pitchFamily="34" charset="0"/>
-              <a:buChar char="•"/>
+            <a:pPr marL="0" indent="0" algn="just">
+              <a:buNone/>
             </a:pPr>
             <a:r>
               <a:rPr lang="es-MX" b="0" i="0" dirty="0">
@@ -5428,198 +5411,8 @@
                 <a:effectLst/>
                 <a:latin typeface="Söhne"/>
               </a:rPr>
-              <a:t>Aumentar retención de clientes en centros comerciales de Estambul.</a:t>
+              <a:t>Analizar los hábitos de compra en los centros comerciales de Estambul para identificar patrones y tendencias, con el fin de mejorar la experiencia del cliente y aumentar la rentabilidad de los centros comerciales.</a:t>
             </a:r>
-          </a:p>
-          <a:p>
-            <a:pPr algn="l">
-              <a:buFont typeface="Arial" panose="020B0604020202020204" pitchFamily="34" charset="0"/>
-              <a:buChar char="•"/>
-            </a:pPr>
-            <a:r>
-              <a:rPr lang="es-MX" b="0" i="0" dirty="0">
-                <a:solidFill>
-                  <a:srgbClr val="374151"/>
-                </a:solidFill>
-                <a:effectLst/>
-                <a:latin typeface="Söhne"/>
-              </a:rPr>
-              <a:t>Estrategias de marketing personalizadas por edad y género.</a:t>
-            </a:r>
-          </a:p>
-          <a:p>
-            <a:pPr algn="l">
-              <a:buFont typeface="Arial" panose="020B0604020202020204" pitchFamily="34" charset="0"/>
-              <a:buChar char="•"/>
-            </a:pPr>
-            <a:r>
-              <a:rPr lang="es-MX" b="0" i="0" dirty="0">
-                <a:solidFill>
-                  <a:srgbClr val="374151"/>
-                </a:solidFill>
-                <a:effectLst/>
-                <a:latin typeface="Söhne"/>
-              </a:rPr>
-              <a:t>Medido por un aumento del 10% en tasa de clientes recurrentes en 6 meses.</a:t>
-            </a:r>
-          </a:p>
-          <a:p>
-            <a:pPr algn="l"/>
-            <a:r>
-              <a:rPr lang="es-MX" b="1" i="0" dirty="0">
-                <a:solidFill>
-                  <a:srgbClr val="374151"/>
-                </a:solidFill>
-                <a:effectLst/>
-                <a:latin typeface="Söhne"/>
-              </a:rPr>
-              <a:t>2. Optimización de Inventario</a:t>
-            </a:r>
-            <a:endParaRPr lang="es-MX" b="0" i="0" dirty="0">
-              <a:solidFill>
-                <a:srgbClr val="374151"/>
-              </a:solidFill>
-              <a:effectLst/>
-              <a:latin typeface="Söhne"/>
-            </a:endParaRPr>
-          </a:p>
-          <a:p>
-            <a:pPr algn="l">
-              <a:buFont typeface="Arial" panose="020B0604020202020204" pitchFamily="34" charset="0"/>
-              <a:buChar char="•"/>
-            </a:pPr>
-            <a:r>
-              <a:rPr lang="es-MX" b="0" i="0" dirty="0">
-                <a:solidFill>
-                  <a:srgbClr val="374151"/>
-                </a:solidFill>
-                <a:effectLst/>
-                <a:latin typeface="Söhne"/>
-              </a:rPr>
-              <a:t>Desarrollar modelo de predicción de demanda para gestión de inventario.</a:t>
-            </a:r>
-          </a:p>
-          <a:p>
-            <a:pPr algn="l">
-              <a:buFont typeface="Arial" panose="020B0604020202020204" pitchFamily="34" charset="0"/>
-              <a:buChar char="•"/>
-            </a:pPr>
-            <a:r>
-              <a:rPr lang="es-MX" b="0" i="0" dirty="0">
-                <a:solidFill>
-                  <a:srgbClr val="374151"/>
-                </a:solidFill>
-                <a:effectLst/>
-                <a:latin typeface="Söhne"/>
-              </a:rPr>
-              <a:t>Reducir stock excedente en tiendas en un 15% en 4 meses.</a:t>
-            </a:r>
-          </a:p>
-          <a:p>
-            <a:pPr algn="l"/>
-            <a:r>
-              <a:rPr lang="es-MX" b="1" i="0" dirty="0">
-                <a:solidFill>
-                  <a:srgbClr val="374151"/>
-                </a:solidFill>
-                <a:effectLst/>
-                <a:latin typeface="Söhne"/>
-              </a:rPr>
-              <a:t>3. Rentabilidad de Categorías</a:t>
-            </a:r>
-            <a:endParaRPr lang="es-MX" b="0" i="0" dirty="0">
-              <a:solidFill>
-                <a:srgbClr val="374151"/>
-              </a:solidFill>
-              <a:effectLst/>
-              <a:latin typeface="Söhne"/>
-            </a:endParaRPr>
-          </a:p>
-          <a:p>
-            <a:pPr algn="l">
-              <a:buFont typeface="Arial" panose="020B0604020202020204" pitchFamily="34" charset="0"/>
-              <a:buChar char="•"/>
-            </a:pPr>
-            <a:r>
-              <a:rPr lang="es-MX" b="0" i="0" dirty="0">
-                <a:solidFill>
-                  <a:srgbClr val="374151"/>
-                </a:solidFill>
-                <a:effectLst/>
-                <a:latin typeface="Söhne"/>
-              </a:rPr>
-              <a:t>Identificar categorías de bajo rendimiento.</a:t>
-            </a:r>
-          </a:p>
-          <a:p>
-            <a:pPr algn="l">
-              <a:buFont typeface="Arial" panose="020B0604020202020204" pitchFamily="34" charset="0"/>
-              <a:buChar char="•"/>
-            </a:pPr>
-            <a:r>
-              <a:rPr lang="es-MX" b="0" i="0" dirty="0">
-                <a:solidFill>
-                  <a:srgbClr val="374151"/>
-                </a:solidFill>
-                <a:effectLst/>
-                <a:latin typeface="Söhne"/>
-              </a:rPr>
-              <a:t>Proponer estrategias de precios para aumentar ingresos en un 5% en 3 meses.</a:t>
-            </a:r>
-          </a:p>
-          <a:p>
-            <a:pPr algn="l"/>
-            <a:r>
-              <a:rPr lang="es-MX" b="1" i="0" dirty="0">
-                <a:solidFill>
-                  <a:srgbClr val="374151"/>
-                </a:solidFill>
-                <a:effectLst/>
-                <a:latin typeface="Söhne"/>
-              </a:rPr>
-              <a:t>4. Eficiencia en Pago</a:t>
-            </a:r>
-            <a:endParaRPr lang="es-MX" b="0" i="0" dirty="0">
-              <a:solidFill>
-                <a:srgbClr val="374151"/>
-              </a:solidFill>
-              <a:effectLst/>
-              <a:latin typeface="Söhne"/>
-            </a:endParaRPr>
-          </a:p>
-          <a:p>
-            <a:pPr algn="l">
-              <a:buFont typeface="Arial" panose="020B0604020202020204" pitchFamily="34" charset="0"/>
-              <a:buChar char="•"/>
-            </a:pPr>
-            <a:r>
-              <a:rPr lang="es-MX" b="0" i="0" dirty="0">
-                <a:solidFill>
-                  <a:srgbClr val="374151"/>
-                </a:solidFill>
-                <a:effectLst/>
-                <a:latin typeface="Söhne"/>
-              </a:rPr>
-              <a:t>Analizar patrones de métodos de pago.</a:t>
-            </a:r>
-          </a:p>
-          <a:p>
-            <a:pPr algn="l">
-              <a:buFont typeface="Arial" panose="020B0604020202020204" pitchFamily="34" charset="0"/>
-              <a:buChar char="•"/>
-            </a:pPr>
-            <a:r>
-              <a:rPr lang="es-MX" b="0" i="0" dirty="0">
-                <a:solidFill>
-                  <a:srgbClr val="374151"/>
-                </a:solidFill>
-                <a:effectLst/>
-                <a:latin typeface="Söhne"/>
-              </a:rPr>
-              <a:t>Reducir tiempo de espera en transacciones en un 20% en 2 meses.</a:t>
-            </a:r>
-          </a:p>
-          <a:p>
             <a:endParaRPr lang="es-CL" dirty="0"/>
           </a:p>
         </p:txBody>
@@ -5672,18 +5465,15 @@
         </p:nvSpPr>
         <p:spPr/>
         <p:txBody>
-          <a:bodyPr/>
+          <a:bodyPr anchor="ctr"/>
           <a:lstStyle/>
           <a:p>
             <a:r>
-              <a:rPr lang="es-MX" b="1" i="0" dirty="0">
-                <a:solidFill>
-                  <a:srgbClr val="374151"/>
-                </a:solidFill>
+              <a:rPr lang="es-CL" b="1" i="0" dirty="0">
                 <a:effectLst/>
                 <a:latin typeface="Söhne"/>
               </a:rPr>
-              <a:t>Hipótesis de Trabajo:</a:t>
+              <a:t>Alcance del Proyecto</a:t>
             </a:r>
             <a:br>
               <a:rPr lang="es-MX" b="0" i="0" dirty="0">
@@ -5719,7 +5509,7 @@
           <a:bodyPr/>
           <a:lstStyle/>
           <a:p>
-            <a:pPr marL="0" indent="0" algn="l">
+            <a:pPr marL="0" indent="0">
               <a:buNone/>
             </a:pPr>
             <a:r>
@@ -5730,10 +5520,8 @@
                 <a:effectLst/>
                 <a:latin typeface="Söhne"/>
               </a:rPr>
-              <a:t>"Si implementamos estrategias de marketing personalizadas basadas en edad y género (Objetivo 1), entonces aumentaremos la retención de clientes en los centros comerciales de Estambul en un 10% en un plazo de 6 meses. Esto se logrará al identificar patrones de compra en diferentes grupos demográficos y adaptar las estrategias de retención para satisfacer sus necesidades específicas, mejorando así la experiencia del cliente y fomentando la lealtad a la marca."</a:t>
+              <a:t>El proyecto incluye un análisis detallado de datos de transacciones de 10 centros comerciales en Estambul, centrándose en la comprensión de las preferencias de compra por categoría de producto, métodos de pago y la relación entre la demografía y los patrones de compra.</a:t>
             </a:r>
-          </a:p>
-          <a:p>
             <a:endParaRPr lang="es-CL" dirty="0"/>
           </a:p>
         </p:txBody>
@@ -5742,6 +5530,6004 @@
     <p:extLst>
       <p:ext uri="{BB962C8B-B14F-4D97-AF65-F5344CB8AC3E}">
         <p14:creationId xmlns:p14="http://schemas.microsoft.com/office/powerpoint/2010/main" val="2949490191"/>
+      </p:ext>
+    </p:extLst>
+  </p:cSld>
+  <p:clrMapOvr>
+    <a:masterClrMapping/>
+  </p:clrMapOvr>
+</p:sld>
+</file>
+
+<file path=ppt/slides/slide6.xml><?xml version="1.0" encoding="utf-8"?>
+<p:sld xmlns:a="http://schemas.openxmlformats.org/drawingml/2006/main" xmlns:r="http://schemas.openxmlformats.org/officeDocument/2006/relationships" xmlns:p="http://schemas.openxmlformats.org/presentationml/2006/main">
+  <p:cSld>
+    <p:spTree>
+      <p:nvGrpSpPr>
+        <p:cNvPr id="1" name=""/>
+        <p:cNvGrpSpPr/>
+        <p:nvPr/>
+      </p:nvGrpSpPr>
+      <p:grpSpPr>
+        <a:xfrm>
+          <a:off x="0" y="0"/>
+          <a:ext cx="0" cy="0"/>
+          <a:chOff x="0" y="0"/>
+          <a:chExt cx="0" cy="0"/>
+        </a:xfrm>
+      </p:grpSpPr>
+      <p:sp>
+        <p:nvSpPr>
+          <p:cNvPr id="2" name="Título 1">
+            <a:extLst>
+              <a:ext uri="{FF2B5EF4-FFF2-40B4-BE49-F238E27FC236}">
+                <a16:creationId xmlns:a16="http://schemas.microsoft.com/office/drawing/2014/main" id="{1F7C94EB-6DF6-0411-223A-FE81FC0C5480}"/>
+              </a:ext>
+            </a:extLst>
+          </p:cNvPr>
+          <p:cNvSpPr>
+            <a:spLocks noGrp="1"/>
+          </p:cNvSpPr>
+          <p:nvPr>
+            <p:ph type="title"/>
+          </p:nvPr>
+        </p:nvSpPr>
+        <p:spPr/>
+        <p:txBody>
+          <a:bodyPr anchor="ctr"/>
+          <a:lstStyle/>
+          <a:p>
+            <a:r>
+              <a:rPr lang="es-CL" b="1" i="0" dirty="0">
+                <a:effectLst/>
+                <a:latin typeface="Söhne"/>
+              </a:rPr>
+              <a:t>Usuario Final del Análisis</a:t>
+            </a:r>
+            <a:endParaRPr lang="es-CL" dirty="0"/>
+          </a:p>
+        </p:txBody>
+      </p:sp>
+      <p:sp>
+        <p:nvSpPr>
+          <p:cNvPr id="3" name="Marcador de contenido 2">
+            <a:extLst>
+              <a:ext uri="{FF2B5EF4-FFF2-40B4-BE49-F238E27FC236}">
+                <a16:creationId xmlns:a16="http://schemas.microsoft.com/office/drawing/2014/main" id="{7032E388-CF3A-6D7D-E264-62315B3B966A}"/>
+              </a:ext>
+            </a:extLst>
+          </p:cNvPr>
+          <p:cNvSpPr>
+            <a:spLocks noGrp="1"/>
+          </p:cNvSpPr>
+          <p:nvPr>
+            <p:ph idx="1"/>
+          </p:nvPr>
+        </p:nvSpPr>
+        <p:spPr/>
+        <p:txBody>
+          <a:bodyPr/>
+          <a:lstStyle/>
+          <a:p>
+            <a:r>
+              <a:rPr lang="es-MX" b="0" i="0" dirty="0">
+                <a:solidFill>
+                  <a:srgbClr val="374151"/>
+                </a:solidFill>
+                <a:effectLst/>
+                <a:latin typeface="Söhne"/>
+              </a:rPr>
+              <a:t>Directivos </a:t>
+            </a:r>
+          </a:p>
+          <a:p>
+            <a:r>
+              <a:rPr lang="es-MX" b="0" i="0" dirty="0">
+                <a:solidFill>
+                  <a:srgbClr val="374151"/>
+                </a:solidFill>
+                <a:effectLst/>
+                <a:latin typeface="Söhne"/>
+              </a:rPr>
+              <a:t>gerentes de centros comerciales </a:t>
+            </a:r>
+          </a:p>
+          <a:p>
+            <a:r>
+              <a:rPr lang="es-MX" b="0" i="0" dirty="0">
+                <a:solidFill>
+                  <a:srgbClr val="374151"/>
+                </a:solidFill>
+                <a:effectLst/>
+                <a:latin typeface="Söhne"/>
+              </a:rPr>
+              <a:t>equipos de marketing y ventas, </a:t>
+            </a:r>
+          </a:p>
+          <a:p>
+            <a:r>
+              <a:rPr lang="es-MX" b="0" i="0" dirty="0">
+                <a:solidFill>
+                  <a:srgbClr val="374151"/>
+                </a:solidFill>
+                <a:effectLst/>
+                <a:latin typeface="Söhne"/>
+              </a:rPr>
+              <a:t>analistas de datos </a:t>
+            </a:r>
+          </a:p>
+          <a:p>
+            <a:r>
+              <a:rPr lang="es-MX" b="0" i="0" dirty="0">
+                <a:solidFill>
+                  <a:srgbClr val="374151"/>
+                </a:solidFill>
+                <a:effectLst/>
+                <a:latin typeface="Söhne"/>
+              </a:rPr>
+              <a:t>profesionales de inteligencia de negocios</a:t>
+            </a:r>
+          </a:p>
+          <a:p>
+            <a:r>
+              <a:rPr lang="es-MX" b="0" i="0" dirty="0">
+                <a:solidFill>
+                  <a:srgbClr val="374151"/>
+                </a:solidFill>
+                <a:effectLst/>
+                <a:latin typeface="Söhne"/>
+              </a:rPr>
+              <a:t>investigadores y académicos interesados en el comportamiento del consumidor y las tendencias de compra en la industria minorista.</a:t>
+            </a:r>
+            <a:endParaRPr lang="es-CL" dirty="0"/>
+          </a:p>
+        </p:txBody>
+      </p:sp>
+    </p:spTree>
+    <p:extLst>
+      <p:ext uri="{BB962C8B-B14F-4D97-AF65-F5344CB8AC3E}">
+        <p14:creationId xmlns:p14="http://schemas.microsoft.com/office/powerpoint/2010/main" val="2445648022"/>
+      </p:ext>
+    </p:extLst>
+  </p:cSld>
+  <p:clrMapOvr>
+    <a:masterClrMapping/>
+  </p:clrMapOvr>
+</p:sld>
+</file>
+
+<file path=ppt/slides/slide7.xml><?xml version="1.0" encoding="utf-8"?>
+<p:sld xmlns:a="http://schemas.openxmlformats.org/drawingml/2006/main" xmlns:r="http://schemas.openxmlformats.org/officeDocument/2006/relationships" xmlns:p="http://schemas.openxmlformats.org/presentationml/2006/main">
+  <p:cSld>
+    <p:spTree>
+      <p:nvGrpSpPr>
+        <p:cNvPr id="1" name=""/>
+        <p:cNvGrpSpPr/>
+        <p:nvPr/>
+      </p:nvGrpSpPr>
+      <p:grpSpPr>
+        <a:xfrm>
+          <a:off x="0" y="0"/>
+          <a:ext cx="0" cy="0"/>
+          <a:chOff x="0" y="0"/>
+          <a:chExt cx="0" cy="0"/>
+        </a:xfrm>
+      </p:grpSpPr>
+      <p:sp>
+        <p:nvSpPr>
+          <p:cNvPr id="2" name="Título 1">
+            <a:extLst>
+              <a:ext uri="{FF2B5EF4-FFF2-40B4-BE49-F238E27FC236}">
+                <a16:creationId xmlns:a16="http://schemas.microsoft.com/office/drawing/2014/main" id="{03A5946E-174A-1EA4-FD46-D3E80273B688}"/>
+              </a:ext>
+            </a:extLst>
+          </p:cNvPr>
+          <p:cNvSpPr>
+            <a:spLocks noGrp="1"/>
+          </p:cNvSpPr>
+          <p:nvPr>
+            <p:ph type="title"/>
+          </p:nvPr>
+        </p:nvSpPr>
+        <p:spPr/>
+        <p:txBody>
+          <a:bodyPr anchor="ctr"/>
+          <a:lstStyle/>
+          <a:p>
+            <a:r>
+              <a:rPr lang="es-MX" b="1" i="0" dirty="0">
+                <a:effectLst/>
+                <a:latin typeface="Söhne"/>
+              </a:rPr>
+              <a:t>Nivel de Aplicación del Análisis</a:t>
+            </a:r>
+            <a:endParaRPr lang="es-CL" dirty="0"/>
+          </a:p>
+        </p:txBody>
+      </p:sp>
+      <p:sp>
+        <p:nvSpPr>
+          <p:cNvPr id="3" name="Marcador de contenido 2">
+            <a:extLst>
+              <a:ext uri="{FF2B5EF4-FFF2-40B4-BE49-F238E27FC236}">
+                <a16:creationId xmlns:a16="http://schemas.microsoft.com/office/drawing/2014/main" id="{D7A26514-8521-AF17-41E5-90B25C901CEC}"/>
+              </a:ext>
+            </a:extLst>
+          </p:cNvPr>
+          <p:cNvSpPr>
+            <a:spLocks noGrp="1"/>
+          </p:cNvSpPr>
+          <p:nvPr>
+            <p:ph idx="1"/>
+          </p:nvPr>
+        </p:nvSpPr>
+        <p:spPr/>
+        <p:txBody>
+          <a:bodyPr/>
+          <a:lstStyle/>
+          <a:p>
+            <a:pPr algn="l">
+              <a:buFont typeface="Arial" panose="020B0604020202020204" pitchFamily="34" charset="0"/>
+              <a:buChar char="•"/>
+            </a:pPr>
+            <a:r>
+              <a:rPr lang="es-MX" b="1" i="0" dirty="0">
+                <a:solidFill>
+                  <a:srgbClr val="374151"/>
+                </a:solidFill>
+                <a:effectLst/>
+                <a:latin typeface="Söhne"/>
+              </a:rPr>
+              <a:t>Operativo</a:t>
+            </a:r>
+            <a:r>
+              <a:rPr lang="es-MX" b="0" i="0" dirty="0">
+                <a:solidFill>
+                  <a:srgbClr val="374151"/>
+                </a:solidFill>
+                <a:effectLst/>
+                <a:latin typeface="Söhne"/>
+              </a:rPr>
+              <a:t>: Mejora de la eficiencia en los procesos diarios de compra.</a:t>
+            </a:r>
+          </a:p>
+          <a:p>
+            <a:pPr algn="l">
+              <a:buFont typeface="Arial" panose="020B0604020202020204" pitchFamily="34" charset="0"/>
+              <a:buChar char="•"/>
+            </a:pPr>
+            <a:r>
+              <a:rPr lang="es-MX" b="1" i="0" dirty="0">
+                <a:solidFill>
+                  <a:srgbClr val="374151"/>
+                </a:solidFill>
+                <a:effectLst/>
+                <a:latin typeface="Söhne"/>
+              </a:rPr>
+              <a:t>Táctico</a:t>
+            </a:r>
+            <a:r>
+              <a:rPr lang="es-MX" b="0" i="0" dirty="0">
+                <a:solidFill>
+                  <a:srgbClr val="374151"/>
+                </a:solidFill>
+                <a:effectLst/>
+                <a:latin typeface="Söhne"/>
+              </a:rPr>
+              <a:t>: Ajuste de estrategias de marketing y promoción basado en preferencias de compra.</a:t>
+            </a:r>
+          </a:p>
+          <a:p>
+            <a:pPr algn="l">
+              <a:buFont typeface="Arial" panose="020B0604020202020204" pitchFamily="34" charset="0"/>
+              <a:buChar char="•"/>
+            </a:pPr>
+            <a:r>
+              <a:rPr lang="es-MX" b="1" i="0" dirty="0">
+                <a:solidFill>
+                  <a:srgbClr val="374151"/>
+                </a:solidFill>
+                <a:effectLst/>
+                <a:latin typeface="Söhne"/>
+              </a:rPr>
+              <a:t>Estratégico</a:t>
+            </a:r>
+            <a:r>
+              <a:rPr lang="es-MX" b="0" i="0" dirty="0">
+                <a:solidFill>
+                  <a:srgbClr val="374151"/>
+                </a:solidFill>
+                <a:effectLst/>
+                <a:latin typeface="Söhne"/>
+              </a:rPr>
+              <a:t>: Identificación de tendencias a largo plazo y mejora de la rentabilidad en el futuro.</a:t>
+            </a:r>
+          </a:p>
+          <a:p>
+            <a:endParaRPr lang="es-CL" dirty="0"/>
+          </a:p>
+        </p:txBody>
+      </p:sp>
+    </p:spTree>
+    <p:extLst>
+      <p:ext uri="{BB962C8B-B14F-4D97-AF65-F5344CB8AC3E}">
+        <p14:creationId xmlns:p14="http://schemas.microsoft.com/office/powerpoint/2010/main" val="2871549850"/>
+      </p:ext>
+    </p:extLst>
+  </p:cSld>
+  <p:clrMapOvr>
+    <a:masterClrMapping/>
+  </p:clrMapOvr>
+</p:sld>
+</file>
+
+<file path=ppt/slides/slide8.xml><?xml version="1.0" encoding="utf-8"?>
+<p:sld xmlns:a="http://schemas.openxmlformats.org/drawingml/2006/main" xmlns:r="http://schemas.openxmlformats.org/officeDocument/2006/relationships" xmlns:p="http://schemas.openxmlformats.org/presentationml/2006/main">
+  <p:cSld>
+    <p:spTree>
+      <p:nvGrpSpPr>
+        <p:cNvPr id="1" name=""/>
+        <p:cNvGrpSpPr/>
+        <p:nvPr/>
+      </p:nvGrpSpPr>
+      <p:grpSpPr>
+        <a:xfrm>
+          <a:off x="0" y="0"/>
+          <a:ext cx="0" cy="0"/>
+          <a:chOff x="0" y="0"/>
+          <a:chExt cx="0" cy="0"/>
+        </a:xfrm>
+      </p:grpSpPr>
+      <p:sp>
+        <p:nvSpPr>
+          <p:cNvPr id="2" name="Título 1">
+            <a:extLst>
+              <a:ext uri="{FF2B5EF4-FFF2-40B4-BE49-F238E27FC236}">
+                <a16:creationId xmlns:a16="http://schemas.microsoft.com/office/drawing/2014/main" id="{CFA4D350-3C7B-9E85-95D6-B3241D048CDD}"/>
+              </a:ext>
+            </a:extLst>
+          </p:cNvPr>
+          <p:cNvSpPr>
+            <a:spLocks noGrp="1"/>
+          </p:cNvSpPr>
+          <p:nvPr>
+            <p:ph type="title"/>
+          </p:nvPr>
+        </p:nvSpPr>
+        <p:spPr/>
+        <p:txBody>
+          <a:bodyPr anchor="ctr"/>
+          <a:lstStyle/>
+          <a:p>
+            <a:pPr algn="ctr"/>
+            <a:r>
+              <a:rPr lang="es-MX" b="1" dirty="0">
+                <a:solidFill>
+                  <a:srgbClr val="374151"/>
+                </a:solidFill>
+                <a:latin typeface="Söhne"/>
+              </a:rPr>
+              <a:t>Diagrama Entidad-</a:t>
+            </a:r>
+            <a:r>
+              <a:rPr lang="es-MX" b="1" dirty="0" err="1">
+                <a:solidFill>
+                  <a:srgbClr val="374151"/>
+                </a:solidFill>
+                <a:latin typeface="Söhne"/>
+              </a:rPr>
+              <a:t>Relacion</a:t>
+            </a:r>
+            <a:endParaRPr lang="es-CL" b="1" dirty="0">
+              <a:solidFill>
+                <a:srgbClr val="374151"/>
+              </a:solidFill>
+              <a:latin typeface="Söhne"/>
+            </a:endParaRPr>
+          </a:p>
+        </p:txBody>
+      </p:sp>
+      <p:pic>
+        <p:nvPicPr>
+          <p:cNvPr id="13" name="Imagen 12">
+            <a:extLst>
+              <a:ext uri="{FF2B5EF4-FFF2-40B4-BE49-F238E27FC236}">
+                <a16:creationId xmlns:a16="http://schemas.microsoft.com/office/drawing/2014/main" id="{0B10EAF4-ACE2-0FE2-5712-CE8C631285C5}"/>
+              </a:ext>
+            </a:extLst>
+          </p:cNvPr>
+          <p:cNvPicPr>
+            <a:picLocks noChangeAspect="1"/>
+          </p:cNvPicPr>
+          <p:nvPr/>
+        </p:nvPicPr>
+        <p:blipFill>
+          <a:blip r:embed="rId2"/>
+          <a:stretch>
+            <a:fillRect/>
+          </a:stretch>
+        </p:blipFill>
+        <p:spPr>
+          <a:xfrm>
+            <a:off x="1592825" y="2153626"/>
+            <a:ext cx="8424159" cy="3980474"/>
+          </a:xfrm>
+          <a:prstGeom prst="rect">
+            <a:avLst/>
+          </a:prstGeom>
+        </p:spPr>
+      </p:pic>
+    </p:spTree>
+    <p:extLst>
+      <p:ext uri="{BB962C8B-B14F-4D97-AF65-F5344CB8AC3E}">
+        <p14:creationId xmlns:p14="http://schemas.microsoft.com/office/powerpoint/2010/main" val="2609962134"/>
+      </p:ext>
+    </p:extLst>
+  </p:cSld>
+  <p:clrMapOvr>
+    <a:masterClrMapping/>
+  </p:clrMapOvr>
+</p:sld>
+</file>
+
+<file path=ppt/slides/slide9.xml><?xml version="1.0" encoding="utf-8"?>
+<p:sld xmlns:a="http://schemas.openxmlformats.org/drawingml/2006/main" xmlns:r="http://schemas.openxmlformats.org/officeDocument/2006/relationships" xmlns:p="http://schemas.openxmlformats.org/presentationml/2006/main">
+  <p:cSld>
+    <p:spTree>
+      <p:nvGrpSpPr>
+        <p:cNvPr id="1" name=""/>
+        <p:cNvGrpSpPr/>
+        <p:nvPr/>
+      </p:nvGrpSpPr>
+      <p:grpSpPr>
+        <a:xfrm>
+          <a:off x="0" y="0"/>
+          <a:ext cx="0" cy="0"/>
+          <a:chOff x="0" y="0"/>
+          <a:chExt cx="0" cy="0"/>
+        </a:xfrm>
+      </p:grpSpPr>
+      <p:sp>
+        <p:nvSpPr>
+          <p:cNvPr id="2" name="Título 1">
+            <a:extLst>
+              <a:ext uri="{FF2B5EF4-FFF2-40B4-BE49-F238E27FC236}">
+                <a16:creationId xmlns:a16="http://schemas.microsoft.com/office/drawing/2014/main" id="{8DA69187-0031-1FB1-8BF3-AC03519AFF88}"/>
+              </a:ext>
+            </a:extLst>
+          </p:cNvPr>
+          <p:cNvSpPr>
+            <a:spLocks noGrp="1"/>
+          </p:cNvSpPr>
+          <p:nvPr>
+            <p:ph type="title"/>
+          </p:nvPr>
+        </p:nvSpPr>
+        <p:spPr/>
+        <p:txBody>
+          <a:bodyPr/>
+          <a:lstStyle/>
+          <a:p>
+            <a:r>
+              <a:rPr lang="es-MX" b="1" dirty="0">
+                <a:solidFill>
+                  <a:srgbClr val="374151"/>
+                </a:solidFill>
+                <a:latin typeface="Söhne"/>
+              </a:rPr>
+              <a:t>Listado de tablas</a:t>
+            </a:r>
+            <a:endParaRPr lang="es-CL" b="1" dirty="0">
+              <a:solidFill>
+                <a:srgbClr val="374151"/>
+              </a:solidFill>
+              <a:latin typeface="Söhne"/>
+            </a:endParaRPr>
+          </a:p>
+        </p:txBody>
+      </p:sp>
+      <p:graphicFrame>
+        <p:nvGraphicFramePr>
+          <p:cNvPr id="19" name="Tabla 18">
+            <a:extLst>
+              <a:ext uri="{FF2B5EF4-FFF2-40B4-BE49-F238E27FC236}">
+                <a16:creationId xmlns:a16="http://schemas.microsoft.com/office/drawing/2014/main" id="{FBF7BB32-87CA-C6E8-035A-353CAAB45E01}"/>
+              </a:ext>
+            </a:extLst>
+          </p:cNvPr>
+          <p:cNvGraphicFramePr>
+            <a:graphicFrameLocks noGrp="1"/>
+          </p:cNvGraphicFramePr>
+          <p:nvPr>
+            <p:extLst>
+              <p:ext uri="{D42A27DB-BD31-4B8C-83A1-F6EECF244321}">
+                <p14:modId xmlns:p14="http://schemas.microsoft.com/office/powerpoint/2010/main" val="4183225778"/>
+              </p:ext>
+            </p:extLst>
+          </p:nvPr>
+        </p:nvGraphicFramePr>
+        <p:xfrm>
+          <a:off x="5053780" y="2013892"/>
+          <a:ext cx="5928852" cy="1463040"/>
+        </p:xfrm>
+        <a:graphic>
+          <a:graphicData uri="http://schemas.openxmlformats.org/drawingml/2006/table">
+            <a:tbl>
+              <a:tblPr/>
+              <a:tblGrid>
+                <a:gridCol w="1518248">
+                  <a:extLst>
+                    <a:ext uri="{9D8B030D-6E8A-4147-A177-3AD203B41FA5}">
+                      <a16:colId xmlns:a16="http://schemas.microsoft.com/office/drawing/2014/main" val="310076376"/>
+                    </a:ext>
+                  </a:extLst>
+                </a:gridCol>
+                <a:gridCol w="2469554">
+                  <a:extLst>
+                    <a:ext uri="{9D8B030D-6E8A-4147-A177-3AD203B41FA5}">
+                      <a16:colId xmlns:a16="http://schemas.microsoft.com/office/drawing/2014/main" val="3123316321"/>
+                    </a:ext>
+                  </a:extLst>
+                </a:gridCol>
+                <a:gridCol w="1941050">
+                  <a:extLst>
+                    <a:ext uri="{9D8B030D-6E8A-4147-A177-3AD203B41FA5}">
+                      <a16:colId xmlns:a16="http://schemas.microsoft.com/office/drawing/2014/main" val="3581055296"/>
+                    </a:ext>
+                  </a:extLst>
+                </a:gridCol>
+              </a:tblGrid>
+              <a:tr h="182880">
+                <a:tc gridSpan="3">
+                  <a:txBody>
+                    <a:bodyPr/>
+                    <a:lstStyle/>
+                    <a:p>
+                      <a:pPr algn="ctr" fontAlgn="b"/>
+                      <a:r>
+                        <a:rPr lang="es-CL" sz="1100" b="0" i="0" u="none" strike="noStrike" dirty="0" err="1">
+                          <a:solidFill>
+                            <a:srgbClr val="000000"/>
+                          </a:solidFill>
+                          <a:effectLst/>
+                          <a:latin typeface="Calibri" panose="020F0502020204030204" pitchFamily="34" charset="0"/>
+                        </a:rPr>
+                        <a:t>Customer_shopping_data</a:t>
+                      </a:r>
+                      <a:endParaRPr lang="es-CL" sz="1100" b="0" i="0" u="none" strike="noStrike" dirty="0">
+                        <a:solidFill>
+                          <a:srgbClr val="000000"/>
+                        </a:solidFill>
+                        <a:effectLst/>
+                        <a:latin typeface="Calibri" panose="020F0502020204030204" pitchFamily="34" charset="0"/>
+                      </a:endParaRPr>
+                    </a:p>
+                  </a:txBody>
+                  <a:tcPr marL="7620" marR="7620" marT="7620" marB="0" anchor="b">
+                    <a:lnL w="6350" cap="flat" cmpd="sng" algn="ctr">
+                      <a:solidFill>
+                        <a:srgbClr val="000000"/>
+                      </a:solidFill>
+                      <a:prstDash val="solid"/>
+                      <a:round/>
+                      <a:headEnd type="none" w="med" len="med"/>
+                      <a:tailEnd type="none" w="med" len="med"/>
+                    </a:lnL>
+                    <a:lnR w="6350" cap="flat" cmpd="sng" algn="ctr">
+                      <a:solidFill>
+                        <a:srgbClr val="000000"/>
+                      </a:solidFill>
+                      <a:prstDash val="solid"/>
+                      <a:round/>
+                      <a:headEnd type="none" w="med" len="med"/>
+                      <a:tailEnd type="none" w="med" len="med"/>
+                    </a:lnR>
+                    <a:lnT w="6350" cap="flat" cmpd="sng" algn="ctr">
+                      <a:solidFill>
+                        <a:srgbClr val="000000"/>
+                      </a:solidFill>
+                      <a:prstDash val="solid"/>
+                      <a:round/>
+                      <a:headEnd type="none" w="med" len="med"/>
+                      <a:tailEnd type="none" w="med" len="med"/>
+                    </a:lnT>
+                    <a:lnB w="6350" cap="flat" cmpd="sng" algn="ctr">
+                      <a:solidFill>
+                        <a:srgbClr val="000000"/>
+                      </a:solidFill>
+                      <a:prstDash val="solid"/>
+                      <a:round/>
+                      <a:headEnd type="none" w="med" len="med"/>
+                      <a:tailEnd type="none" w="med" len="med"/>
+                    </a:lnB>
+                    <a:solidFill>
+                      <a:srgbClr val="ED7D31"/>
+                    </a:solidFill>
+                  </a:tcPr>
+                </a:tc>
+                <a:tc hMerge="1">
+                  <a:txBody>
+                    <a:bodyPr/>
+                    <a:lstStyle/>
+                    <a:p>
+                      <a:endParaRPr lang="es-CL"/>
+                    </a:p>
+                  </a:txBody>
+                  <a:tcPr/>
+                </a:tc>
+                <a:tc hMerge="1">
+                  <a:txBody>
+                    <a:bodyPr/>
+                    <a:lstStyle/>
+                    <a:p>
+                      <a:endParaRPr lang="es-CL"/>
+                    </a:p>
+                  </a:txBody>
+                  <a:tcPr/>
+                </a:tc>
+                <a:extLst>
+                  <a:ext uri="{0D108BD9-81ED-4DB2-BD59-A6C34878D82A}">
+                    <a16:rowId xmlns:a16="http://schemas.microsoft.com/office/drawing/2014/main" val="1857787867"/>
+                  </a:ext>
+                </a:extLst>
+              </a:tr>
+              <a:tr h="182880">
+                <a:tc>
+                  <a:txBody>
+                    <a:bodyPr/>
+                    <a:lstStyle/>
+                    <a:p>
+                      <a:pPr algn="l" fontAlgn="b"/>
+                      <a:r>
+                        <a:rPr lang="es-CL" sz="1100" b="0" i="0" u="none" strike="noStrike">
+                          <a:solidFill>
+                            <a:srgbClr val="000000"/>
+                          </a:solidFill>
+                          <a:effectLst/>
+                          <a:latin typeface="Calibri" panose="020F0502020204030204" pitchFamily="34" charset="0"/>
+                        </a:rPr>
+                        <a:t>Columna</a:t>
+                      </a:r>
+                    </a:p>
+                  </a:txBody>
+                  <a:tcPr marL="7620" marR="7620" marT="7620" marB="0" anchor="b">
+                    <a:lnL w="6350" cap="flat" cmpd="sng" algn="ctr">
+                      <a:solidFill>
+                        <a:srgbClr val="000000"/>
+                      </a:solidFill>
+                      <a:prstDash val="solid"/>
+                      <a:round/>
+                      <a:headEnd type="none" w="med" len="med"/>
+                      <a:tailEnd type="none" w="med" len="med"/>
+                    </a:lnL>
+                    <a:lnR w="6350" cap="flat" cmpd="sng" algn="ctr">
+                      <a:solidFill>
+                        <a:srgbClr val="000000"/>
+                      </a:solidFill>
+                      <a:prstDash val="solid"/>
+                      <a:round/>
+                      <a:headEnd type="none" w="med" len="med"/>
+                      <a:tailEnd type="none" w="med" len="med"/>
+                    </a:lnR>
+                    <a:lnT w="6350" cap="flat" cmpd="sng" algn="ctr">
+                      <a:solidFill>
+                        <a:srgbClr val="000000"/>
+                      </a:solidFill>
+                      <a:prstDash val="solid"/>
+                      <a:round/>
+                      <a:headEnd type="none" w="med" len="med"/>
+                      <a:tailEnd type="none" w="med" len="med"/>
+                    </a:lnT>
+                    <a:lnB w="6350" cap="flat" cmpd="sng" algn="ctr">
+                      <a:solidFill>
+                        <a:srgbClr val="000000"/>
+                      </a:solidFill>
+                      <a:prstDash val="solid"/>
+                      <a:round/>
+                      <a:headEnd type="none" w="med" len="med"/>
+                      <a:tailEnd type="none" w="med" len="med"/>
+                    </a:lnB>
+                    <a:solidFill>
+                      <a:srgbClr val="9BC2E6"/>
+                    </a:solidFill>
+                  </a:tcPr>
+                </a:tc>
+                <a:tc>
+                  <a:txBody>
+                    <a:bodyPr/>
+                    <a:lstStyle/>
+                    <a:p>
+                      <a:pPr algn="l" fontAlgn="b"/>
+                      <a:r>
+                        <a:rPr lang="es-CL" sz="1100" b="0" i="0" u="none" strike="noStrike">
+                          <a:solidFill>
+                            <a:srgbClr val="000000"/>
+                          </a:solidFill>
+                          <a:effectLst/>
+                          <a:latin typeface="Calibri" panose="020F0502020204030204" pitchFamily="34" charset="0"/>
+                        </a:rPr>
+                        <a:t>Tipo de dato</a:t>
+                      </a:r>
+                    </a:p>
+                  </a:txBody>
+                  <a:tcPr marL="7620" marR="7620" marT="7620" marB="0" anchor="b">
+                    <a:lnL w="6350" cap="flat" cmpd="sng" algn="ctr">
+                      <a:solidFill>
+                        <a:srgbClr val="000000"/>
+                      </a:solidFill>
+                      <a:prstDash val="solid"/>
+                      <a:round/>
+                      <a:headEnd type="none" w="med" len="med"/>
+                      <a:tailEnd type="none" w="med" len="med"/>
+                    </a:lnL>
+                    <a:lnR w="6350" cap="flat" cmpd="sng" algn="ctr">
+                      <a:solidFill>
+                        <a:srgbClr val="000000"/>
+                      </a:solidFill>
+                      <a:prstDash val="solid"/>
+                      <a:round/>
+                      <a:headEnd type="none" w="med" len="med"/>
+                      <a:tailEnd type="none" w="med" len="med"/>
+                    </a:lnR>
+                    <a:lnT w="6350" cap="flat" cmpd="sng" algn="ctr">
+                      <a:solidFill>
+                        <a:srgbClr val="000000"/>
+                      </a:solidFill>
+                      <a:prstDash val="solid"/>
+                      <a:round/>
+                      <a:headEnd type="none" w="med" len="med"/>
+                      <a:tailEnd type="none" w="med" len="med"/>
+                    </a:lnT>
+                    <a:lnB w="6350" cap="flat" cmpd="sng" algn="ctr">
+                      <a:solidFill>
+                        <a:srgbClr val="000000"/>
+                      </a:solidFill>
+                      <a:prstDash val="solid"/>
+                      <a:round/>
+                      <a:headEnd type="none" w="med" len="med"/>
+                      <a:tailEnd type="none" w="med" len="med"/>
+                    </a:lnB>
+                    <a:solidFill>
+                      <a:srgbClr val="9BC2E6"/>
+                    </a:solidFill>
+                  </a:tcPr>
+                </a:tc>
+                <a:tc>
+                  <a:txBody>
+                    <a:bodyPr/>
+                    <a:lstStyle/>
+                    <a:p>
+                      <a:pPr algn="l" fontAlgn="b"/>
+                      <a:r>
+                        <a:rPr lang="es-CL" sz="1100" b="0" i="0" u="none" strike="noStrike">
+                          <a:solidFill>
+                            <a:srgbClr val="000000"/>
+                          </a:solidFill>
+                          <a:effectLst/>
+                          <a:latin typeface="Calibri" panose="020F0502020204030204" pitchFamily="34" charset="0"/>
+                        </a:rPr>
+                        <a:t>Tipo de clave</a:t>
+                      </a:r>
+                    </a:p>
+                  </a:txBody>
+                  <a:tcPr marL="7620" marR="7620" marT="7620" marB="0" anchor="b">
+                    <a:lnL w="6350" cap="flat" cmpd="sng" algn="ctr">
+                      <a:solidFill>
+                        <a:srgbClr val="000000"/>
+                      </a:solidFill>
+                      <a:prstDash val="solid"/>
+                      <a:round/>
+                      <a:headEnd type="none" w="med" len="med"/>
+                      <a:tailEnd type="none" w="med" len="med"/>
+                    </a:lnL>
+                    <a:lnR w="6350" cap="flat" cmpd="sng" algn="ctr">
+                      <a:solidFill>
+                        <a:srgbClr val="000000"/>
+                      </a:solidFill>
+                      <a:prstDash val="solid"/>
+                      <a:round/>
+                      <a:headEnd type="none" w="med" len="med"/>
+                      <a:tailEnd type="none" w="med" len="med"/>
+                    </a:lnR>
+                    <a:lnT w="6350" cap="flat" cmpd="sng" algn="ctr">
+                      <a:solidFill>
+                        <a:srgbClr val="000000"/>
+                      </a:solidFill>
+                      <a:prstDash val="solid"/>
+                      <a:round/>
+                      <a:headEnd type="none" w="med" len="med"/>
+                      <a:tailEnd type="none" w="med" len="med"/>
+                    </a:lnT>
+                    <a:lnB w="6350" cap="flat" cmpd="sng" algn="ctr">
+                      <a:solidFill>
+                        <a:srgbClr val="000000"/>
+                      </a:solidFill>
+                      <a:prstDash val="solid"/>
+                      <a:round/>
+                      <a:headEnd type="none" w="med" len="med"/>
+                      <a:tailEnd type="none" w="med" len="med"/>
+                    </a:lnB>
+                    <a:solidFill>
+                      <a:srgbClr val="9BC2E6"/>
+                    </a:solidFill>
+                  </a:tcPr>
+                </a:tc>
+                <a:extLst>
+                  <a:ext uri="{0D108BD9-81ED-4DB2-BD59-A6C34878D82A}">
+                    <a16:rowId xmlns:a16="http://schemas.microsoft.com/office/drawing/2014/main" val="1260320817"/>
+                  </a:ext>
+                </a:extLst>
+              </a:tr>
+              <a:tr h="182880">
+                <a:tc>
+                  <a:txBody>
+                    <a:bodyPr/>
+                    <a:lstStyle/>
+                    <a:p>
+                      <a:pPr algn="l" fontAlgn="b"/>
+                      <a:r>
+                        <a:rPr lang="es-CL" sz="1100" b="0" i="0" u="none" strike="noStrike">
+                          <a:solidFill>
+                            <a:srgbClr val="000000"/>
+                          </a:solidFill>
+                          <a:effectLst/>
+                          <a:latin typeface="Calibri" panose="020F0502020204030204" pitchFamily="34" charset="0"/>
+                        </a:rPr>
+                        <a:t>invoice_no</a:t>
+                      </a:r>
+                    </a:p>
+                  </a:txBody>
+                  <a:tcPr marL="7620" marR="7620" marT="7620" marB="0" anchor="b">
+                    <a:lnL w="6350" cap="flat" cmpd="sng" algn="ctr">
+                      <a:solidFill>
+                        <a:srgbClr val="000000"/>
+                      </a:solidFill>
+                      <a:prstDash val="solid"/>
+                      <a:round/>
+                      <a:headEnd type="none" w="med" len="med"/>
+                      <a:tailEnd type="none" w="med" len="med"/>
+                    </a:lnL>
+                    <a:lnR w="6350" cap="flat" cmpd="sng" algn="ctr">
+                      <a:solidFill>
+                        <a:srgbClr val="000000"/>
+                      </a:solidFill>
+                      <a:prstDash val="solid"/>
+                      <a:round/>
+                      <a:headEnd type="none" w="med" len="med"/>
+                      <a:tailEnd type="none" w="med" len="med"/>
+                    </a:lnR>
+                    <a:lnT w="6350" cap="flat" cmpd="sng" algn="ctr">
+                      <a:solidFill>
+                        <a:srgbClr val="000000"/>
+                      </a:solidFill>
+                      <a:prstDash val="solid"/>
+                      <a:round/>
+                      <a:headEnd type="none" w="med" len="med"/>
+                      <a:tailEnd type="none" w="med" len="med"/>
+                    </a:lnT>
+                    <a:lnB w="6350" cap="flat" cmpd="sng" algn="ctr">
+                      <a:solidFill>
+                        <a:srgbClr val="000000"/>
+                      </a:solidFill>
+                      <a:prstDash val="solid"/>
+                      <a:round/>
+                      <a:headEnd type="none" w="med" len="med"/>
+                      <a:tailEnd type="none" w="med" len="med"/>
+                    </a:lnB>
+                  </a:tcPr>
+                </a:tc>
+                <a:tc>
+                  <a:txBody>
+                    <a:bodyPr/>
+                    <a:lstStyle/>
+                    <a:p>
+                      <a:pPr algn="l" fontAlgn="b"/>
+                      <a:r>
+                        <a:rPr lang="es-CL" sz="1100" b="0" i="0" u="none" strike="noStrike">
+                          <a:solidFill>
+                            <a:srgbClr val="000000"/>
+                          </a:solidFill>
+                          <a:effectLst/>
+                          <a:latin typeface="Calibri" panose="020F0502020204030204" pitchFamily="34" charset="0"/>
+                        </a:rPr>
+                        <a:t>varchar</a:t>
+                      </a:r>
+                    </a:p>
+                  </a:txBody>
+                  <a:tcPr marL="7620" marR="7620" marT="7620" marB="0" anchor="b">
+                    <a:lnL w="6350" cap="flat" cmpd="sng" algn="ctr">
+                      <a:solidFill>
+                        <a:srgbClr val="000000"/>
+                      </a:solidFill>
+                      <a:prstDash val="solid"/>
+                      <a:round/>
+                      <a:headEnd type="none" w="med" len="med"/>
+                      <a:tailEnd type="none" w="med" len="med"/>
+                    </a:lnL>
+                    <a:lnR w="6350" cap="flat" cmpd="sng" algn="ctr">
+                      <a:solidFill>
+                        <a:srgbClr val="000000"/>
+                      </a:solidFill>
+                      <a:prstDash val="solid"/>
+                      <a:round/>
+                      <a:headEnd type="none" w="med" len="med"/>
+                      <a:tailEnd type="none" w="med" len="med"/>
+                    </a:lnR>
+                    <a:lnT w="6350" cap="flat" cmpd="sng" algn="ctr">
+                      <a:solidFill>
+                        <a:srgbClr val="000000"/>
+                      </a:solidFill>
+                      <a:prstDash val="solid"/>
+                      <a:round/>
+                      <a:headEnd type="none" w="med" len="med"/>
+                      <a:tailEnd type="none" w="med" len="med"/>
+                    </a:lnT>
+                    <a:lnB w="6350" cap="flat" cmpd="sng" algn="ctr">
+                      <a:solidFill>
+                        <a:srgbClr val="000000"/>
+                      </a:solidFill>
+                      <a:prstDash val="solid"/>
+                      <a:round/>
+                      <a:headEnd type="none" w="med" len="med"/>
+                      <a:tailEnd type="none" w="med" len="med"/>
+                    </a:lnB>
+                  </a:tcPr>
+                </a:tc>
+                <a:tc>
+                  <a:txBody>
+                    <a:bodyPr/>
+                    <a:lstStyle/>
+                    <a:p>
+                      <a:pPr algn="l" fontAlgn="b"/>
+                      <a:r>
+                        <a:rPr lang="es-CL" sz="1100" b="0" i="0" u="none" strike="noStrike">
+                          <a:solidFill>
+                            <a:srgbClr val="000000"/>
+                          </a:solidFill>
+                          <a:effectLst/>
+                          <a:latin typeface="Calibri" panose="020F0502020204030204" pitchFamily="34" charset="0"/>
+                        </a:rPr>
+                        <a:t>FK</a:t>
+                      </a:r>
+                    </a:p>
+                  </a:txBody>
+                  <a:tcPr marL="7620" marR="7620" marT="7620" marB="0" anchor="b">
+                    <a:lnL w="6350" cap="flat" cmpd="sng" algn="ctr">
+                      <a:solidFill>
+                        <a:srgbClr val="000000"/>
+                      </a:solidFill>
+                      <a:prstDash val="solid"/>
+                      <a:round/>
+                      <a:headEnd type="none" w="med" len="med"/>
+                      <a:tailEnd type="none" w="med" len="med"/>
+                    </a:lnL>
+                    <a:lnR w="6350" cap="flat" cmpd="sng" algn="ctr">
+                      <a:solidFill>
+                        <a:srgbClr val="000000"/>
+                      </a:solidFill>
+                      <a:prstDash val="solid"/>
+                      <a:round/>
+                      <a:headEnd type="none" w="med" len="med"/>
+                      <a:tailEnd type="none" w="med" len="med"/>
+                    </a:lnR>
+                    <a:lnT w="6350" cap="flat" cmpd="sng" algn="ctr">
+                      <a:solidFill>
+                        <a:srgbClr val="000000"/>
+                      </a:solidFill>
+                      <a:prstDash val="solid"/>
+                      <a:round/>
+                      <a:headEnd type="none" w="med" len="med"/>
+                      <a:tailEnd type="none" w="med" len="med"/>
+                    </a:lnT>
+                    <a:lnB w="6350" cap="flat" cmpd="sng" algn="ctr">
+                      <a:solidFill>
+                        <a:srgbClr val="000000"/>
+                      </a:solidFill>
+                      <a:prstDash val="solid"/>
+                      <a:round/>
+                      <a:headEnd type="none" w="med" len="med"/>
+                      <a:tailEnd type="none" w="med" len="med"/>
+                    </a:lnB>
+                  </a:tcPr>
+                </a:tc>
+                <a:extLst>
+                  <a:ext uri="{0D108BD9-81ED-4DB2-BD59-A6C34878D82A}">
+                    <a16:rowId xmlns:a16="http://schemas.microsoft.com/office/drawing/2014/main" val="3546068443"/>
+                  </a:ext>
+                </a:extLst>
+              </a:tr>
+              <a:tr h="182880">
+                <a:tc>
+                  <a:txBody>
+                    <a:bodyPr/>
+                    <a:lstStyle/>
+                    <a:p>
+                      <a:pPr algn="l" fontAlgn="b"/>
+                      <a:r>
+                        <a:rPr lang="es-CL" sz="1100" b="0" i="0" u="none" strike="noStrike">
+                          <a:solidFill>
+                            <a:srgbClr val="000000"/>
+                          </a:solidFill>
+                          <a:effectLst/>
+                          <a:latin typeface="Calibri" panose="020F0502020204030204" pitchFamily="34" charset="0"/>
+                        </a:rPr>
+                        <a:t>customer_id</a:t>
+                      </a:r>
+                    </a:p>
+                  </a:txBody>
+                  <a:tcPr marL="7620" marR="7620" marT="7620" marB="0" anchor="b">
+                    <a:lnL w="6350" cap="flat" cmpd="sng" algn="ctr">
+                      <a:solidFill>
+                        <a:srgbClr val="000000"/>
+                      </a:solidFill>
+                      <a:prstDash val="solid"/>
+                      <a:round/>
+                      <a:headEnd type="none" w="med" len="med"/>
+                      <a:tailEnd type="none" w="med" len="med"/>
+                    </a:lnL>
+                    <a:lnR w="6350" cap="flat" cmpd="sng" algn="ctr">
+                      <a:solidFill>
+                        <a:srgbClr val="000000"/>
+                      </a:solidFill>
+                      <a:prstDash val="solid"/>
+                      <a:round/>
+                      <a:headEnd type="none" w="med" len="med"/>
+                      <a:tailEnd type="none" w="med" len="med"/>
+                    </a:lnR>
+                    <a:lnT w="6350" cap="flat" cmpd="sng" algn="ctr">
+                      <a:solidFill>
+                        <a:srgbClr val="000000"/>
+                      </a:solidFill>
+                      <a:prstDash val="solid"/>
+                      <a:round/>
+                      <a:headEnd type="none" w="med" len="med"/>
+                      <a:tailEnd type="none" w="med" len="med"/>
+                    </a:lnT>
+                    <a:lnB w="6350" cap="flat" cmpd="sng" algn="ctr">
+                      <a:solidFill>
+                        <a:srgbClr val="000000"/>
+                      </a:solidFill>
+                      <a:prstDash val="solid"/>
+                      <a:round/>
+                      <a:headEnd type="none" w="med" len="med"/>
+                      <a:tailEnd type="none" w="med" len="med"/>
+                    </a:lnB>
+                  </a:tcPr>
+                </a:tc>
+                <a:tc>
+                  <a:txBody>
+                    <a:bodyPr/>
+                    <a:lstStyle/>
+                    <a:p>
+                      <a:pPr algn="l" fontAlgn="b"/>
+                      <a:r>
+                        <a:rPr lang="es-CL" sz="1100" b="0" i="0" u="none" strike="noStrike">
+                          <a:solidFill>
+                            <a:srgbClr val="000000"/>
+                          </a:solidFill>
+                          <a:effectLst/>
+                          <a:latin typeface="Calibri" panose="020F0502020204030204" pitchFamily="34" charset="0"/>
+                        </a:rPr>
+                        <a:t>varchar</a:t>
+                      </a:r>
+                    </a:p>
+                  </a:txBody>
+                  <a:tcPr marL="7620" marR="7620" marT="7620" marB="0" anchor="b">
+                    <a:lnL w="6350" cap="flat" cmpd="sng" algn="ctr">
+                      <a:solidFill>
+                        <a:srgbClr val="000000"/>
+                      </a:solidFill>
+                      <a:prstDash val="solid"/>
+                      <a:round/>
+                      <a:headEnd type="none" w="med" len="med"/>
+                      <a:tailEnd type="none" w="med" len="med"/>
+                    </a:lnL>
+                    <a:lnR w="6350" cap="flat" cmpd="sng" algn="ctr">
+                      <a:solidFill>
+                        <a:srgbClr val="000000"/>
+                      </a:solidFill>
+                      <a:prstDash val="solid"/>
+                      <a:round/>
+                      <a:headEnd type="none" w="med" len="med"/>
+                      <a:tailEnd type="none" w="med" len="med"/>
+                    </a:lnR>
+                    <a:lnT w="6350" cap="flat" cmpd="sng" algn="ctr">
+                      <a:solidFill>
+                        <a:srgbClr val="000000"/>
+                      </a:solidFill>
+                      <a:prstDash val="solid"/>
+                      <a:round/>
+                      <a:headEnd type="none" w="med" len="med"/>
+                      <a:tailEnd type="none" w="med" len="med"/>
+                    </a:lnT>
+                    <a:lnB w="6350" cap="flat" cmpd="sng" algn="ctr">
+                      <a:solidFill>
+                        <a:srgbClr val="000000"/>
+                      </a:solidFill>
+                      <a:prstDash val="solid"/>
+                      <a:round/>
+                      <a:headEnd type="none" w="med" len="med"/>
+                      <a:tailEnd type="none" w="med" len="med"/>
+                    </a:lnB>
+                  </a:tcPr>
+                </a:tc>
+                <a:tc>
+                  <a:txBody>
+                    <a:bodyPr/>
+                    <a:lstStyle/>
+                    <a:p>
+                      <a:pPr algn="l" fontAlgn="b"/>
+                      <a:r>
+                        <a:rPr lang="es-CL" sz="1100" b="0" i="0" u="none" strike="noStrike">
+                          <a:solidFill>
+                            <a:srgbClr val="000000"/>
+                          </a:solidFill>
+                          <a:effectLst/>
+                          <a:latin typeface="Calibri" panose="020F0502020204030204" pitchFamily="34" charset="0"/>
+                        </a:rPr>
+                        <a:t>FK</a:t>
+                      </a:r>
+                    </a:p>
+                  </a:txBody>
+                  <a:tcPr marL="7620" marR="7620" marT="7620" marB="0" anchor="b">
+                    <a:lnL w="6350" cap="flat" cmpd="sng" algn="ctr">
+                      <a:solidFill>
+                        <a:srgbClr val="000000"/>
+                      </a:solidFill>
+                      <a:prstDash val="solid"/>
+                      <a:round/>
+                      <a:headEnd type="none" w="med" len="med"/>
+                      <a:tailEnd type="none" w="med" len="med"/>
+                    </a:lnL>
+                    <a:lnR w="6350" cap="flat" cmpd="sng" algn="ctr">
+                      <a:solidFill>
+                        <a:srgbClr val="000000"/>
+                      </a:solidFill>
+                      <a:prstDash val="solid"/>
+                      <a:round/>
+                      <a:headEnd type="none" w="med" len="med"/>
+                      <a:tailEnd type="none" w="med" len="med"/>
+                    </a:lnR>
+                    <a:lnT w="6350" cap="flat" cmpd="sng" algn="ctr">
+                      <a:solidFill>
+                        <a:srgbClr val="000000"/>
+                      </a:solidFill>
+                      <a:prstDash val="solid"/>
+                      <a:round/>
+                      <a:headEnd type="none" w="med" len="med"/>
+                      <a:tailEnd type="none" w="med" len="med"/>
+                    </a:lnT>
+                    <a:lnB w="6350" cap="flat" cmpd="sng" algn="ctr">
+                      <a:solidFill>
+                        <a:srgbClr val="000000"/>
+                      </a:solidFill>
+                      <a:prstDash val="solid"/>
+                      <a:round/>
+                      <a:headEnd type="none" w="med" len="med"/>
+                      <a:tailEnd type="none" w="med" len="med"/>
+                    </a:lnB>
+                  </a:tcPr>
+                </a:tc>
+                <a:extLst>
+                  <a:ext uri="{0D108BD9-81ED-4DB2-BD59-A6C34878D82A}">
+                    <a16:rowId xmlns:a16="http://schemas.microsoft.com/office/drawing/2014/main" val="1331365666"/>
+                  </a:ext>
+                </a:extLst>
+              </a:tr>
+              <a:tr h="182880">
+                <a:tc>
+                  <a:txBody>
+                    <a:bodyPr/>
+                    <a:lstStyle/>
+                    <a:p>
+                      <a:pPr algn="l" fontAlgn="b"/>
+                      <a:r>
+                        <a:rPr lang="es-CL" sz="1100" b="0" i="0" u="none" strike="noStrike">
+                          <a:solidFill>
+                            <a:srgbClr val="000000"/>
+                          </a:solidFill>
+                          <a:effectLst/>
+                          <a:latin typeface="Calibri" panose="020F0502020204030204" pitchFamily="34" charset="0"/>
+                        </a:rPr>
+                        <a:t>category</a:t>
+                      </a:r>
+                    </a:p>
+                  </a:txBody>
+                  <a:tcPr marL="7620" marR="7620" marT="7620" marB="0" anchor="b">
+                    <a:lnL w="6350" cap="flat" cmpd="sng" algn="ctr">
+                      <a:solidFill>
+                        <a:srgbClr val="000000"/>
+                      </a:solidFill>
+                      <a:prstDash val="solid"/>
+                      <a:round/>
+                      <a:headEnd type="none" w="med" len="med"/>
+                      <a:tailEnd type="none" w="med" len="med"/>
+                    </a:lnL>
+                    <a:lnR w="6350" cap="flat" cmpd="sng" algn="ctr">
+                      <a:solidFill>
+                        <a:srgbClr val="000000"/>
+                      </a:solidFill>
+                      <a:prstDash val="solid"/>
+                      <a:round/>
+                      <a:headEnd type="none" w="med" len="med"/>
+                      <a:tailEnd type="none" w="med" len="med"/>
+                    </a:lnR>
+                    <a:lnT w="6350" cap="flat" cmpd="sng" algn="ctr">
+                      <a:solidFill>
+                        <a:srgbClr val="000000"/>
+                      </a:solidFill>
+                      <a:prstDash val="solid"/>
+                      <a:round/>
+                      <a:headEnd type="none" w="med" len="med"/>
+                      <a:tailEnd type="none" w="med" len="med"/>
+                    </a:lnT>
+                    <a:lnB w="6350" cap="flat" cmpd="sng" algn="ctr">
+                      <a:solidFill>
+                        <a:srgbClr val="000000"/>
+                      </a:solidFill>
+                      <a:prstDash val="solid"/>
+                      <a:round/>
+                      <a:headEnd type="none" w="med" len="med"/>
+                      <a:tailEnd type="none" w="med" len="med"/>
+                    </a:lnB>
+                  </a:tcPr>
+                </a:tc>
+                <a:tc>
+                  <a:txBody>
+                    <a:bodyPr/>
+                    <a:lstStyle/>
+                    <a:p>
+                      <a:pPr algn="l" fontAlgn="b"/>
+                      <a:r>
+                        <a:rPr lang="es-CL" sz="1100" b="0" i="0" u="none" strike="noStrike">
+                          <a:solidFill>
+                            <a:srgbClr val="000000"/>
+                          </a:solidFill>
+                          <a:effectLst/>
+                          <a:latin typeface="Calibri" panose="020F0502020204030204" pitchFamily="34" charset="0"/>
+                        </a:rPr>
+                        <a:t>int</a:t>
+                      </a:r>
+                    </a:p>
+                  </a:txBody>
+                  <a:tcPr marL="7620" marR="7620" marT="7620" marB="0" anchor="b">
+                    <a:lnL w="6350" cap="flat" cmpd="sng" algn="ctr">
+                      <a:solidFill>
+                        <a:srgbClr val="000000"/>
+                      </a:solidFill>
+                      <a:prstDash val="solid"/>
+                      <a:round/>
+                      <a:headEnd type="none" w="med" len="med"/>
+                      <a:tailEnd type="none" w="med" len="med"/>
+                    </a:lnL>
+                    <a:lnR w="6350" cap="flat" cmpd="sng" algn="ctr">
+                      <a:solidFill>
+                        <a:srgbClr val="000000"/>
+                      </a:solidFill>
+                      <a:prstDash val="solid"/>
+                      <a:round/>
+                      <a:headEnd type="none" w="med" len="med"/>
+                      <a:tailEnd type="none" w="med" len="med"/>
+                    </a:lnR>
+                    <a:lnT w="6350" cap="flat" cmpd="sng" algn="ctr">
+                      <a:solidFill>
+                        <a:srgbClr val="000000"/>
+                      </a:solidFill>
+                      <a:prstDash val="solid"/>
+                      <a:round/>
+                      <a:headEnd type="none" w="med" len="med"/>
+                      <a:tailEnd type="none" w="med" len="med"/>
+                    </a:lnT>
+                    <a:lnB w="6350" cap="flat" cmpd="sng" algn="ctr">
+                      <a:solidFill>
+                        <a:srgbClr val="000000"/>
+                      </a:solidFill>
+                      <a:prstDash val="solid"/>
+                      <a:round/>
+                      <a:headEnd type="none" w="med" len="med"/>
+                      <a:tailEnd type="none" w="med" len="med"/>
+                    </a:lnB>
+                  </a:tcPr>
+                </a:tc>
+                <a:tc>
+                  <a:txBody>
+                    <a:bodyPr/>
+                    <a:lstStyle/>
+                    <a:p>
+                      <a:pPr algn="l" fontAlgn="b"/>
+                      <a:r>
+                        <a:rPr lang="es-CL" sz="1100" b="0" i="0" u="none" strike="noStrike">
+                          <a:solidFill>
+                            <a:srgbClr val="000000"/>
+                          </a:solidFill>
+                          <a:effectLst/>
+                          <a:latin typeface="Calibri" panose="020F0502020204030204" pitchFamily="34" charset="0"/>
+                        </a:rPr>
+                        <a:t>FK</a:t>
+                      </a:r>
+                    </a:p>
+                  </a:txBody>
+                  <a:tcPr marL="7620" marR="7620" marT="7620" marB="0" anchor="b">
+                    <a:lnL w="6350" cap="flat" cmpd="sng" algn="ctr">
+                      <a:solidFill>
+                        <a:srgbClr val="000000"/>
+                      </a:solidFill>
+                      <a:prstDash val="solid"/>
+                      <a:round/>
+                      <a:headEnd type="none" w="med" len="med"/>
+                      <a:tailEnd type="none" w="med" len="med"/>
+                    </a:lnL>
+                    <a:lnR w="6350" cap="flat" cmpd="sng" algn="ctr">
+                      <a:solidFill>
+                        <a:srgbClr val="000000"/>
+                      </a:solidFill>
+                      <a:prstDash val="solid"/>
+                      <a:round/>
+                      <a:headEnd type="none" w="med" len="med"/>
+                      <a:tailEnd type="none" w="med" len="med"/>
+                    </a:lnR>
+                    <a:lnT w="6350" cap="flat" cmpd="sng" algn="ctr">
+                      <a:solidFill>
+                        <a:srgbClr val="000000"/>
+                      </a:solidFill>
+                      <a:prstDash val="solid"/>
+                      <a:round/>
+                      <a:headEnd type="none" w="med" len="med"/>
+                      <a:tailEnd type="none" w="med" len="med"/>
+                    </a:lnT>
+                    <a:lnB w="6350" cap="flat" cmpd="sng" algn="ctr">
+                      <a:solidFill>
+                        <a:srgbClr val="000000"/>
+                      </a:solidFill>
+                      <a:prstDash val="solid"/>
+                      <a:round/>
+                      <a:headEnd type="none" w="med" len="med"/>
+                      <a:tailEnd type="none" w="med" len="med"/>
+                    </a:lnB>
+                  </a:tcPr>
+                </a:tc>
+                <a:extLst>
+                  <a:ext uri="{0D108BD9-81ED-4DB2-BD59-A6C34878D82A}">
+                    <a16:rowId xmlns:a16="http://schemas.microsoft.com/office/drawing/2014/main" val="20053692"/>
+                  </a:ext>
+                </a:extLst>
+              </a:tr>
+              <a:tr h="182880">
+                <a:tc>
+                  <a:txBody>
+                    <a:bodyPr/>
+                    <a:lstStyle/>
+                    <a:p>
+                      <a:pPr algn="l" fontAlgn="b"/>
+                      <a:r>
+                        <a:rPr lang="es-CL" sz="1100" b="0" i="0" u="none" strike="noStrike">
+                          <a:solidFill>
+                            <a:srgbClr val="000000"/>
+                          </a:solidFill>
+                          <a:effectLst/>
+                          <a:latin typeface="Calibri" panose="020F0502020204030204" pitchFamily="34" charset="0"/>
+                        </a:rPr>
+                        <a:t>quantity</a:t>
+                      </a:r>
+                    </a:p>
+                  </a:txBody>
+                  <a:tcPr marL="7620" marR="7620" marT="7620" marB="0" anchor="b">
+                    <a:lnL w="6350" cap="flat" cmpd="sng" algn="ctr">
+                      <a:solidFill>
+                        <a:srgbClr val="000000"/>
+                      </a:solidFill>
+                      <a:prstDash val="solid"/>
+                      <a:round/>
+                      <a:headEnd type="none" w="med" len="med"/>
+                      <a:tailEnd type="none" w="med" len="med"/>
+                    </a:lnL>
+                    <a:lnR w="6350" cap="flat" cmpd="sng" algn="ctr">
+                      <a:solidFill>
+                        <a:srgbClr val="000000"/>
+                      </a:solidFill>
+                      <a:prstDash val="solid"/>
+                      <a:round/>
+                      <a:headEnd type="none" w="med" len="med"/>
+                      <a:tailEnd type="none" w="med" len="med"/>
+                    </a:lnR>
+                    <a:lnT w="6350" cap="flat" cmpd="sng" algn="ctr">
+                      <a:solidFill>
+                        <a:srgbClr val="000000"/>
+                      </a:solidFill>
+                      <a:prstDash val="solid"/>
+                      <a:round/>
+                      <a:headEnd type="none" w="med" len="med"/>
+                      <a:tailEnd type="none" w="med" len="med"/>
+                    </a:lnT>
+                    <a:lnB w="6350" cap="flat" cmpd="sng" algn="ctr">
+                      <a:solidFill>
+                        <a:srgbClr val="000000"/>
+                      </a:solidFill>
+                      <a:prstDash val="solid"/>
+                      <a:round/>
+                      <a:headEnd type="none" w="med" len="med"/>
+                      <a:tailEnd type="none" w="med" len="med"/>
+                    </a:lnB>
+                  </a:tcPr>
+                </a:tc>
+                <a:tc>
+                  <a:txBody>
+                    <a:bodyPr/>
+                    <a:lstStyle/>
+                    <a:p>
+                      <a:pPr algn="l" fontAlgn="b"/>
+                      <a:r>
+                        <a:rPr lang="es-CL" sz="1100" b="0" i="0" u="none" strike="noStrike">
+                          <a:solidFill>
+                            <a:srgbClr val="000000"/>
+                          </a:solidFill>
+                          <a:effectLst/>
+                          <a:latin typeface="Calibri" panose="020F0502020204030204" pitchFamily="34" charset="0"/>
+                        </a:rPr>
+                        <a:t>int</a:t>
+                      </a:r>
+                    </a:p>
+                  </a:txBody>
+                  <a:tcPr marL="7620" marR="7620" marT="7620" marB="0" anchor="b">
+                    <a:lnL w="6350" cap="flat" cmpd="sng" algn="ctr">
+                      <a:solidFill>
+                        <a:srgbClr val="000000"/>
+                      </a:solidFill>
+                      <a:prstDash val="solid"/>
+                      <a:round/>
+                      <a:headEnd type="none" w="med" len="med"/>
+                      <a:tailEnd type="none" w="med" len="med"/>
+                    </a:lnL>
+                    <a:lnR w="6350" cap="flat" cmpd="sng" algn="ctr">
+                      <a:solidFill>
+                        <a:srgbClr val="000000"/>
+                      </a:solidFill>
+                      <a:prstDash val="solid"/>
+                      <a:round/>
+                      <a:headEnd type="none" w="med" len="med"/>
+                      <a:tailEnd type="none" w="med" len="med"/>
+                    </a:lnR>
+                    <a:lnT w="6350" cap="flat" cmpd="sng" algn="ctr">
+                      <a:solidFill>
+                        <a:srgbClr val="000000"/>
+                      </a:solidFill>
+                      <a:prstDash val="solid"/>
+                      <a:round/>
+                      <a:headEnd type="none" w="med" len="med"/>
+                      <a:tailEnd type="none" w="med" len="med"/>
+                    </a:lnT>
+                    <a:lnB w="6350" cap="flat" cmpd="sng" algn="ctr">
+                      <a:solidFill>
+                        <a:srgbClr val="000000"/>
+                      </a:solidFill>
+                      <a:prstDash val="solid"/>
+                      <a:round/>
+                      <a:headEnd type="none" w="med" len="med"/>
+                      <a:tailEnd type="none" w="med" len="med"/>
+                    </a:lnB>
+                  </a:tcPr>
+                </a:tc>
+                <a:tc>
+                  <a:txBody>
+                    <a:bodyPr/>
+                    <a:lstStyle/>
+                    <a:p>
+                      <a:pPr algn="l" fontAlgn="b"/>
+                      <a:r>
+                        <a:rPr lang="es-CL" sz="1100" b="0" i="0" u="none" strike="noStrike">
+                          <a:solidFill>
+                            <a:srgbClr val="000000"/>
+                          </a:solidFill>
+                          <a:effectLst/>
+                          <a:latin typeface="Calibri" panose="020F0502020204030204" pitchFamily="34" charset="0"/>
+                        </a:rPr>
+                        <a:t> </a:t>
+                      </a:r>
+                    </a:p>
+                  </a:txBody>
+                  <a:tcPr marL="7620" marR="7620" marT="7620" marB="0" anchor="b">
+                    <a:lnL w="6350" cap="flat" cmpd="sng" algn="ctr">
+                      <a:solidFill>
+                        <a:srgbClr val="000000"/>
+                      </a:solidFill>
+                      <a:prstDash val="solid"/>
+                      <a:round/>
+                      <a:headEnd type="none" w="med" len="med"/>
+                      <a:tailEnd type="none" w="med" len="med"/>
+                    </a:lnL>
+                    <a:lnR w="6350" cap="flat" cmpd="sng" algn="ctr">
+                      <a:solidFill>
+                        <a:srgbClr val="000000"/>
+                      </a:solidFill>
+                      <a:prstDash val="solid"/>
+                      <a:round/>
+                      <a:headEnd type="none" w="med" len="med"/>
+                      <a:tailEnd type="none" w="med" len="med"/>
+                    </a:lnR>
+                    <a:lnT w="6350" cap="flat" cmpd="sng" algn="ctr">
+                      <a:solidFill>
+                        <a:srgbClr val="000000"/>
+                      </a:solidFill>
+                      <a:prstDash val="solid"/>
+                      <a:round/>
+                      <a:headEnd type="none" w="med" len="med"/>
+                      <a:tailEnd type="none" w="med" len="med"/>
+                    </a:lnT>
+                    <a:lnB w="6350" cap="flat" cmpd="sng" algn="ctr">
+                      <a:solidFill>
+                        <a:srgbClr val="000000"/>
+                      </a:solidFill>
+                      <a:prstDash val="solid"/>
+                      <a:round/>
+                      <a:headEnd type="none" w="med" len="med"/>
+                      <a:tailEnd type="none" w="med" len="med"/>
+                    </a:lnB>
+                  </a:tcPr>
+                </a:tc>
+                <a:extLst>
+                  <a:ext uri="{0D108BD9-81ED-4DB2-BD59-A6C34878D82A}">
+                    <a16:rowId xmlns:a16="http://schemas.microsoft.com/office/drawing/2014/main" val="1230842891"/>
+                  </a:ext>
+                </a:extLst>
+              </a:tr>
+              <a:tr h="182880">
+                <a:tc>
+                  <a:txBody>
+                    <a:bodyPr/>
+                    <a:lstStyle/>
+                    <a:p>
+                      <a:pPr algn="l" fontAlgn="b"/>
+                      <a:r>
+                        <a:rPr lang="es-CL" sz="1100" b="0" i="0" u="none" strike="noStrike">
+                          <a:solidFill>
+                            <a:srgbClr val="000000"/>
+                          </a:solidFill>
+                          <a:effectLst/>
+                          <a:latin typeface="Calibri" panose="020F0502020204030204" pitchFamily="34" charset="0"/>
+                        </a:rPr>
+                        <a:t>price</a:t>
+                      </a:r>
+                    </a:p>
+                  </a:txBody>
+                  <a:tcPr marL="7620" marR="7620" marT="7620" marB="0" anchor="b">
+                    <a:lnL w="6350" cap="flat" cmpd="sng" algn="ctr">
+                      <a:solidFill>
+                        <a:srgbClr val="000000"/>
+                      </a:solidFill>
+                      <a:prstDash val="solid"/>
+                      <a:round/>
+                      <a:headEnd type="none" w="med" len="med"/>
+                      <a:tailEnd type="none" w="med" len="med"/>
+                    </a:lnL>
+                    <a:lnR w="6350" cap="flat" cmpd="sng" algn="ctr">
+                      <a:solidFill>
+                        <a:srgbClr val="000000"/>
+                      </a:solidFill>
+                      <a:prstDash val="solid"/>
+                      <a:round/>
+                      <a:headEnd type="none" w="med" len="med"/>
+                      <a:tailEnd type="none" w="med" len="med"/>
+                    </a:lnR>
+                    <a:lnT w="6350" cap="flat" cmpd="sng" algn="ctr">
+                      <a:solidFill>
+                        <a:srgbClr val="000000"/>
+                      </a:solidFill>
+                      <a:prstDash val="solid"/>
+                      <a:round/>
+                      <a:headEnd type="none" w="med" len="med"/>
+                      <a:tailEnd type="none" w="med" len="med"/>
+                    </a:lnT>
+                    <a:lnB w="6350" cap="flat" cmpd="sng" algn="ctr">
+                      <a:solidFill>
+                        <a:srgbClr val="000000"/>
+                      </a:solidFill>
+                      <a:prstDash val="solid"/>
+                      <a:round/>
+                      <a:headEnd type="none" w="med" len="med"/>
+                      <a:tailEnd type="none" w="med" len="med"/>
+                    </a:lnB>
+                  </a:tcPr>
+                </a:tc>
+                <a:tc>
+                  <a:txBody>
+                    <a:bodyPr/>
+                    <a:lstStyle/>
+                    <a:p>
+                      <a:pPr algn="l" fontAlgn="b"/>
+                      <a:r>
+                        <a:rPr lang="es-CL" sz="1100" b="0" i="0" u="none" strike="noStrike">
+                          <a:solidFill>
+                            <a:srgbClr val="000000"/>
+                          </a:solidFill>
+                          <a:effectLst/>
+                          <a:latin typeface="Calibri" panose="020F0502020204030204" pitchFamily="34" charset="0"/>
+                        </a:rPr>
+                        <a:t>int</a:t>
+                      </a:r>
+                    </a:p>
+                  </a:txBody>
+                  <a:tcPr marL="7620" marR="7620" marT="7620" marB="0" anchor="b">
+                    <a:lnL w="6350" cap="flat" cmpd="sng" algn="ctr">
+                      <a:solidFill>
+                        <a:srgbClr val="000000"/>
+                      </a:solidFill>
+                      <a:prstDash val="solid"/>
+                      <a:round/>
+                      <a:headEnd type="none" w="med" len="med"/>
+                      <a:tailEnd type="none" w="med" len="med"/>
+                    </a:lnL>
+                    <a:lnR w="6350" cap="flat" cmpd="sng" algn="ctr">
+                      <a:solidFill>
+                        <a:srgbClr val="000000"/>
+                      </a:solidFill>
+                      <a:prstDash val="solid"/>
+                      <a:round/>
+                      <a:headEnd type="none" w="med" len="med"/>
+                      <a:tailEnd type="none" w="med" len="med"/>
+                    </a:lnR>
+                    <a:lnT w="6350" cap="flat" cmpd="sng" algn="ctr">
+                      <a:solidFill>
+                        <a:srgbClr val="000000"/>
+                      </a:solidFill>
+                      <a:prstDash val="solid"/>
+                      <a:round/>
+                      <a:headEnd type="none" w="med" len="med"/>
+                      <a:tailEnd type="none" w="med" len="med"/>
+                    </a:lnT>
+                    <a:lnB w="6350" cap="flat" cmpd="sng" algn="ctr">
+                      <a:solidFill>
+                        <a:srgbClr val="000000"/>
+                      </a:solidFill>
+                      <a:prstDash val="solid"/>
+                      <a:round/>
+                      <a:headEnd type="none" w="med" len="med"/>
+                      <a:tailEnd type="none" w="med" len="med"/>
+                    </a:lnB>
+                  </a:tcPr>
+                </a:tc>
+                <a:tc>
+                  <a:txBody>
+                    <a:bodyPr/>
+                    <a:lstStyle/>
+                    <a:p>
+                      <a:pPr algn="l" fontAlgn="b"/>
+                      <a:r>
+                        <a:rPr lang="es-CL" sz="1100" b="0" i="0" u="none" strike="noStrike">
+                          <a:solidFill>
+                            <a:srgbClr val="000000"/>
+                          </a:solidFill>
+                          <a:effectLst/>
+                          <a:latin typeface="Calibri" panose="020F0502020204030204" pitchFamily="34" charset="0"/>
+                        </a:rPr>
+                        <a:t> </a:t>
+                      </a:r>
+                    </a:p>
+                  </a:txBody>
+                  <a:tcPr marL="7620" marR="7620" marT="7620" marB="0" anchor="b">
+                    <a:lnL w="6350" cap="flat" cmpd="sng" algn="ctr">
+                      <a:solidFill>
+                        <a:srgbClr val="000000"/>
+                      </a:solidFill>
+                      <a:prstDash val="solid"/>
+                      <a:round/>
+                      <a:headEnd type="none" w="med" len="med"/>
+                      <a:tailEnd type="none" w="med" len="med"/>
+                    </a:lnL>
+                    <a:lnR w="6350" cap="flat" cmpd="sng" algn="ctr">
+                      <a:solidFill>
+                        <a:srgbClr val="000000"/>
+                      </a:solidFill>
+                      <a:prstDash val="solid"/>
+                      <a:round/>
+                      <a:headEnd type="none" w="med" len="med"/>
+                      <a:tailEnd type="none" w="med" len="med"/>
+                    </a:lnR>
+                    <a:lnT w="6350" cap="flat" cmpd="sng" algn="ctr">
+                      <a:solidFill>
+                        <a:srgbClr val="000000"/>
+                      </a:solidFill>
+                      <a:prstDash val="solid"/>
+                      <a:round/>
+                      <a:headEnd type="none" w="med" len="med"/>
+                      <a:tailEnd type="none" w="med" len="med"/>
+                    </a:lnT>
+                    <a:lnB w="6350" cap="flat" cmpd="sng" algn="ctr">
+                      <a:solidFill>
+                        <a:srgbClr val="000000"/>
+                      </a:solidFill>
+                      <a:prstDash val="solid"/>
+                      <a:round/>
+                      <a:headEnd type="none" w="med" len="med"/>
+                      <a:tailEnd type="none" w="med" len="med"/>
+                    </a:lnB>
+                  </a:tcPr>
+                </a:tc>
+                <a:extLst>
+                  <a:ext uri="{0D108BD9-81ED-4DB2-BD59-A6C34878D82A}">
+                    <a16:rowId xmlns:a16="http://schemas.microsoft.com/office/drawing/2014/main" val="2607990531"/>
+                  </a:ext>
+                </a:extLst>
+              </a:tr>
+              <a:tr h="182880">
+                <a:tc>
+                  <a:txBody>
+                    <a:bodyPr/>
+                    <a:lstStyle/>
+                    <a:p>
+                      <a:pPr algn="l" fontAlgn="b"/>
+                      <a:r>
+                        <a:rPr lang="es-CL" sz="1100" b="0" i="0" u="none" strike="noStrike">
+                          <a:solidFill>
+                            <a:srgbClr val="000000"/>
+                          </a:solidFill>
+                          <a:effectLst/>
+                          <a:latin typeface="Calibri" panose="020F0502020204030204" pitchFamily="34" charset="0"/>
+                        </a:rPr>
+                        <a:t>payment_method</a:t>
+                      </a:r>
+                    </a:p>
+                  </a:txBody>
+                  <a:tcPr marL="7620" marR="7620" marT="7620" marB="0" anchor="b">
+                    <a:lnL w="6350" cap="flat" cmpd="sng" algn="ctr">
+                      <a:solidFill>
+                        <a:srgbClr val="000000"/>
+                      </a:solidFill>
+                      <a:prstDash val="solid"/>
+                      <a:round/>
+                      <a:headEnd type="none" w="med" len="med"/>
+                      <a:tailEnd type="none" w="med" len="med"/>
+                    </a:lnL>
+                    <a:lnR w="6350" cap="flat" cmpd="sng" algn="ctr">
+                      <a:solidFill>
+                        <a:srgbClr val="000000"/>
+                      </a:solidFill>
+                      <a:prstDash val="solid"/>
+                      <a:round/>
+                      <a:headEnd type="none" w="med" len="med"/>
+                      <a:tailEnd type="none" w="med" len="med"/>
+                    </a:lnR>
+                    <a:lnT w="6350" cap="flat" cmpd="sng" algn="ctr">
+                      <a:solidFill>
+                        <a:srgbClr val="000000"/>
+                      </a:solidFill>
+                      <a:prstDash val="solid"/>
+                      <a:round/>
+                      <a:headEnd type="none" w="med" len="med"/>
+                      <a:tailEnd type="none" w="med" len="med"/>
+                    </a:lnT>
+                    <a:lnB w="6350" cap="flat" cmpd="sng" algn="ctr">
+                      <a:solidFill>
+                        <a:srgbClr val="000000"/>
+                      </a:solidFill>
+                      <a:prstDash val="solid"/>
+                      <a:round/>
+                      <a:headEnd type="none" w="med" len="med"/>
+                      <a:tailEnd type="none" w="med" len="med"/>
+                    </a:lnB>
+                  </a:tcPr>
+                </a:tc>
+                <a:tc>
+                  <a:txBody>
+                    <a:bodyPr/>
+                    <a:lstStyle/>
+                    <a:p>
+                      <a:pPr algn="l" fontAlgn="b"/>
+                      <a:r>
+                        <a:rPr lang="es-CL" sz="1100" b="0" i="0" u="none" strike="noStrike">
+                          <a:solidFill>
+                            <a:srgbClr val="000000"/>
+                          </a:solidFill>
+                          <a:effectLst/>
+                          <a:latin typeface="Calibri" panose="020F0502020204030204" pitchFamily="34" charset="0"/>
+                        </a:rPr>
+                        <a:t>int</a:t>
+                      </a:r>
+                    </a:p>
+                  </a:txBody>
+                  <a:tcPr marL="7620" marR="7620" marT="7620" marB="0" anchor="b">
+                    <a:lnL w="6350" cap="flat" cmpd="sng" algn="ctr">
+                      <a:solidFill>
+                        <a:srgbClr val="000000"/>
+                      </a:solidFill>
+                      <a:prstDash val="solid"/>
+                      <a:round/>
+                      <a:headEnd type="none" w="med" len="med"/>
+                      <a:tailEnd type="none" w="med" len="med"/>
+                    </a:lnL>
+                    <a:lnR w="6350" cap="flat" cmpd="sng" algn="ctr">
+                      <a:solidFill>
+                        <a:srgbClr val="000000"/>
+                      </a:solidFill>
+                      <a:prstDash val="solid"/>
+                      <a:round/>
+                      <a:headEnd type="none" w="med" len="med"/>
+                      <a:tailEnd type="none" w="med" len="med"/>
+                    </a:lnR>
+                    <a:lnT w="6350" cap="flat" cmpd="sng" algn="ctr">
+                      <a:solidFill>
+                        <a:srgbClr val="000000"/>
+                      </a:solidFill>
+                      <a:prstDash val="solid"/>
+                      <a:round/>
+                      <a:headEnd type="none" w="med" len="med"/>
+                      <a:tailEnd type="none" w="med" len="med"/>
+                    </a:lnT>
+                    <a:lnB w="6350" cap="flat" cmpd="sng" algn="ctr">
+                      <a:solidFill>
+                        <a:srgbClr val="000000"/>
+                      </a:solidFill>
+                      <a:prstDash val="solid"/>
+                      <a:round/>
+                      <a:headEnd type="none" w="med" len="med"/>
+                      <a:tailEnd type="none" w="med" len="med"/>
+                    </a:lnB>
+                  </a:tcPr>
+                </a:tc>
+                <a:tc>
+                  <a:txBody>
+                    <a:bodyPr/>
+                    <a:lstStyle/>
+                    <a:p>
+                      <a:pPr algn="l" fontAlgn="b"/>
+                      <a:r>
+                        <a:rPr lang="es-CL" sz="1100" b="0" i="0" u="none" strike="noStrike" dirty="0">
+                          <a:solidFill>
+                            <a:srgbClr val="000000"/>
+                          </a:solidFill>
+                          <a:effectLst/>
+                          <a:latin typeface="Calibri" panose="020F0502020204030204" pitchFamily="34" charset="0"/>
+                        </a:rPr>
+                        <a:t>FK</a:t>
+                      </a:r>
+                    </a:p>
+                  </a:txBody>
+                  <a:tcPr marL="7620" marR="7620" marT="7620" marB="0" anchor="b">
+                    <a:lnL w="6350" cap="flat" cmpd="sng" algn="ctr">
+                      <a:solidFill>
+                        <a:srgbClr val="000000"/>
+                      </a:solidFill>
+                      <a:prstDash val="solid"/>
+                      <a:round/>
+                      <a:headEnd type="none" w="med" len="med"/>
+                      <a:tailEnd type="none" w="med" len="med"/>
+                    </a:lnL>
+                    <a:lnR w="6350" cap="flat" cmpd="sng" algn="ctr">
+                      <a:solidFill>
+                        <a:srgbClr val="000000"/>
+                      </a:solidFill>
+                      <a:prstDash val="solid"/>
+                      <a:round/>
+                      <a:headEnd type="none" w="med" len="med"/>
+                      <a:tailEnd type="none" w="med" len="med"/>
+                    </a:lnR>
+                    <a:lnT w="6350" cap="flat" cmpd="sng" algn="ctr">
+                      <a:solidFill>
+                        <a:srgbClr val="000000"/>
+                      </a:solidFill>
+                      <a:prstDash val="solid"/>
+                      <a:round/>
+                      <a:headEnd type="none" w="med" len="med"/>
+                      <a:tailEnd type="none" w="med" len="med"/>
+                    </a:lnT>
+                    <a:lnB w="6350" cap="flat" cmpd="sng" algn="ctr">
+                      <a:solidFill>
+                        <a:srgbClr val="000000"/>
+                      </a:solidFill>
+                      <a:prstDash val="solid"/>
+                      <a:round/>
+                      <a:headEnd type="none" w="med" len="med"/>
+                      <a:tailEnd type="none" w="med" len="med"/>
+                    </a:lnB>
+                  </a:tcPr>
+                </a:tc>
+                <a:extLst>
+                  <a:ext uri="{0D108BD9-81ED-4DB2-BD59-A6C34878D82A}">
+                    <a16:rowId xmlns:a16="http://schemas.microsoft.com/office/drawing/2014/main" val="3565168872"/>
+                  </a:ext>
+                </a:extLst>
+              </a:tr>
+            </a:tbl>
+          </a:graphicData>
+        </a:graphic>
+      </p:graphicFrame>
+      <p:graphicFrame>
+        <p:nvGraphicFramePr>
+          <p:cNvPr id="23" name="Marcador de contenido 22">
+            <a:extLst>
+              <a:ext uri="{FF2B5EF4-FFF2-40B4-BE49-F238E27FC236}">
+                <a16:creationId xmlns:a16="http://schemas.microsoft.com/office/drawing/2014/main" id="{55EBB710-82C8-9465-C41E-B4B7B062D991}"/>
+              </a:ext>
+            </a:extLst>
+          </p:cNvPr>
+          <p:cNvGraphicFramePr>
+            <a:graphicFrameLocks noGrp="1"/>
+          </p:cNvGraphicFramePr>
+          <p:nvPr>
+            <p:ph idx="1"/>
+            <p:extLst>
+              <p:ext uri="{D42A27DB-BD31-4B8C-83A1-F6EECF244321}">
+                <p14:modId xmlns:p14="http://schemas.microsoft.com/office/powerpoint/2010/main" val="2487962961"/>
+              </p:ext>
+            </p:extLst>
+          </p:nvPr>
+        </p:nvGraphicFramePr>
+        <p:xfrm>
+          <a:off x="574598" y="2013891"/>
+          <a:ext cx="3962400" cy="2272974"/>
+        </p:xfrm>
+        <a:graphic>
+          <a:graphicData uri="http://schemas.openxmlformats.org/drawingml/2006/table">
+            <a:tbl>
+              <a:tblPr/>
+              <a:tblGrid>
+                <a:gridCol w="1511300">
+                  <a:extLst>
+                    <a:ext uri="{9D8B030D-6E8A-4147-A177-3AD203B41FA5}">
+                      <a16:colId xmlns:a16="http://schemas.microsoft.com/office/drawing/2014/main" val="1407325808"/>
+                    </a:ext>
+                  </a:extLst>
+                </a:gridCol>
+                <a:gridCol w="2451100">
+                  <a:extLst>
+                    <a:ext uri="{9D8B030D-6E8A-4147-A177-3AD203B41FA5}">
+                      <a16:colId xmlns:a16="http://schemas.microsoft.com/office/drawing/2014/main" val="362658248"/>
+                    </a:ext>
+                  </a:extLst>
+                </a:gridCol>
+              </a:tblGrid>
+              <a:tr h="378829">
+                <a:tc>
+                  <a:txBody>
+                    <a:bodyPr/>
+                    <a:lstStyle/>
+                    <a:p>
+                      <a:pPr marL="0" indent="0" algn="l" fontAlgn="b">
+                        <a:buFont typeface="Arial" panose="020B0604020202020204" pitchFamily="34" charset="0"/>
+                        <a:buNone/>
+                      </a:pPr>
+                      <a:r>
+                        <a:rPr lang="es-CL" sz="1100" b="0" i="0" u="none" strike="noStrike" dirty="0">
+                          <a:solidFill>
+                            <a:srgbClr val="000000"/>
+                          </a:solidFill>
+                          <a:effectLst/>
+                          <a:latin typeface="Calibri" panose="020F0502020204030204" pitchFamily="34" charset="0"/>
+                        </a:rPr>
+                        <a:t>Tabla</a:t>
+                      </a:r>
+                    </a:p>
+                  </a:txBody>
+                  <a:tcPr marL="7620" marR="7620" marT="7620" marB="0" anchor="b">
+                    <a:lnL w="6350" cap="flat" cmpd="sng" algn="ctr">
+                      <a:solidFill>
+                        <a:srgbClr val="000000"/>
+                      </a:solidFill>
+                      <a:prstDash val="solid"/>
+                      <a:round/>
+                      <a:headEnd type="none" w="med" len="med"/>
+                      <a:tailEnd type="none" w="med" len="med"/>
+                    </a:lnL>
+                    <a:lnR w="6350" cap="flat" cmpd="sng" algn="ctr">
+                      <a:solidFill>
+                        <a:srgbClr val="000000"/>
+                      </a:solidFill>
+                      <a:prstDash val="solid"/>
+                      <a:round/>
+                      <a:headEnd type="none" w="med" len="med"/>
+                      <a:tailEnd type="none" w="med" len="med"/>
+                    </a:lnR>
+                    <a:lnT w="6350" cap="flat" cmpd="sng" algn="ctr">
+                      <a:solidFill>
+                        <a:srgbClr val="000000"/>
+                      </a:solidFill>
+                      <a:prstDash val="solid"/>
+                      <a:round/>
+                      <a:headEnd type="none" w="med" len="med"/>
+                      <a:tailEnd type="none" w="med" len="med"/>
+                    </a:lnT>
+                    <a:lnB w="6350" cap="flat" cmpd="sng" algn="ctr">
+                      <a:solidFill>
+                        <a:srgbClr val="000000"/>
+                      </a:solidFill>
+                      <a:prstDash val="solid"/>
+                      <a:round/>
+                      <a:headEnd type="none" w="med" len="med"/>
+                      <a:tailEnd type="none" w="med" len="med"/>
+                    </a:lnB>
+                    <a:solidFill>
+                      <a:srgbClr val="9BC2E6"/>
+                    </a:solidFill>
+                  </a:tcPr>
+                </a:tc>
+                <a:tc>
+                  <a:txBody>
+                    <a:bodyPr/>
+                    <a:lstStyle/>
+                    <a:p>
+                      <a:pPr marL="0" indent="0" algn="l" fontAlgn="b">
+                        <a:buFont typeface="Arial" panose="020B0604020202020204" pitchFamily="34" charset="0"/>
+                        <a:buNone/>
+                      </a:pPr>
+                      <a:r>
+                        <a:rPr lang="es-CL" sz="1100" b="0" i="0" u="none" strike="noStrike" dirty="0">
+                          <a:solidFill>
+                            <a:srgbClr val="000000"/>
+                          </a:solidFill>
+                          <a:effectLst/>
+                          <a:latin typeface="Calibri" panose="020F0502020204030204" pitchFamily="34" charset="0"/>
+                        </a:rPr>
+                        <a:t>Observación</a:t>
+                      </a:r>
+                    </a:p>
+                  </a:txBody>
+                  <a:tcPr marL="7620" marR="7620" marT="7620" marB="0" anchor="b">
+                    <a:lnL w="6350" cap="flat" cmpd="sng" algn="ctr">
+                      <a:solidFill>
+                        <a:srgbClr val="000000"/>
+                      </a:solidFill>
+                      <a:prstDash val="solid"/>
+                      <a:round/>
+                      <a:headEnd type="none" w="med" len="med"/>
+                      <a:tailEnd type="none" w="med" len="med"/>
+                    </a:lnL>
+                    <a:lnR w="6350" cap="flat" cmpd="sng" algn="ctr">
+                      <a:solidFill>
+                        <a:srgbClr val="000000"/>
+                      </a:solidFill>
+                      <a:prstDash val="solid"/>
+                      <a:round/>
+                      <a:headEnd type="none" w="med" len="med"/>
+                      <a:tailEnd type="none" w="med" len="med"/>
+                    </a:lnR>
+                    <a:lnT w="6350" cap="flat" cmpd="sng" algn="ctr">
+                      <a:solidFill>
+                        <a:srgbClr val="000000"/>
+                      </a:solidFill>
+                      <a:prstDash val="solid"/>
+                      <a:round/>
+                      <a:headEnd type="none" w="med" len="med"/>
+                      <a:tailEnd type="none" w="med" len="med"/>
+                    </a:lnT>
+                    <a:lnB w="6350" cap="flat" cmpd="sng" algn="ctr">
+                      <a:solidFill>
+                        <a:srgbClr val="000000"/>
+                      </a:solidFill>
+                      <a:prstDash val="solid"/>
+                      <a:round/>
+                      <a:headEnd type="none" w="med" len="med"/>
+                      <a:tailEnd type="none" w="med" len="med"/>
+                    </a:lnB>
+                    <a:solidFill>
+                      <a:srgbClr val="9BC2E6"/>
+                    </a:solidFill>
+                  </a:tcPr>
+                </a:tc>
+                <a:extLst>
+                  <a:ext uri="{0D108BD9-81ED-4DB2-BD59-A6C34878D82A}">
+                    <a16:rowId xmlns:a16="http://schemas.microsoft.com/office/drawing/2014/main" val="67028652"/>
+                  </a:ext>
+                </a:extLst>
+              </a:tr>
+              <a:tr h="378829">
+                <a:tc>
+                  <a:txBody>
+                    <a:bodyPr/>
+                    <a:lstStyle/>
+                    <a:p>
+                      <a:pPr marL="0" indent="0" algn="l" fontAlgn="b">
+                        <a:buFont typeface="Arial" panose="020B0604020202020204" pitchFamily="34" charset="0"/>
+                        <a:buNone/>
+                      </a:pPr>
+                      <a:r>
+                        <a:rPr lang="es-CL" sz="1100" b="0" i="0" u="none" strike="noStrike">
+                          <a:solidFill>
+                            <a:srgbClr val="000000"/>
+                          </a:solidFill>
+                          <a:effectLst/>
+                          <a:latin typeface="Calibri" panose="020F0502020204030204" pitchFamily="34" charset="0"/>
+                        </a:rPr>
+                        <a:t>Customer_shopping_data</a:t>
+                      </a:r>
+                    </a:p>
+                  </a:txBody>
+                  <a:tcPr marL="7620" marR="7620" marT="7620" marB="0" anchor="b">
+                    <a:lnL w="6350" cap="flat" cmpd="sng" algn="ctr">
+                      <a:solidFill>
+                        <a:srgbClr val="000000"/>
+                      </a:solidFill>
+                      <a:prstDash val="solid"/>
+                      <a:round/>
+                      <a:headEnd type="none" w="med" len="med"/>
+                      <a:tailEnd type="none" w="med" len="med"/>
+                    </a:lnL>
+                    <a:lnR w="6350" cap="flat" cmpd="sng" algn="ctr">
+                      <a:solidFill>
+                        <a:srgbClr val="000000"/>
+                      </a:solidFill>
+                      <a:prstDash val="solid"/>
+                      <a:round/>
+                      <a:headEnd type="none" w="med" len="med"/>
+                      <a:tailEnd type="none" w="med" len="med"/>
+                    </a:lnR>
+                    <a:lnT w="6350" cap="flat" cmpd="sng" algn="ctr">
+                      <a:solidFill>
+                        <a:srgbClr val="000000"/>
+                      </a:solidFill>
+                      <a:prstDash val="solid"/>
+                      <a:round/>
+                      <a:headEnd type="none" w="med" len="med"/>
+                      <a:tailEnd type="none" w="med" len="med"/>
+                    </a:lnT>
+                    <a:lnB w="6350" cap="flat" cmpd="sng" algn="ctr">
+                      <a:solidFill>
+                        <a:srgbClr val="000000"/>
+                      </a:solidFill>
+                      <a:prstDash val="solid"/>
+                      <a:round/>
+                      <a:headEnd type="none" w="med" len="med"/>
+                      <a:tailEnd type="none" w="med" len="med"/>
+                    </a:lnB>
+                  </a:tcPr>
+                </a:tc>
+                <a:tc>
+                  <a:txBody>
+                    <a:bodyPr/>
+                    <a:lstStyle/>
+                    <a:p>
+                      <a:pPr marL="0" indent="0" algn="l" fontAlgn="b">
+                        <a:buFont typeface="Arial" panose="020B0604020202020204" pitchFamily="34" charset="0"/>
+                        <a:buNone/>
+                      </a:pPr>
+                      <a:r>
+                        <a:rPr lang="es-MX" sz="1100" b="0" i="0" u="none" strike="noStrike" dirty="0">
+                          <a:solidFill>
+                            <a:srgbClr val="000000"/>
+                          </a:solidFill>
+                          <a:effectLst/>
+                          <a:latin typeface="Calibri" panose="020F0502020204030204" pitchFamily="34" charset="0"/>
+                        </a:rPr>
+                        <a:t>Listado de </a:t>
+                      </a:r>
+                      <a:r>
+                        <a:rPr lang="es-MX" sz="1100" b="0" i="0" u="none" strike="noStrike" dirty="0" err="1">
+                          <a:solidFill>
+                            <a:srgbClr val="000000"/>
+                          </a:solidFill>
+                          <a:effectLst/>
+                          <a:latin typeface="Calibri" panose="020F0502020204030204" pitchFamily="34" charset="0"/>
+                        </a:rPr>
+                        <a:t>slientes</a:t>
+                      </a:r>
+                      <a:r>
+                        <a:rPr lang="es-MX" sz="1100" b="0" i="0" u="none" strike="noStrike" dirty="0">
+                          <a:solidFill>
+                            <a:srgbClr val="000000"/>
+                          </a:solidFill>
+                          <a:effectLst/>
+                          <a:latin typeface="Calibri" panose="020F0502020204030204" pitchFamily="34" charset="0"/>
+                        </a:rPr>
+                        <a:t> y sus compras</a:t>
+                      </a:r>
+                    </a:p>
+                  </a:txBody>
+                  <a:tcPr marL="7620" marR="7620" marT="7620" marB="0" anchor="b">
+                    <a:lnL w="6350" cap="flat" cmpd="sng" algn="ctr">
+                      <a:solidFill>
+                        <a:srgbClr val="000000"/>
+                      </a:solidFill>
+                      <a:prstDash val="solid"/>
+                      <a:round/>
+                      <a:headEnd type="none" w="med" len="med"/>
+                      <a:tailEnd type="none" w="med" len="med"/>
+                    </a:lnL>
+                    <a:lnR w="6350" cap="flat" cmpd="sng" algn="ctr">
+                      <a:solidFill>
+                        <a:srgbClr val="000000"/>
+                      </a:solidFill>
+                      <a:prstDash val="solid"/>
+                      <a:round/>
+                      <a:headEnd type="none" w="med" len="med"/>
+                      <a:tailEnd type="none" w="med" len="med"/>
+                    </a:lnR>
+                    <a:lnT w="6350" cap="flat" cmpd="sng" algn="ctr">
+                      <a:solidFill>
+                        <a:srgbClr val="000000"/>
+                      </a:solidFill>
+                      <a:prstDash val="solid"/>
+                      <a:round/>
+                      <a:headEnd type="none" w="med" len="med"/>
+                      <a:tailEnd type="none" w="med" len="med"/>
+                    </a:lnT>
+                    <a:lnB w="6350" cap="flat" cmpd="sng" algn="ctr">
+                      <a:solidFill>
+                        <a:srgbClr val="000000"/>
+                      </a:solidFill>
+                      <a:prstDash val="solid"/>
+                      <a:round/>
+                      <a:headEnd type="none" w="med" len="med"/>
+                      <a:tailEnd type="none" w="med" len="med"/>
+                    </a:lnB>
+                  </a:tcPr>
+                </a:tc>
+                <a:extLst>
+                  <a:ext uri="{0D108BD9-81ED-4DB2-BD59-A6C34878D82A}">
+                    <a16:rowId xmlns:a16="http://schemas.microsoft.com/office/drawing/2014/main" val="2825470442"/>
+                  </a:ext>
+                </a:extLst>
+              </a:tr>
+              <a:tr h="378829">
+                <a:tc>
+                  <a:txBody>
+                    <a:bodyPr/>
+                    <a:lstStyle/>
+                    <a:p>
+                      <a:pPr marL="0" indent="0" algn="l" fontAlgn="b">
+                        <a:buFont typeface="Arial" panose="020B0604020202020204" pitchFamily="34" charset="0"/>
+                        <a:buNone/>
+                      </a:pPr>
+                      <a:r>
+                        <a:rPr lang="es-CL" sz="1100" b="0" i="0" u="none" strike="noStrike">
+                          <a:solidFill>
+                            <a:srgbClr val="000000"/>
+                          </a:solidFill>
+                          <a:effectLst/>
+                          <a:latin typeface="Calibri" panose="020F0502020204030204" pitchFamily="34" charset="0"/>
+                        </a:rPr>
+                        <a:t>Invoice</a:t>
+                      </a:r>
+                    </a:p>
+                  </a:txBody>
+                  <a:tcPr marL="7620" marR="7620" marT="7620" marB="0" anchor="b">
+                    <a:lnL w="6350" cap="flat" cmpd="sng" algn="ctr">
+                      <a:solidFill>
+                        <a:srgbClr val="000000"/>
+                      </a:solidFill>
+                      <a:prstDash val="solid"/>
+                      <a:round/>
+                      <a:headEnd type="none" w="med" len="med"/>
+                      <a:tailEnd type="none" w="med" len="med"/>
+                    </a:lnL>
+                    <a:lnR w="6350" cap="flat" cmpd="sng" algn="ctr">
+                      <a:solidFill>
+                        <a:srgbClr val="000000"/>
+                      </a:solidFill>
+                      <a:prstDash val="solid"/>
+                      <a:round/>
+                      <a:headEnd type="none" w="med" len="med"/>
+                      <a:tailEnd type="none" w="med" len="med"/>
+                    </a:lnR>
+                    <a:lnT w="6350" cap="flat" cmpd="sng" algn="ctr">
+                      <a:solidFill>
+                        <a:srgbClr val="000000"/>
+                      </a:solidFill>
+                      <a:prstDash val="solid"/>
+                      <a:round/>
+                      <a:headEnd type="none" w="med" len="med"/>
+                      <a:tailEnd type="none" w="med" len="med"/>
+                    </a:lnT>
+                    <a:lnB w="6350" cap="flat" cmpd="sng" algn="ctr">
+                      <a:solidFill>
+                        <a:srgbClr val="000000"/>
+                      </a:solidFill>
+                      <a:prstDash val="solid"/>
+                      <a:round/>
+                      <a:headEnd type="none" w="med" len="med"/>
+                      <a:tailEnd type="none" w="med" len="med"/>
+                    </a:lnB>
+                  </a:tcPr>
+                </a:tc>
+                <a:tc>
+                  <a:txBody>
+                    <a:bodyPr/>
+                    <a:lstStyle/>
+                    <a:p>
+                      <a:pPr marL="0" indent="0" algn="l" fontAlgn="b">
+                        <a:buFont typeface="Arial" panose="020B0604020202020204" pitchFamily="34" charset="0"/>
+                        <a:buNone/>
+                      </a:pPr>
+                      <a:r>
+                        <a:rPr lang="es-MX" sz="1100" b="0" i="0" u="none" strike="noStrike" dirty="0">
+                          <a:solidFill>
+                            <a:srgbClr val="000000"/>
+                          </a:solidFill>
+                          <a:effectLst/>
+                          <a:latin typeface="Calibri" panose="020F0502020204030204" pitchFamily="34" charset="0"/>
+                        </a:rPr>
+                        <a:t>Numero de boleta con datos de la compra</a:t>
+                      </a:r>
+                    </a:p>
+                  </a:txBody>
+                  <a:tcPr marL="7620" marR="7620" marT="7620" marB="0" anchor="b">
+                    <a:lnL w="6350" cap="flat" cmpd="sng" algn="ctr">
+                      <a:solidFill>
+                        <a:srgbClr val="000000"/>
+                      </a:solidFill>
+                      <a:prstDash val="solid"/>
+                      <a:round/>
+                      <a:headEnd type="none" w="med" len="med"/>
+                      <a:tailEnd type="none" w="med" len="med"/>
+                    </a:lnL>
+                    <a:lnR w="6350" cap="flat" cmpd="sng" algn="ctr">
+                      <a:solidFill>
+                        <a:srgbClr val="000000"/>
+                      </a:solidFill>
+                      <a:prstDash val="solid"/>
+                      <a:round/>
+                      <a:headEnd type="none" w="med" len="med"/>
+                      <a:tailEnd type="none" w="med" len="med"/>
+                    </a:lnR>
+                    <a:lnT w="6350" cap="flat" cmpd="sng" algn="ctr">
+                      <a:solidFill>
+                        <a:srgbClr val="000000"/>
+                      </a:solidFill>
+                      <a:prstDash val="solid"/>
+                      <a:round/>
+                      <a:headEnd type="none" w="med" len="med"/>
+                      <a:tailEnd type="none" w="med" len="med"/>
+                    </a:lnT>
+                    <a:lnB w="6350" cap="flat" cmpd="sng" algn="ctr">
+                      <a:solidFill>
+                        <a:srgbClr val="000000"/>
+                      </a:solidFill>
+                      <a:prstDash val="solid"/>
+                      <a:round/>
+                      <a:headEnd type="none" w="med" len="med"/>
+                      <a:tailEnd type="none" w="med" len="med"/>
+                    </a:lnB>
+                  </a:tcPr>
+                </a:tc>
+                <a:extLst>
+                  <a:ext uri="{0D108BD9-81ED-4DB2-BD59-A6C34878D82A}">
+                    <a16:rowId xmlns:a16="http://schemas.microsoft.com/office/drawing/2014/main" val="3802981023"/>
+                  </a:ext>
+                </a:extLst>
+              </a:tr>
+              <a:tr h="378829">
+                <a:tc>
+                  <a:txBody>
+                    <a:bodyPr/>
+                    <a:lstStyle/>
+                    <a:p>
+                      <a:pPr marL="0" indent="0" algn="l" fontAlgn="b">
+                        <a:buFont typeface="Arial" panose="020B0604020202020204" pitchFamily="34" charset="0"/>
+                        <a:buNone/>
+                      </a:pPr>
+                      <a:r>
+                        <a:rPr lang="es-CL" sz="1100" b="0" i="0" u="none" strike="noStrike">
+                          <a:solidFill>
+                            <a:srgbClr val="000000"/>
+                          </a:solidFill>
+                          <a:effectLst/>
+                          <a:latin typeface="Calibri" panose="020F0502020204030204" pitchFamily="34" charset="0"/>
+                        </a:rPr>
+                        <a:t>Customer</a:t>
+                      </a:r>
+                    </a:p>
+                  </a:txBody>
+                  <a:tcPr marL="7620" marR="7620" marT="7620" marB="0" anchor="b">
+                    <a:lnL w="6350" cap="flat" cmpd="sng" algn="ctr">
+                      <a:solidFill>
+                        <a:srgbClr val="000000"/>
+                      </a:solidFill>
+                      <a:prstDash val="solid"/>
+                      <a:round/>
+                      <a:headEnd type="none" w="med" len="med"/>
+                      <a:tailEnd type="none" w="med" len="med"/>
+                    </a:lnL>
+                    <a:lnR w="6350" cap="flat" cmpd="sng" algn="ctr">
+                      <a:solidFill>
+                        <a:srgbClr val="000000"/>
+                      </a:solidFill>
+                      <a:prstDash val="solid"/>
+                      <a:round/>
+                      <a:headEnd type="none" w="med" len="med"/>
+                      <a:tailEnd type="none" w="med" len="med"/>
+                    </a:lnR>
+                    <a:lnT w="6350" cap="flat" cmpd="sng" algn="ctr">
+                      <a:solidFill>
+                        <a:srgbClr val="000000"/>
+                      </a:solidFill>
+                      <a:prstDash val="solid"/>
+                      <a:round/>
+                      <a:headEnd type="none" w="med" len="med"/>
+                      <a:tailEnd type="none" w="med" len="med"/>
+                    </a:lnT>
+                    <a:lnB w="6350" cap="flat" cmpd="sng" algn="ctr">
+                      <a:solidFill>
+                        <a:srgbClr val="000000"/>
+                      </a:solidFill>
+                      <a:prstDash val="solid"/>
+                      <a:round/>
+                      <a:headEnd type="none" w="med" len="med"/>
+                      <a:tailEnd type="none" w="med" len="med"/>
+                    </a:lnB>
+                  </a:tcPr>
+                </a:tc>
+                <a:tc>
+                  <a:txBody>
+                    <a:bodyPr/>
+                    <a:lstStyle/>
+                    <a:p>
+                      <a:pPr marL="0" indent="0" algn="l" fontAlgn="b">
+                        <a:buFont typeface="Arial" panose="020B0604020202020204" pitchFamily="34" charset="0"/>
+                        <a:buNone/>
+                      </a:pPr>
+                      <a:r>
+                        <a:rPr lang="es-CL" sz="1100" b="0" i="0" u="none" strike="noStrike" dirty="0">
+                          <a:solidFill>
+                            <a:srgbClr val="000000"/>
+                          </a:solidFill>
+                          <a:effectLst/>
+                          <a:latin typeface="Calibri" panose="020F0502020204030204" pitchFamily="34" charset="0"/>
+                        </a:rPr>
+                        <a:t>Datos cliente</a:t>
+                      </a:r>
+                    </a:p>
+                  </a:txBody>
+                  <a:tcPr marL="7620" marR="7620" marT="7620" marB="0" anchor="b">
+                    <a:lnL w="6350" cap="flat" cmpd="sng" algn="ctr">
+                      <a:solidFill>
+                        <a:srgbClr val="000000"/>
+                      </a:solidFill>
+                      <a:prstDash val="solid"/>
+                      <a:round/>
+                      <a:headEnd type="none" w="med" len="med"/>
+                      <a:tailEnd type="none" w="med" len="med"/>
+                    </a:lnL>
+                    <a:lnR w="6350" cap="flat" cmpd="sng" algn="ctr">
+                      <a:solidFill>
+                        <a:srgbClr val="000000"/>
+                      </a:solidFill>
+                      <a:prstDash val="solid"/>
+                      <a:round/>
+                      <a:headEnd type="none" w="med" len="med"/>
+                      <a:tailEnd type="none" w="med" len="med"/>
+                    </a:lnR>
+                    <a:lnT w="6350" cap="flat" cmpd="sng" algn="ctr">
+                      <a:solidFill>
+                        <a:srgbClr val="000000"/>
+                      </a:solidFill>
+                      <a:prstDash val="solid"/>
+                      <a:round/>
+                      <a:headEnd type="none" w="med" len="med"/>
+                      <a:tailEnd type="none" w="med" len="med"/>
+                    </a:lnT>
+                    <a:lnB w="6350" cap="flat" cmpd="sng" algn="ctr">
+                      <a:solidFill>
+                        <a:srgbClr val="000000"/>
+                      </a:solidFill>
+                      <a:prstDash val="solid"/>
+                      <a:round/>
+                      <a:headEnd type="none" w="med" len="med"/>
+                      <a:tailEnd type="none" w="med" len="med"/>
+                    </a:lnB>
+                  </a:tcPr>
+                </a:tc>
+                <a:extLst>
+                  <a:ext uri="{0D108BD9-81ED-4DB2-BD59-A6C34878D82A}">
+                    <a16:rowId xmlns:a16="http://schemas.microsoft.com/office/drawing/2014/main" val="2883210173"/>
+                  </a:ext>
+                </a:extLst>
+              </a:tr>
+              <a:tr h="378829">
+                <a:tc>
+                  <a:txBody>
+                    <a:bodyPr/>
+                    <a:lstStyle/>
+                    <a:p>
+                      <a:pPr marL="0" indent="0" algn="l" fontAlgn="b">
+                        <a:buFont typeface="Arial" panose="020B0604020202020204" pitchFamily="34" charset="0"/>
+                        <a:buNone/>
+                      </a:pPr>
+                      <a:r>
+                        <a:rPr lang="es-CL" sz="1100" b="0" i="0" u="none" strike="noStrike">
+                          <a:solidFill>
+                            <a:srgbClr val="000000"/>
+                          </a:solidFill>
+                          <a:effectLst/>
+                          <a:latin typeface="Calibri" panose="020F0502020204030204" pitchFamily="34" charset="0"/>
+                        </a:rPr>
+                        <a:t>Category</a:t>
+                      </a:r>
+                    </a:p>
+                  </a:txBody>
+                  <a:tcPr marL="7620" marR="7620" marT="7620" marB="0" anchor="b">
+                    <a:lnL w="6350" cap="flat" cmpd="sng" algn="ctr">
+                      <a:solidFill>
+                        <a:srgbClr val="000000"/>
+                      </a:solidFill>
+                      <a:prstDash val="solid"/>
+                      <a:round/>
+                      <a:headEnd type="none" w="med" len="med"/>
+                      <a:tailEnd type="none" w="med" len="med"/>
+                    </a:lnL>
+                    <a:lnR w="6350" cap="flat" cmpd="sng" algn="ctr">
+                      <a:solidFill>
+                        <a:srgbClr val="000000"/>
+                      </a:solidFill>
+                      <a:prstDash val="solid"/>
+                      <a:round/>
+                      <a:headEnd type="none" w="med" len="med"/>
+                      <a:tailEnd type="none" w="med" len="med"/>
+                    </a:lnR>
+                    <a:lnT w="6350" cap="flat" cmpd="sng" algn="ctr">
+                      <a:solidFill>
+                        <a:srgbClr val="000000"/>
+                      </a:solidFill>
+                      <a:prstDash val="solid"/>
+                      <a:round/>
+                      <a:headEnd type="none" w="med" len="med"/>
+                      <a:tailEnd type="none" w="med" len="med"/>
+                    </a:lnT>
+                    <a:lnB w="6350" cap="flat" cmpd="sng" algn="ctr">
+                      <a:solidFill>
+                        <a:srgbClr val="000000"/>
+                      </a:solidFill>
+                      <a:prstDash val="solid"/>
+                      <a:round/>
+                      <a:headEnd type="none" w="med" len="med"/>
+                      <a:tailEnd type="none" w="med" len="med"/>
+                    </a:lnB>
+                  </a:tcPr>
+                </a:tc>
+                <a:tc>
+                  <a:txBody>
+                    <a:bodyPr/>
+                    <a:lstStyle/>
+                    <a:p>
+                      <a:pPr marL="0" indent="0" algn="l" fontAlgn="b">
+                        <a:buFont typeface="Arial" panose="020B0604020202020204" pitchFamily="34" charset="0"/>
+                        <a:buNone/>
+                      </a:pPr>
+                      <a:r>
+                        <a:rPr lang="es-CL" sz="1100" b="0" i="0" u="none" strike="noStrike" dirty="0" err="1">
+                          <a:solidFill>
+                            <a:srgbClr val="000000"/>
+                          </a:solidFill>
+                          <a:effectLst/>
+                          <a:latin typeface="Calibri" panose="020F0502020204030204" pitchFamily="34" charset="0"/>
+                        </a:rPr>
+                        <a:t>Categoria</a:t>
+                      </a:r>
+                      <a:r>
+                        <a:rPr lang="es-CL" sz="1100" b="0" i="0" u="none" strike="noStrike" dirty="0">
+                          <a:solidFill>
+                            <a:srgbClr val="000000"/>
+                          </a:solidFill>
+                          <a:effectLst/>
+                          <a:latin typeface="Calibri" panose="020F0502020204030204" pitchFamily="34" charset="0"/>
+                        </a:rPr>
+                        <a:t> compra</a:t>
+                      </a:r>
+                    </a:p>
+                  </a:txBody>
+                  <a:tcPr marL="7620" marR="7620" marT="7620" marB="0" anchor="b">
+                    <a:lnL w="6350" cap="flat" cmpd="sng" algn="ctr">
+                      <a:solidFill>
+                        <a:srgbClr val="000000"/>
+                      </a:solidFill>
+                      <a:prstDash val="solid"/>
+                      <a:round/>
+                      <a:headEnd type="none" w="med" len="med"/>
+                      <a:tailEnd type="none" w="med" len="med"/>
+                    </a:lnL>
+                    <a:lnR w="6350" cap="flat" cmpd="sng" algn="ctr">
+                      <a:solidFill>
+                        <a:srgbClr val="000000"/>
+                      </a:solidFill>
+                      <a:prstDash val="solid"/>
+                      <a:round/>
+                      <a:headEnd type="none" w="med" len="med"/>
+                      <a:tailEnd type="none" w="med" len="med"/>
+                    </a:lnR>
+                    <a:lnT w="6350" cap="flat" cmpd="sng" algn="ctr">
+                      <a:solidFill>
+                        <a:srgbClr val="000000"/>
+                      </a:solidFill>
+                      <a:prstDash val="solid"/>
+                      <a:round/>
+                      <a:headEnd type="none" w="med" len="med"/>
+                      <a:tailEnd type="none" w="med" len="med"/>
+                    </a:lnT>
+                    <a:lnB w="6350" cap="flat" cmpd="sng" algn="ctr">
+                      <a:solidFill>
+                        <a:srgbClr val="000000"/>
+                      </a:solidFill>
+                      <a:prstDash val="solid"/>
+                      <a:round/>
+                      <a:headEnd type="none" w="med" len="med"/>
+                      <a:tailEnd type="none" w="med" len="med"/>
+                    </a:lnB>
+                  </a:tcPr>
+                </a:tc>
+                <a:extLst>
+                  <a:ext uri="{0D108BD9-81ED-4DB2-BD59-A6C34878D82A}">
+                    <a16:rowId xmlns:a16="http://schemas.microsoft.com/office/drawing/2014/main" val="2382906226"/>
+                  </a:ext>
+                </a:extLst>
+              </a:tr>
+              <a:tr h="378829">
+                <a:tc>
+                  <a:txBody>
+                    <a:bodyPr/>
+                    <a:lstStyle/>
+                    <a:p>
+                      <a:pPr marL="0" indent="0" algn="l" fontAlgn="b">
+                        <a:buFont typeface="Arial" panose="020B0604020202020204" pitchFamily="34" charset="0"/>
+                        <a:buNone/>
+                      </a:pPr>
+                      <a:r>
+                        <a:rPr lang="es-CL" sz="1100" b="0" i="0" u="none" strike="noStrike">
+                          <a:solidFill>
+                            <a:srgbClr val="000000"/>
+                          </a:solidFill>
+                          <a:effectLst/>
+                          <a:latin typeface="Calibri" panose="020F0502020204030204" pitchFamily="34" charset="0"/>
+                        </a:rPr>
+                        <a:t>Payment_method</a:t>
+                      </a:r>
+                    </a:p>
+                  </a:txBody>
+                  <a:tcPr marL="7620" marR="7620" marT="7620" marB="0" anchor="b">
+                    <a:lnL w="6350" cap="flat" cmpd="sng" algn="ctr">
+                      <a:solidFill>
+                        <a:srgbClr val="000000"/>
+                      </a:solidFill>
+                      <a:prstDash val="solid"/>
+                      <a:round/>
+                      <a:headEnd type="none" w="med" len="med"/>
+                      <a:tailEnd type="none" w="med" len="med"/>
+                    </a:lnL>
+                    <a:lnR w="6350" cap="flat" cmpd="sng" algn="ctr">
+                      <a:solidFill>
+                        <a:srgbClr val="000000"/>
+                      </a:solidFill>
+                      <a:prstDash val="solid"/>
+                      <a:round/>
+                      <a:headEnd type="none" w="med" len="med"/>
+                      <a:tailEnd type="none" w="med" len="med"/>
+                    </a:lnR>
+                    <a:lnT w="6350" cap="flat" cmpd="sng" algn="ctr">
+                      <a:solidFill>
+                        <a:srgbClr val="000000"/>
+                      </a:solidFill>
+                      <a:prstDash val="solid"/>
+                      <a:round/>
+                      <a:headEnd type="none" w="med" len="med"/>
+                      <a:tailEnd type="none" w="med" len="med"/>
+                    </a:lnT>
+                    <a:lnB w="6350" cap="flat" cmpd="sng" algn="ctr">
+                      <a:solidFill>
+                        <a:srgbClr val="000000"/>
+                      </a:solidFill>
+                      <a:prstDash val="solid"/>
+                      <a:round/>
+                      <a:headEnd type="none" w="med" len="med"/>
+                      <a:tailEnd type="none" w="med" len="med"/>
+                    </a:lnB>
+                  </a:tcPr>
+                </a:tc>
+                <a:tc>
+                  <a:txBody>
+                    <a:bodyPr/>
+                    <a:lstStyle/>
+                    <a:p>
+                      <a:pPr marL="0" indent="0" algn="l" fontAlgn="b">
+                        <a:buFont typeface="Arial" panose="020B0604020202020204" pitchFamily="34" charset="0"/>
+                        <a:buNone/>
+                      </a:pPr>
+                      <a:r>
+                        <a:rPr lang="es-CL" sz="1100" b="0" i="0" u="none" strike="noStrike" dirty="0" err="1">
+                          <a:solidFill>
+                            <a:srgbClr val="000000"/>
+                          </a:solidFill>
+                          <a:effectLst/>
+                          <a:latin typeface="Calibri" panose="020F0502020204030204" pitchFamily="34" charset="0"/>
+                        </a:rPr>
+                        <a:t>Metodo</a:t>
+                      </a:r>
+                      <a:r>
+                        <a:rPr lang="es-CL" sz="1100" b="0" i="0" u="none" strike="noStrike" dirty="0">
+                          <a:solidFill>
+                            <a:srgbClr val="000000"/>
+                          </a:solidFill>
+                          <a:effectLst/>
+                          <a:latin typeface="Calibri" panose="020F0502020204030204" pitchFamily="34" charset="0"/>
+                        </a:rPr>
+                        <a:t> de pago</a:t>
+                      </a:r>
+                    </a:p>
+                  </a:txBody>
+                  <a:tcPr marL="7620" marR="7620" marT="7620" marB="0" anchor="b">
+                    <a:lnL w="6350" cap="flat" cmpd="sng" algn="ctr">
+                      <a:solidFill>
+                        <a:srgbClr val="000000"/>
+                      </a:solidFill>
+                      <a:prstDash val="solid"/>
+                      <a:round/>
+                      <a:headEnd type="none" w="med" len="med"/>
+                      <a:tailEnd type="none" w="med" len="med"/>
+                    </a:lnL>
+                    <a:lnR w="6350" cap="flat" cmpd="sng" algn="ctr">
+                      <a:solidFill>
+                        <a:srgbClr val="000000"/>
+                      </a:solidFill>
+                      <a:prstDash val="solid"/>
+                      <a:round/>
+                      <a:headEnd type="none" w="med" len="med"/>
+                      <a:tailEnd type="none" w="med" len="med"/>
+                    </a:lnR>
+                    <a:lnT w="6350" cap="flat" cmpd="sng" algn="ctr">
+                      <a:solidFill>
+                        <a:srgbClr val="000000"/>
+                      </a:solidFill>
+                      <a:prstDash val="solid"/>
+                      <a:round/>
+                      <a:headEnd type="none" w="med" len="med"/>
+                      <a:tailEnd type="none" w="med" len="med"/>
+                    </a:lnT>
+                    <a:lnB w="6350" cap="flat" cmpd="sng" algn="ctr">
+                      <a:solidFill>
+                        <a:srgbClr val="000000"/>
+                      </a:solidFill>
+                      <a:prstDash val="solid"/>
+                      <a:round/>
+                      <a:headEnd type="none" w="med" len="med"/>
+                      <a:tailEnd type="none" w="med" len="med"/>
+                    </a:lnB>
+                  </a:tcPr>
+                </a:tc>
+                <a:extLst>
+                  <a:ext uri="{0D108BD9-81ED-4DB2-BD59-A6C34878D82A}">
+                    <a16:rowId xmlns:a16="http://schemas.microsoft.com/office/drawing/2014/main" val="3305257470"/>
+                  </a:ext>
+                </a:extLst>
+              </a:tr>
+            </a:tbl>
+          </a:graphicData>
+        </a:graphic>
+      </p:graphicFrame>
+      <p:graphicFrame>
+        <p:nvGraphicFramePr>
+          <p:cNvPr id="25" name="Tabla 24">
+            <a:extLst>
+              <a:ext uri="{FF2B5EF4-FFF2-40B4-BE49-F238E27FC236}">
+                <a16:creationId xmlns:a16="http://schemas.microsoft.com/office/drawing/2014/main" id="{5686D74D-C2CD-B890-EEEC-41CFB90349B8}"/>
+              </a:ext>
+            </a:extLst>
+          </p:cNvPr>
+          <p:cNvGraphicFramePr>
+            <a:graphicFrameLocks noGrp="1"/>
+          </p:cNvGraphicFramePr>
+          <p:nvPr>
+            <p:extLst>
+              <p:ext uri="{D42A27DB-BD31-4B8C-83A1-F6EECF244321}">
+                <p14:modId xmlns:p14="http://schemas.microsoft.com/office/powerpoint/2010/main" val="1527935953"/>
+              </p:ext>
+            </p:extLst>
+          </p:nvPr>
+        </p:nvGraphicFramePr>
+        <p:xfrm>
+          <a:off x="5053781" y="3644696"/>
+          <a:ext cx="2733367" cy="1097280"/>
+        </p:xfrm>
+        <a:graphic>
+          <a:graphicData uri="http://schemas.openxmlformats.org/drawingml/2006/table">
+            <a:tbl>
+              <a:tblPr/>
+              <a:tblGrid>
+                <a:gridCol w="865914">
+                  <a:extLst>
+                    <a:ext uri="{9D8B030D-6E8A-4147-A177-3AD203B41FA5}">
+                      <a16:colId xmlns:a16="http://schemas.microsoft.com/office/drawing/2014/main" val="2208605647"/>
+                    </a:ext>
+                  </a:extLst>
+                </a:gridCol>
+                <a:gridCol w="1001539">
+                  <a:extLst>
+                    <a:ext uri="{9D8B030D-6E8A-4147-A177-3AD203B41FA5}">
+                      <a16:colId xmlns:a16="http://schemas.microsoft.com/office/drawing/2014/main" val="3343944226"/>
+                    </a:ext>
+                  </a:extLst>
+                </a:gridCol>
+                <a:gridCol w="865914">
+                  <a:extLst>
+                    <a:ext uri="{9D8B030D-6E8A-4147-A177-3AD203B41FA5}">
+                      <a16:colId xmlns:a16="http://schemas.microsoft.com/office/drawing/2014/main" val="2517004493"/>
+                    </a:ext>
+                  </a:extLst>
+                </a:gridCol>
+              </a:tblGrid>
+              <a:tr h="182880">
+                <a:tc gridSpan="3">
+                  <a:txBody>
+                    <a:bodyPr/>
+                    <a:lstStyle/>
+                    <a:p>
+                      <a:pPr algn="ctr" fontAlgn="b"/>
+                      <a:r>
+                        <a:rPr lang="es-CL" sz="1100" b="0" i="0" u="none" strike="noStrike" dirty="0" err="1">
+                          <a:solidFill>
+                            <a:srgbClr val="000000"/>
+                          </a:solidFill>
+                          <a:effectLst/>
+                          <a:latin typeface="Calibri" panose="020F0502020204030204" pitchFamily="34" charset="0"/>
+                        </a:rPr>
+                        <a:t>Invoice</a:t>
+                      </a:r>
+                      <a:endParaRPr lang="es-CL" sz="1100" b="0" i="0" u="none" strike="noStrike" dirty="0">
+                        <a:solidFill>
+                          <a:srgbClr val="000000"/>
+                        </a:solidFill>
+                        <a:effectLst/>
+                        <a:latin typeface="Calibri" panose="020F0502020204030204" pitchFamily="34" charset="0"/>
+                      </a:endParaRPr>
+                    </a:p>
+                  </a:txBody>
+                  <a:tcPr marL="7620" marR="7620" marT="7620" marB="0" anchor="b">
+                    <a:lnL>
+                      <a:noFill/>
+                    </a:lnL>
+                    <a:lnR>
+                      <a:noFill/>
+                    </a:lnR>
+                    <a:lnT>
+                      <a:noFill/>
+                    </a:lnT>
+                    <a:lnB w="6350" cap="flat" cmpd="sng" algn="ctr">
+                      <a:solidFill>
+                        <a:srgbClr val="000000"/>
+                      </a:solidFill>
+                      <a:prstDash val="solid"/>
+                      <a:round/>
+                      <a:headEnd type="none" w="med" len="med"/>
+                      <a:tailEnd type="none" w="med" len="med"/>
+                    </a:lnB>
+                    <a:solidFill>
+                      <a:srgbClr val="ED7D31"/>
+                    </a:solidFill>
+                  </a:tcPr>
+                </a:tc>
+                <a:tc hMerge="1">
+                  <a:txBody>
+                    <a:bodyPr/>
+                    <a:lstStyle/>
+                    <a:p>
+                      <a:endParaRPr lang="es-CL"/>
+                    </a:p>
+                  </a:txBody>
+                  <a:tcPr/>
+                </a:tc>
+                <a:tc hMerge="1">
+                  <a:txBody>
+                    <a:bodyPr/>
+                    <a:lstStyle/>
+                    <a:p>
+                      <a:endParaRPr lang="es-CL"/>
+                    </a:p>
+                  </a:txBody>
+                  <a:tcPr/>
+                </a:tc>
+                <a:extLst>
+                  <a:ext uri="{0D108BD9-81ED-4DB2-BD59-A6C34878D82A}">
+                    <a16:rowId xmlns:a16="http://schemas.microsoft.com/office/drawing/2014/main" val="2161437603"/>
+                  </a:ext>
+                </a:extLst>
+              </a:tr>
+              <a:tr h="182880">
+                <a:tc>
+                  <a:txBody>
+                    <a:bodyPr/>
+                    <a:lstStyle/>
+                    <a:p>
+                      <a:pPr algn="l" fontAlgn="b"/>
+                      <a:r>
+                        <a:rPr lang="es-CL" sz="1100" b="0" i="0" u="none" strike="noStrike">
+                          <a:solidFill>
+                            <a:srgbClr val="000000"/>
+                          </a:solidFill>
+                          <a:effectLst/>
+                          <a:latin typeface="Calibri" panose="020F0502020204030204" pitchFamily="34" charset="0"/>
+                        </a:rPr>
+                        <a:t>Columna</a:t>
+                      </a:r>
+                    </a:p>
+                  </a:txBody>
+                  <a:tcPr marL="7620" marR="7620" marT="7620" marB="0" anchor="b">
+                    <a:lnL w="6350" cap="flat" cmpd="sng" algn="ctr">
+                      <a:solidFill>
+                        <a:srgbClr val="000000"/>
+                      </a:solidFill>
+                      <a:prstDash val="solid"/>
+                      <a:round/>
+                      <a:headEnd type="none" w="med" len="med"/>
+                      <a:tailEnd type="none" w="med" len="med"/>
+                    </a:lnL>
+                    <a:lnR w="6350" cap="flat" cmpd="sng" algn="ctr">
+                      <a:solidFill>
+                        <a:srgbClr val="000000"/>
+                      </a:solidFill>
+                      <a:prstDash val="solid"/>
+                      <a:round/>
+                      <a:headEnd type="none" w="med" len="med"/>
+                      <a:tailEnd type="none" w="med" len="med"/>
+                    </a:lnR>
+                    <a:lnT w="6350" cap="flat" cmpd="sng" algn="ctr">
+                      <a:solidFill>
+                        <a:srgbClr val="000000"/>
+                      </a:solidFill>
+                      <a:prstDash val="solid"/>
+                      <a:round/>
+                      <a:headEnd type="none" w="med" len="med"/>
+                      <a:tailEnd type="none" w="med" len="med"/>
+                    </a:lnT>
+                    <a:lnB w="6350" cap="flat" cmpd="sng" algn="ctr">
+                      <a:solidFill>
+                        <a:srgbClr val="000000"/>
+                      </a:solidFill>
+                      <a:prstDash val="solid"/>
+                      <a:round/>
+                      <a:headEnd type="none" w="med" len="med"/>
+                      <a:tailEnd type="none" w="med" len="med"/>
+                    </a:lnB>
+                    <a:solidFill>
+                      <a:srgbClr val="9BC2E6"/>
+                    </a:solidFill>
+                  </a:tcPr>
+                </a:tc>
+                <a:tc>
+                  <a:txBody>
+                    <a:bodyPr/>
+                    <a:lstStyle/>
+                    <a:p>
+                      <a:pPr algn="l" fontAlgn="b"/>
+                      <a:r>
+                        <a:rPr lang="es-CL" sz="1100" b="0" i="0" u="none" strike="noStrike">
+                          <a:solidFill>
+                            <a:srgbClr val="000000"/>
+                          </a:solidFill>
+                          <a:effectLst/>
+                          <a:latin typeface="Calibri" panose="020F0502020204030204" pitchFamily="34" charset="0"/>
+                        </a:rPr>
+                        <a:t>Tipo de dato</a:t>
+                      </a:r>
+                    </a:p>
+                  </a:txBody>
+                  <a:tcPr marL="7620" marR="7620" marT="7620" marB="0" anchor="b">
+                    <a:lnL w="6350" cap="flat" cmpd="sng" algn="ctr">
+                      <a:solidFill>
+                        <a:srgbClr val="000000"/>
+                      </a:solidFill>
+                      <a:prstDash val="solid"/>
+                      <a:round/>
+                      <a:headEnd type="none" w="med" len="med"/>
+                      <a:tailEnd type="none" w="med" len="med"/>
+                    </a:lnL>
+                    <a:lnR w="6350" cap="flat" cmpd="sng" algn="ctr">
+                      <a:solidFill>
+                        <a:srgbClr val="000000"/>
+                      </a:solidFill>
+                      <a:prstDash val="solid"/>
+                      <a:round/>
+                      <a:headEnd type="none" w="med" len="med"/>
+                      <a:tailEnd type="none" w="med" len="med"/>
+                    </a:lnR>
+                    <a:lnT w="6350" cap="flat" cmpd="sng" algn="ctr">
+                      <a:solidFill>
+                        <a:srgbClr val="000000"/>
+                      </a:solidFill>
+                      <a:prstDash val="solid"/>
+                      <a:round/>
+                      <a:headEnd type="none" w="med" len="med"/>
+                      <a:tailEnd type="none" w="med" len="med"/>
+                    </a:lnT>
+                    <a:lnB w="6350" cap="flat" cmpd="sng" algn="ctr">
+                      <a:solidFill>
+                        <a:srgbClr val="000000"/>
+                      </a:solidFill>
+                      <a:prstDash val="solid"/>
+                      <a:round/>
+                      <a:headEnd type="none" w="med" len="med"/>
+                      <a:tailEnd type="none" w="med" len="med"/>
+                    </a:lnB>
+                    <a:solidFill>
+                      <a:srgbClr val="9BC2E6"/>
+                    </a:solidFill>
+                  </a:tcPr>
+                </a:tc>
+                <a:tc>
+                  <a:txBody>
+                    <a:bodyPr/>
+                    <a:lstStyle/>
+                    <a:p>
+                      <a:pPr algn="l" fontAlgn="b"/>
+                      <a:r>
+                        <a:rPr lang="es-CL" sz="1100" b="0" i="0" u="none" strike="noStrike">
+                          <a:solidFill>
+                            <a:srgbClr val="000000"/>
+                          </a:solidFill>
+                          <a:effectLst/>
+                          <a:latin typeface="Calibri" panose="020F0502020204030204" pitchFamily="34" charset="0"/>
+                        </a:rPr>
+                        <a:t>Tipo de clave</a:t>
+                      </a:r>
+                    </a:p>
+                  </a:txBody>
+                  <a:tcPr marL="7620" marR="7620" marT="7620" marB="0" anchor="b">
+                    <a:lnL w="6350" cap="flat" cmpd="sng" algn="ctr">
+                      <a:solidFill>
+                        <a:srgbClr val="000000"/>
+                      </a:solidFill>
+                      <a:prstDash val="solid"/>
+                      <a:round/>
+                      <a:headEnd type="none" w="med" len="med"/>
+                      <a:tailEnd type="none" w="med" len="med"/>
+                    </a:lnL>
+                    <a:lnR w="6350" cap="flat" cmpd="sng" algn="ctr">
+                      <a:solidFill>
+                        <a:srgbClr val="000000"/>
+                      </a:solidFill>
+                      <a:prstDash val="solid"/>
+                      <a:round/>
+                      <a:headEnd type="none" w="med" len="med"/>
+                      <a:tailEnd type="none" w="med" len="med"/>
+                    </a:lnR>
+                    <a:lnT w="6350" cap="flat" cmpd="sng" algn="ctr">
+                      <a:solidFill>
+                        <a:srgbClr val="000000"/>
+                      </a:solidFill>
+                      <a:prstDash val="solid"/>
+                      <a:round/>
+                      <a:headEnd type="none" w="med" len="med"/>
+                      <a:tailEnd type="none" w="med" len="med"/>
+                    </a:lnT>
+                    <a:lnB w="6350" cap="flat" cmpd="sng" algn="ctr">
+                      <a:solidFill>
+                        <a:srgbClr val="000000"/>
+                      </a:solidFill>
+                      <a:prstDash val="solid"/>
+                      <a:round/>
+                      <a:headEnd type="none" w="med" len="med"/>
+                      <a:tailEnd type="none" w="med" len="med"/>
+                    </a:lnB>
+                    <a:solidFill>
+                      <a:srgbClr val="9BC2E6"/>
+                    </a:solidFill>
+                  </a:tcPr>
+                </a:tc>
+                <a:extLst>
+                  <a:ext uri="{0D108BD9-81ED-4DB2-BD59-A6C34878D82A}">
+                    <a16:rowId xmlns:a16="http://schemas.microsoft.com/office/drawing/2014/main" val="1078639952"/>
+                  </a:ext>
+                </a:extLst>
+              </a:tr>
+              <a:tr h="182880">
+                <a:tc>
+                  <a:txBody>
+                    <a:bodyPr/>
+                    <a:lstStyle/>
+                    <a:p>
+                      <a:pPr algn="l" fontAlgn="b"/>
+                      <a:r>
+                        <a:rPr lang="es-CL" sz="1100" b="0" i="0" u="none" strike="noStrike">
+                          <a:solidFill>
+                            <a:srgbClr val="000000"/>
+                          </a:solidFill>
+                          <a:effectLst/>
+                          <a:latin typeface="Calibri" panose="020F0502020204030204" pitchFamily="34" charset="0"/>
+                        </a:rPr>
+                        <a:t>invoice_no</a:t>
+                      </a:r>
+                    </a:p>
+                  </a:txBody>
+                  <a:tcPr marL="7620" marR="7620" marT="7620" marB="0" anchor="b">
+                    <a:lnL w="6350" cap="flat" cmpd="sng" algn="ctr">
+                      <a:solidFill>
+                        <a:srgbClr val="000000"/>
+                      </a:solidFill>
+                      <a:prstDash val="solid"/>
+                      <a:round/>
+                      <a:headEnd type="none" w="med" len="med"/>
+                      <a:tailEnd type="none" w="med" len="med"/>
+                    </a:lnL>
+                    <a:lnR w="6350" cap="flat" cmpd="sng" algn="ctr">
+                      <a:solidFill>
+                        <a:srgbClr val="000000"/>
+                      </a:solidFill>
+                      <a:prstDash val="solid"/>
+                      <a:round/>
+                      <a:headEnd type="none" w="med" len="med"/>
+                      <a:tailEnd type="none" w="med" len="med"/>
+                    </a:lnR>
+                    <a:lnT w="6350" cap="flat" cmpd="sng" algn="ctr">
+                      <a:solidFill>
+                        <a:srgbClr val="000000"/>
+                      </a:solidFill>
+                      <a:prstDash val="solid"/>
+                      <a:round/>
+                      <a:headEnd type="none" w="med" len="med"/>
+                      <a:tailEnd type="none" w="med" len="med"/>
+                    </a:lnT>
+                    <a:lnB w="6350" cap="flat" cmpd="sng" algn="ctr">
+                      <a:solidFill>
+                        <a:srgbClr val="000000"/>
+                      </a:solidFill>
+                      <a:prstDash val="solid"/>
+                      <a:round/>
+                      <a:headEnd type="none" w="med" len="med"/>
+                      <a:tailEnd type="none" w="med" len="med"/>
+                    </a:lnB>
+                  </a:tcPr>
+                </a:tc>
+                <a:tc>
+                  <a:txBody>
+                    <a:bodyPr/>
+                    <a:lstStyle/>
+                    <a:p>
+                      <a:pPr algn="l" fontAlgn="b"/>
+                      <a:r>
+                        <a:rPr lang="es-CL" sz="1100" b="0" i="0" u="none" strike="noStrike">
+                          <a:solidFill>
+                            <a:srgbClr val="000000"/>
+                          </a:solidFill>
+                          <a:effectLst/>
+                          <a:latin typeface="Calibri" panose="020F0502020204030204" pitchFamily="34" charset="0"/>
+                        </a:rPr>
+                        <a:t>varchar</a:t>
+                      </a:r>
+                    </a:p>
+                  </a:txBody>
+                  <a:tcPr marL="7620" marR="7620" marT="7620" marB="0" anchor="b">
+                    <a:lnL w="6350" cap="flat" cmpd="sng" algn="ctr">
+                      <a:solidFill>
+                        <a:srgbClr val="000000"/>
+                      </a:solidFill>
+                      <a:prstDash val="solid"/>
+                      <a:round/>
+                      <a:headEnd type="none" w="med" len="med"/>
+                      <a:tailEnd type="none" w="med" len="med"/>
+                    </a:lnL>
+                    <a:lnR w="6350" cap="flat" cmpd="sng" algn="ctr">
+                      <a:solidFill>
+                        <a:srgbClr val="000000"/>
+                      </a:solidFill>
+                      <a:prstDash val="solid"/>
+                      <a:round/>
+                      <a:headEnd type="none" w="med" len="med"/>
+                      <a:tailEnd type="none" w="med" len="med"/>
+                    </a:lnR>
+                    <a:lnT w="6350" cap="flat" cmpd="sng" algn="ctr">
+                      <a:solidFill>
+                        <a:srgbClr val="000000"/>
+                      </a:solidFill>
+                      <a:prstDash val="solid"/>
+                      <a:round/>
+                      <a:headEnd type="none" w="med" len="med"/>
+                      <a:tailEnd type="none" w="med" len="med"/>
+                    </a:lnT>
+                    <a:lnB w="6350" cap="flat" cmpd="sng" algn="ctr">
+                      <a:solidFill>
+                        <a:srgbClr val="000000"/>
+                      </a:solidFill>
+                      <a:prstDash val="solid"/>
+                      <a:round/>
+                      <a:headEnd type="none" w="med" len="med"/>
+                      <a:tailEnd type="none" w="med" len="med"/>
+                    </a:lnB>
+                  </a:tcPr>
+                </a:tc>
+                <a:tc>
+                  <a:txBody>
+                    <a:bodyPr/>
+                    <a:lstStyle/>
+                    <a:p>
+                      <a:pPr algn="l" fontAlgn="b"/>
+                      <a:r>
+                        <a:rPr lang="es-CL" sz="1100" b="0" i="0" u="none" strike="noStrike">
+                          <a:solidFill>
+                            <a:srgbClr val="000000"/>
+                          </a:solidFill>
+                          <a:effectLst/>
+                          <a:latin typeface="Calibri" panose="020F0502020204030204" pitchFamily="34" charset="0"/>
+                        </a:rPr>
+                        <a:t>PK-Index</a:t>
+                      </a:r>
+                    </a:p>
+                  </a:txBody>
+                  <a:tcPr marL="7620" marR="7620" marT="7620" marB="0" anchor="b">
+                    <a:lnL w="6350" cap="flat" cmpd="sng" algn="ctr">
+                      <a:solidFill>
+                        <a:srgbClr val="000000"/>
+                      </a:solidFill>
+                      <a:prstDash val="solid"/>
+                      <a:round/>
+                      <a:headEnd type="none" w="med" len="med"/>
+                      <a:tailEnd type="none" w="med" len="med"/>
+                    </a:lnL>
+                    <a:lnR w="6350" cap="flat" cmpd="sng" algn="ctr">
+                      <a:solidFill>
+                        <a:srgbClr val="000000"/>
+                      </a:solidFill>
+                      <a:prstDash val="solid"/>
+                      <a:round/>
+                      <a:headEnd type="none" w="med" len="med"/>
+                      <a:tailEnd type="none" w="med" len="med"/>
+                    </a:lnR>
+                    <a:lnT w="6350" cap="flat" cmpd="sng" algn="ctr">
+                      <a:solidFill>
+                        <a:srgbClr val="000000"/>
+                      </a:solidFill>
+                      <a:prstDash val="solid"/>
+                      <a:round/>
+                      <a:headEnd type="none" w="med" len="med"/>
+                      <a:tailEnd type="none" w="med" len="med"/>
+                    </a:lnT>
+                    <a:lnB w="6350" cap="flat" cmpd="sng" algn="ctr">
+                      <a:solidFill>
+                        <a:srgbClr val="000000"/>
+                      </a:solidFill>
+                      <a:prstDash val="solid"/>
+                      <a:round/>
+                      <a:headEnd type="none" w="med" len="med"/>
+                      <a:tailEnd type="none" w="med" len="med"/>
+                    </a:lnB>
+                  </a:tcPr>
+                </a:tc>
+                <a:extLst>
+                  <a:ext uri="{0D108BD9-81ED-4DB2-BD59-A6C34878D82A}">
+                    <a16:rowId xmlns:a16="http://schemas.microsoft.com/office/drawing/2014/main" val="2651691517"/>
+                  </a:ext>
+                </a:extLst>
+              </a:tr>
+              <a:tr h="182880">
+                <a:tc>
+                  <a:txBody>
+                    <a:bodyPr/>
+                    <a:lstStyle/>
+                    <a:p>
+                      <a:pPr algn="l" fontAlgn="b"/>
+                      <a:r>
+                        <a:rPr lang="es-CL" sz="1100" b="0" i="0" u="none" strike="noStrike">
+                          <a:solidFill>
+                            <a:srgbClr val="000000"/>
+                          </a:solidFill>
+                          <a:effectLst/>
+                          <a:latin typeface="Calibri" panose="020F0502020204030204" pitchFamily="34" charset="0"/>
+                        </a:rPr>
+                        <a:t>customer_id</a:t>
+                      </a:r>
+                    </a:p>
+                  </a:txBody>
+                  <a:tcPr marL="7620" marR="7620" marT="7620" marB="0" anchor="b">
+                    <a:lnL w="6350" cap="flat" cmpd="sng" algn="ctr">
+                      <a:solidFill>
+                        <a:srgbClr val="000000"/>
+                      </a:solidFill>
+                      <a:prstDash val="solid"/>
+                      <a:round/>
+                      <a:headEnd type="none" w="med" len="med"/>
+                      <a:tailEnd type="none" w="med" len="med"/>
+                    </a:lnL>
+                    <a:lnR w="6350" cap="flat" cmpd="sng" algn="ctr">
+                      <a:solidFill>
+                        <a:srgbClr val="000000"/>
+                      </a:solidFill>
+                      <a:prstDash val="solid"/>
+                      <a:round/>
+                      <a:headEnd type="none" w="med" len="med"/>
+                      <a:tailEnd type="none" w="med" len="med"/>
+                    </a:lnR>
+                    <a:lnT w="6350" cap="flat" cmpd="sng" algn="ctr">
+                      <a:solidFill>
+                        <a:srgbClr val="000000"/>
+                      </a:solidFill>
+                      <a:prstDash val="solid"/>
+                      <a:round/>
+                      <a:headEnd type="none" w="med" len="med"/>
+                      <a:tailEnd type="none" w="med" len="med"/>
+                    </a:lnT>
+                    <a:lnB w="6350" cap="flat" cmpd="sng" algn="ctr">
+                      <a:solidFill>
+                        <a:srgbClr val="000000"/>
+                      </a:solidFill>
+                      <a:prstDash val="solid"/>
+                      <a:round/>
+                      <a:headEnd type="none" w="med" len="med"/>
+                      <a:tailEnd type="none" w="med" len="med"/>
+                    </a:lnB>
+                  </a:tcPr>
+                </a:tc>
+                <a:tc>
+                  <a:txBody>
+                    <a:bodyPr/>
+                    <a:lstStyle/>
+                    <a:p>
+                      <a:pPr algn="l" fontAlgn="b"/>
+                      <a:r>
+                        <a:rPr lang="es-CL" sz="1100" b="0" i="0" u="none" strike="noStrike">
+                          <a:solidFill>
+                            <a:srgbClr val="000000"/>
+                          </a:solidFill>
+                          <a:effectLst/>
+                          <a:latin typeface="Calibri" panose="020F0502020204030204" pitchFamily="34" charset="0"/>
+                        </a:rPr>
+                        <a:t>int</a:t>
+                      </a:r>
+                    </a:p>
+                  </a:txBody>
+                  <a:tcPr marL="7620" marR="7620" marT="7620" marB="0" anchor="b">
+                    <a:lnL w="6350" cap="flat" cmpd="sng" algn="ctr">
+                      <a:solidFill>
+                        <a:srgbClr val="000000"/>
+                      </a:solidFill>
+                      <a:prstDash val="solid"/>
+                      <a:round/>
+                      <a:headEnd type="none" w="med" len="med"/>
+                      <a:tailEnd type="none" w="med" len="med"/>
+                    </a:lnL>
+                    <a:lnR w="6350" cap="flat" cmpd="sng" algn="ctr">
+                      <a:solidFill>
+                        <a:srgbClr val="000000"/>
+                      </a:solidFill>
+                      <a:prstDash val="solid"/>
+                      <a:round/>
+                      <a:headEnd type="none" w="med" len="med"/>
+                      <a:tailEnd type="none" w="med" len="med"/>
+                    </a:lnR>
+                    <a:lnT w="6350" cap="flat" cmpd="sng" algn="ctr">
+                      <a:solidFill>
+                        <a:srgbClr val="000000"/>
+                      </a:solidFill>
+                      <a:prstDash val="solid"/>
+                      <a:round/>
+                      <a:headEnd type="none" w="med" len="med"/>
+                      <a:tailEnd type="none" w="med" len="med"/>
+                    </a:lnT>
+                    <a:lnB w="6350" cap="flat" cmpd="sng" algn="ctr">
+                      <a:solidFill>
+                        <a:srgbClr val="000000"/>
+                      </a:solidFill>
+                      <a:prstDash val="solid"/>
+                      <a:round/>
+                      <a:headEnd type="none" w="med" len="med"/>
+                      <a:tailEnd type="none" w="med" len="med"/>
+                    </a:lnB>
+                  </a:tcPr>
+                </a:tc>
+                <a:tc>
+                  <a:txBody>
+                    <a:bodyPr/>
+                    <a:lstStyle/>
+                    <a:p>
+                      <a:pPr algn="l" fontAlgn="b"/>
+                      <a:r>
+                        <a:rPr lang="es-CL" sz="1100" b="0" i="0" u="none" strike="noStrike" dirty="0">
+                          <a:solidFill>
+                            <a:srgbClr val="000000"/>
+                          </a:solidFill>
+                          <a:effectLst/>
+                          <a:latin typeface="Calibri" panose="020F0502020204030204" pitchFamily="34" charset="0"/>
+                        </a:rPr>
+                        <a:t>FK</a:t>
+                      </a:r>
+                    </a:p>
+                  </a:txBody>
+                  <a:tcPr marL="7620" marR="7620" marT="7620" marB="0" anchor="b">
+                    <a:lnL w="6350" cap="flat" cmpd="sng" algn="ctr">
+                      <a:solidFill>
+                        <a:srgbClr val="000000"/>
+                      </a:solidFill>
+                      <a:prstDash val="solid"/>
+                      <a:round/>
+                      <a:headEnd type="none" w="med" len="med"/>
+                      <a:tailEnd type="none" w="med" len="med"/>
+                    </a:lnL>
+                    <a:lnR w="6350" cap="flat" cmpd="sng" algn="ctr">
+                      <a:solidFill>
+                        <a:srgbClr val="000000"/>
+                      </a:solidFill>
+                      <a:prstDash val="solid"/>
+                      <a:round/>
+                      <a:headEnd type="none" w="med" len="med"/>
+                      <a:tailEnd type="none" w="med" len="med"/>
+                    </a:lnR>
+                    <a:lnT w="6350" cap="flat" cmpd="sng" algn="ctr">
+                      <a:solidFill>
+                        <a:srgbClr val="000000"/>
+                      </a:solidFill>
+                      <a:prstDash val="solid"/>
+                      <a:round/>
+                      <a:headEnd type="none" w="med" len="med"/>
+                      <a:tailEnd type="none" w="med" len="med"/>
+                    </a:lnT>
+                    <a:lnB w="6350" cap="flat" cmpd="sng" algn="ctr">
+                      <a:solidFill>
+                        <a:srgbClr val="000000"/>
+                      </a:solidFill>
+                      <a:prstDash val="solid"/>
+                      <a:round/>
+                      <a:headEnd type="none" w="med" len="med"/>
+                      <a:tailEnd type="none" w="med" len="med"/>
+                    </a:lnB>
+                  </a:tcPr>
+                </a:tc>
+                <a:extLst>
+                  <a:ext uri="{0D108BD9-81ED-4DB2-BD59-A6C34878D82A}">
+                    <a16:rowId xmlns:a16="http://schemas.microsoft.com/office/drawing/2014/main" val="1595773730"/>
+                  </a:ext>
+                </a:extLst>
+              </a:tr>
+              <a:tr h="182880">
+                <a:tc>
+                  <a:txBody>
+                    <a:bodyPr/>
+                    <a:lstStyle/>
+                    <a:p>
+                      <a:pPr algn="l" fontAlgn="b"/>
+                      <a:r>
+                        <a:rPr lang="es-CL" sz="1100" b="0" i="0" u="none" strike="noStrike">
+                          <a:solidFill>
+                            <a:srgbClr val="000000"/>
+                          </a:solidFill>
+                          <a:effectLst/>
+                          <a:latin typeface="Calibri" panose="020F0502020204030204" pitchFamily="34" charset="0"/>
+                        </a:rPr>
+                        <a:t>invoice_date</a:t>
+                      </a:r>
+                    </a:p>
+                  </a:txBody>
+                  <a:tcPr marL="7620" marR="7620" marT="7620" marB="0" anchor="b">
+                    <a:lnL w="6350" cap="flat" cmpd="sng" algn="ctr">
+                      <a:solidFill>
+                        <a:srgbClr val="000000"/>
+                      </a:solidFill>
+                      <a:prstDash val="solid"/>
+                      <a:round/>
+                      <a:headEnd type="none" w="med" len="med"/>
+                      <a:tailEnd type="none" w="med" len="med"/>
+                    </a:lnL>
+                    <a:lnR w="6350" cap="flat" cmpd="sng" algn="ctr">
+                      <a:solidFill>
+                        <a:srgbClr val="000000"/>
+                      </a:solidFill>
+                      <a:prstDash val="solid"/>
+                      <a:round/>
+                      <a:headEnd type="none" w="med" len="med"/>
+                      <a:tailEnd type="none" w="med" len="med"/>
+                    </a:lnR>
+                    <a:lnT w="6350" cap="flat" cmpd="sng" algn="ctr">
+                      <a:solidFill>
+                        <a:srgbClr val="000000"/>
+                      </a:solidFill>
+                      <a:prstDash val="solid"/>
+                      <a:round/>
+                      <a:headEnd type="none" w="med" len="med"/>
+                      <a:tailEnd type="none" w="med" len="med"/>
+                    </a:lnT>
+                    <a:lnB w="6350" cap="flat" cmpd="sng" algn="ctr">
+                      <a:solidFill>
+                        <a:srgbClr val="000000"/>
+                      </a:solidFill>
+                      <a:prstDash val="solid"/>
+                      <a:round/>
+                      <a:headEnd type="none" w="med" len="med"/>
+                      <a:tailEnd type="none" w="med" len="med"/>
+                    </a:lnB>
+                  </a:tcPr>
+                </a:tc>
+                <a:tc>
+                  <a:txBody>
+                    <a:bodyPr/>
+                    <a:lstStyle/>
+                    <a:p>
+                      <a:pPr algn="l" fontAlgn="b"/>
+                      <a:r>
+                        <a:rPr lang="es-CL" sz="1100" b="0" i="0" u="none" strike="noStrike">
+                          <a:solidFill>
+                            <a:srgbClr val="000000"/>
+                          </a:solidFill>
+                          <a:effectLst/>
+                          <a:latin typeface="Calibri" panose="020F0502020204030204" pitchFamily="34" charset="0"/>
+                        </a:rPr>
+                        <a:t>datetime</a:t>
+                      </a:r>
+                    </a:p>
+                  </a:txBody>
+                  <a:tcPr marL="7620" marR="7620" marT="7620" marB="0" anchor="b">
+                    <a:lnL w="6350" cap="flat" cmpd="sng" algn="ctr">
+                      <a:solidFill>
+                        <a:srgbClr val="000000"/>
+                      </a:solidFill>
+                      <a:prstDash val="solid"/>
+                      <a:round/>
+                      <a:headEnd type="none" w="med" len="med"/>
+                      <a:tailEnd type="none" w="med" len="med"/>
+                    </a:lnL>
+                    <a:lnR w="6350" cap="flat" cmpd="sng" algn="ctr">
+                      <a:solidFill>
+                        <a:srgbClr val="000000"/>
+                      </a:solidFill>
+                      <a:prstDash val="solid"/>
+                      <a:round/>
+                      <a:headEnd type="none" w="med" len="med"/>
+                      <a:tailEnd type="none" w="med" len="med"/>
+                    </a:lnR>
+                    <a:lnT w="6350" cap="flat" cmpd="sng" algn="ctr">
+                      <a:solidFill>
+                        <a:srgbClr val="000000"/>
+                      </a:solidFill>
+                      <a:prstDash val="solid"/>
+                      <a:round/>
+                      <a:headEnd type="none" w="med" len="med"/>
+                      <a:tailEnd type="none" w="med" len="med"/>
+                    </a:lnT>
+                    <a:lnB w="6350" cap="flat" cmpd="sng" algn="ctr">
+                      <a:solidFill>
+                        <a:srgbClr val="000000"/>
+                      </a:solidFill>
+                      <a:prstDash val="solid"/>
+                      <a:round/>
+                      <a:headEnd type="none" w="med" len="med"/>
+                      <a:tailEnd type="none" w="med" len="med"/>
+                    </a:lnB>
+                  </a:tcPr>
+                </a:tc>
+                <a:tc>
+                  <a:txBody>
+                    <a:bodyPr/>
+                    <a:lstStyle/>
+                    <a:p>
+                      <a:pPr algn="l" fontAlgn="b"/>
+                      <a:r>
+                        <a:rPr lang="es-CL" sz="1100" b="0" i="0" u="none" strike="noStrike">
+                          <a:solidFill>
+                            <a:srgbClr val="000000"/>
+                          </a:solidFill>
+                          <a:effectLst/>
+                          <a:latin typeface="Calibri" panose="020F0502020204030204" pitchFamily="34" charset="0"/>
+                        </a:rPr>
+                        <a:t> </a:t>
+                      </a:r>
+                    </a:p>
+                  </a:txBody>
+                  <a:tcPr marL="7620" marR="7620" marT="7620" marB="0" anchor="b">
+                    <a:lnL w="6350" cap="flat" cmpd="sng" algn="ctr">
+                      <a:solidFill>
+                        <a:srgbClr val="000000"/>
+                      </a:solidFill>
+                      <a:prstDash val="solid"/>
+                      <a:round/>
+                      <a:headEnd type="none" w="med" len="med"/>
+                      <a:tailEnd type="none" w="med" len="med"/>
+                    </a:lnL>
+                    <a:lnR w="6350" cap="flat" cmpd="sng" algn="ctr">
+                      <a:solidFill>
+                        <a:srgbClr val="000000"/>
+                      </a:solidFill>
+                      <a:prstDash val="solid"/>
+                      <a:round/>
+                      <a:headEnd type="none" w="med" len="med"/>
+                      <a:tailEnd type="none" w="med" len="med"/>
+                    </a:lnR>
+                    <a:lnT w="6350" cap="flat" cmpd="sng" algn="ctr">
+                      <a:solidFill>
+                        <a:srgbClr val="000000"/>
+                      </a:solidFill>
+                      <a:prstDash val="solid"/>
+                      <a:round/>
+                      <a:headEnd type="none" w="med" len="med"/>
+                      <a:tailEnd type="none" w="med" len="med"/>
+                    </a:lnT>
+                    <a:lnB w="6350" cap="flat" cmpd="sng" algn="ctr">
+                      <a:solidFill>
+                        <a:srgbClr val="000000"/>
+                      </a:solidFill>
+                      <a:prstDash val="solid"/>
+                      <a:round/>
+                      <a:headEnd type="none" w="med" len="med"/>
+                      <a:tailEnd type="none" w="med" len="med"/>
+                    </a:lnB>
+                  </a:tcPr>
+                </a:tc>
+                <a:extLst>
+                  <a:ext uri="{0D108BD9-81ED-4DB2-BD59-A6C34878D82A}">
+                    <a16:rowId xmlns:a16="http://schemas.microsoft.com/office/drawing/2014/main" val="4249518255"/>
+                  </a:ext>
+                </a:extLst>
+              </a:tr>
+              <a:tr h="182880">
+                <a:tc>
+                  <a:txBody>
+                    <a:bodyPr/>
+                    <a:lstStyle/>
+                    <a:p>
+                      <a:pPr algn="l" fontAlgn="b"/>
+                      <a:r>
+                        <a:rPr lang="es-CL" sz="1100" b="0" i="0" u="none" strike="noStrike">
+                          <a:solidFill>
+                            <a:srgbClr val="000000"/>
+                          </a:solidFill>
+                          <a:effectLst/>
+                          <a:latin typeface="Calibri" panose="020F0502020204030204" pitchFamily="34" charset="0"/>
+                        </a:rPr>
+                        <a:t>shopping_mall</a:t>
+                      </a:r>
+                    </a:p>
+                  </a:txBody>
+                  <a:tcPr marL="7620" marR="7620" marT="7620" marB="0" anchor="b">
+                    <a:lnL w="6350" cap="flat" cmpd="sng" algn="ctr">
+                      <a:solidFill>
+                        <a:srgbClr val="000000"/>
+                      </a:solidFill>
+                      <a:prstDash val="solid"/>
+                      <a:round/>
+                      <a:headEnd type="none" w="med" len="med"/>
+                      <a:tailEnd type="none" w="med" len="med"/>
+                    </a:lnL>
+                    <a:lnR w="6350" cap="flat" cmpd="sng" algn="ctr">
+                      <a:solidFill>
+                        <a:srgbClr val="000000"/>
+                      </a:solidFill>
+                      <a:prstDash val="solid"/>
+                      <a:round/>
+                      <a:headEnd type="none" w="med" len="med"/>
+                      <a:tailEnd type="none" w="med" len="med"/>
+                    </a:lnR>
+                    <a:lnT w="6350" cap="flat" cmpd="sng" algn="ctr">
+                      <a:solidFill>
+                        <a:srgbClr val="000000"/>
+                      </a:solidFill>
+                      <a:prstDash val="solid"/>
+                      <a:round/>
+                      <a:headEnd type="none" w="med" len="med"/>
+                      <a:tailEnd type="none" w="med" len="med"/>
+                    </a:lnT>
+                    <a:lnB w="6350" cap="flat" cmpd="sng" algn="ctr">
+                      <a:solidFill>
+                        <a:srgbClr val="000000"/>
+                      </a:solidFill>
+                      <a:prstDash val="solid"/>
+                      <a:round/>
+                      <a:headEnd type="none" w="med" len="med"/>
+                      <a:tailEnd type="none" w="med" len="med"/>
+                    </a:lnB>
+                  </a:tcPr>
+                </a:tc>
+                <a:tc>
+                  <a:txBody>
+                    <a:bodyPr/>
+                    <a:lstStyle/>
+                    <a:p>
+                      <a:pPr algn="l" fontAlgn="b"/>
+                      <a:r>
+                        <a:rPr lang="es-CL" sz="1100" b="0" i="0" u="none" strike="noStrike">
+                          <a:solidFill>
+                            <a:srgbClr val="000000"/>
+                          </a:solidFill>
+                          <a:effectLst/>
+                          <a:latin typeface="Calibri" panose="020F0502020204030204" pitchFamily="34" charset="0"/>
+                        </a:rPr>
+                        <a:t>varchar</a:t>
+                      </a:r>
+                    </a:p>
+                  </a:txBody>
+                  <a:tcPr marL="7620" marR="7620" marT="7620" marB="0" anchor="b">
+                    <a:lnL w="6350" cap="flat" cmpd="sng" algn="ctr">
+                      <a:solidFill>
+                        <a:srgbClr val="000000"/>
+                      </a:solidFill>
+                      <a:prstDash val="solid"/>
+                      <a:round/>
+                      <a:headEnd type="none" w="med" len="med"/>
+                      <a:tailEnd type="none" w="med" len="med"/>
+                    </a:lnL>
+                    <a:lnR w="6350" cap="flat" cmpd="sng" algn="ctr">
+                      <a:solidFill>
+                        <a:srgbClr val="000000"/>
+                      </a:solidFill>
+                      <a:prstDash val="solid"/>
+                      <a:round/>
+                      <a:headEnd type="none" w="med" len="med"/>
+                      <a:tailEnd type="none" w="med" len="med"/>
+                    </a:lnR>
+                    <a:lnT w="6350" cap="flat" cmpd="sng" algn="ctr">
+                      <a:solidFill>
+                        <a:srgbClr val="000000"/>
+                      </a:solidFill>
+                      <a:prstDash val="solid"/>
+                      <a:round/>
+                      <a:headEnd type="none" w="med" len="med"/>
+                      <a:tailEnd type="none" w="med" len="med"/>
+                    </a:lnT>
+                    <a:lnB w="6350" cap="flat" cmpd="sng" algn="ctr">
+                      <a:solidFill>
+                        <a:srgbClr val="000000"/>
+                      </a:solidFill>
+                      <a:prstDash val="solid"/>
+                      <a:round/>
+                      <a:headEnd type="none" w="med" len="med"/>
+                      <a:tailEnd type="none" w="med" len="med"/>
+                    </a:lnB>
+                  </a:tcPr>
+                </a:tc>
+                <a:tc>
+                  <a:txBody>
+                    <a:bodyPr/>
+                    <a:lstStyle/>
+                    <a:p>
+                      <a:pPr algn="l" fontAlgn="b"/>
+                      <a:r>
+                        <a:rPr lang="es-CL" sz="1100" b="0" i="0" u="none" strike="noStrike" dirty="0">
+                          <a:solidFill>
+                            <a:srgbClr val="000000"/>
+                          </a:solidFill>
+                          <a:effectLst/>
+                          <a:latin typeface="Calibri" panose="020F0502020204030204" pitchFamily="34" charset="0"/>
+                        </a:rPr>
+                        <a:t> </a:t>
+                      </a:r>
+                    </a:p>
+                  </a:txBody>
+                  <a:tcPr marL="7620" marR="7620" marT="7620" marB="0" anchor="b">
+                    <a:lnL w="6350" cap="flat" cmpd="sng" algn="ctr">
+                      <a:solidFill>
+                        <a:srgbClr val="000000"/>
+                      </a:solidFill>
+                      <a:prstDash val="solid"/>
+                      <a:round/>
+                      <a:headEnd type="none" w="med" len="med"/>
+                      <a:tailEnd type="none" w="med" len="med"/>
+                    </a:lnL>
+                    <a:lnR w="6350" cap="flat" cmpd="sng" algn="ctr">
+                      <a:solidFill>
+                        <a:srgbClr val="000000"/>
+                      </a:solidFill>
+                      <a:prstDash val="solid"/>
+                      <a:round/>
+                      <a:headEnd type="none" w="med" len="med"/>
+                      <a:tailEnd type="none" w="med" len="med"/>
+                    </a:lnR>
+                    <a:lnT w="6350" cap="flat" cmpd="sng" algn="ctr">
+                      <a:solidFill>
+                        <a:srgbClr val="000000"/>
+                      </a:solidFill>
+                      <a:prstDash val="solid"/>
+                      <a:round/>
+                      <a:headEnd type="none" w="med" len="med"/>
+                      <a:tailEnd type="none" w="med" len="med"/>
+                    </a:lnT>
+                    <a:lnB w="6350" cap="flat" cmpd="sng" algn="ctr">
+                      <a:solidFill>
+                        <a:srgbClr val="000000"/>
+                      </a:solidFill>
+                      <a:prstDash val="solid"/>
+                      <a:round/>
+                      <a:headEnd type="none" w="med" len="med"/>
+                      <a:tailEnd type="none" w="med" len="med"/>
+                    </a:lnB>
+                  </a:tcPr>
+                </a:tc>
+                <a:extLst>
+                  <a:ext uri="{0D108BD9-81ED-4DB2-BD59-A6C34878D82A}">
+                    <a16:rowId xmlns:a16="http://schemas.microsoft.com/office/drawing/2014/main" val="984852848"/>
+                  </a:ext>
+                </a:extLst>
+              </a:tr>
+            </a:tbl>
+          </a:graphicData>
+        </a:graphic>
+      </p:graphicFrame>
+      <p:graphicFrame>
+        <p:nvGraphicFramePr>
+          <p:cNvPr id="27" name="Tabla 26">
+            <a:extLst>
+              <a:ext uri="{FF2B5EF4-FFF2-40B4-BE49-F238E27FC236}">
+                <a16:creationId xmlns:a16="http://schemas.microsoft.com/office/drawing/2014/main" id="{97B0CF57-9E75-C356-808B-402E3799B816}"/>
+              </a:ext>
+            </a:extLst>
+          </p:cNvPr>
+          <p:cNvGraphicFramePr>
+            <a:graphicFrameLocks noGrp="1"/>
+          </p:cNvGraphicFramePr>
+          <p:nvPr>
+            <p:extLst>
+              <p:ext uri="{D42A27DB-BD31-4B8C-83A1-F6EECF244321}">
+                <p14:modId xmlns:p14="http://schemas.microsoft.com/office/powerpoint/2010/main" val="1303658094"/>
+              </p:ext>
+            </p:extLst>
+          </p:nvPr>
+        </p:nvGraphicFramePr>
+        <p:xfrm>
+          <a:off x="7948383" y="3644696"/>
+          <a:ext cx="3034250" cy="914400"/>
+        </p:xfrm>
+        <a:graphic>
+          <a:graphicData uri="http://schemas.openxmlformats.org/drawingml/2006/table">
+            <a:tbl>
+              <a:tblPr/>
+              <a:tblGrid>
+                <a:gridCol w="961232">
+                  <a:extLst>
+                    <a:ext uri="{9D8B030D-6E8A-4147-A177-3AD203B41FA5}">
+                      <a16:colId xmlns:a16="http://schemas.microsoft.com/office/drawing/2014/main" val="2055068459"/>
+                    </a:ext>
+                  </a:extLst>
+                </a:gridCol>
+                <a:gridCol w="1111786">
+                  <a:extLst>
+                    <a:ext uri="{9D8B030D-6E8A-4147-A177-3AD203B41FA5}">
+                      <a16:colId xmlns:a16="http://schemas.microsoft.com/office/drawing/2014/main" val="1824211256"/>
+                    </a:ext>
+                  </a:extLst>
+                </a:gridCol>
+                <a:gridCol w="961232">
+                  <a:extLst>
+                    <a:ext uri="{9D8B030D-6E8A-4147-A177-3AD203B41FA5}">
+                      <a16:colId xmlns:a16="http://schemas.microsoft.com/office/drawing/2014/main" val="3106804971"/>
+                    </a:ext>
+                  </a:extLst>
+                </a:gridCol>
+              </a:tblGrid>
+              <a:tr h="182880">
+                <a:tc gridSpan="3">
+                  <a:txBody>
+                    <a:bodyPr/>
+                    <a:lstStyle/>
+                    <a:p>
+                      <a:pPr algn="ctr" fontAlgn="b"/>
+                      <a:r>
+                        <a:rPr lang="es-CL" sz="1100" b="0" i="0" u="none" strike="noStrike" dirty="0" err="1">
+                          <a:solidFill>
+                            <a:srgbClr val="000000"/>
+                          </a:solidFill>
+                          <a:effectLst/>
+                          <a:latin typeface="Calibri" panose="020F0502020204030204" pitchFamily="34" charset="0"/>
+                        </a:rPr>
+                        <a:t>Customer</a:t>
+                      </a:r>
+                      <a:endParaRPr lang="es-CL" sz="1100" b="0" i="0" u="none" strike="noStrike" dirty="0">
+                        <a:solidFill>
+                          <a:srgbClr val="000000"/>
+                        </a:solidFill>
+                        <a:effectLst/>
+                        <a:latin typeface="Calibri" panose="020F0502020204030204" pitchFamily="34" charset="0"/>
+                      </a:endParaRPr>
+                    </a:p>
+                  </a:txBody>
+                  <a:tcPr marL="7620" marR="7620" marT="7620" marB="0" anchor="b">
+                    <a:lnL>
+                      <a:noFill/>
+                    </a:lnL>
+                    <a:lnR>
+                      <a:noFill/>
+                    </a:lnR>
+                    <a:lnT>
+                      <a:noFill/>
+                    </a:lnT>
+                    <a:lnB w="6350" cap="flat" cmpd="sng" algn="ctr">
+                      <a:solidFill>
+                        <a:srgbClr val="000000"/>
+                      </a:solidFill>
+                      <a:prstDash val="solid"/>
+                      <a:round/>
+                      <a:headEnd type="none" w="med" len="med"/>
+                      <a:tailEnd type="none" w="med" len="med"/>
+                    </a:lnB>
+                    <a:solidFill>
+                      <a:srgbClr val="ED7D31"/>
+                    </a:solidFill>
+                  </a:tcPr>
+                </a:tc>
+                <a:tc hMerge="1">
+                  <a:txBody>
+                    <a:bodyPr/>
+                    <a:lstStyle/>
+                    <a:p>
+                      <a:endParaRPr lang="es-CL"/>
+                    </a:p>
+                  </a:txBody>
+                  <a:tcPr/>
+                </a:tc>
+                <a:tc hMerge="1">
+                  <a:txBody>
+                    <a:bodyPr/>
+                    <a:lstStyle/>
+                    <a:p>
+                      <a:endParaRPr lang="es-CL"/>
+                    </a:p>
+                  </a:txBody>
+                  <a:tcPr/>
+                </a:tc>
+                <a:extLst>
+                  <a:ext uri="{0D108BD9-81ED-4DB2-BD59-A6C34878D82A}">
+                    <a16:rowId xmlns:a16="http://schemas.microsoft.com/office/drawing/2014/main" val="3618856246"/>
+                  </a:ext>
+                </a:extLst>
+              </a:tr>
+              <a:tr h="182880">
+                <a:tc>
+                  <a:txBody>
+                    <a:bodyPr/>
+                    <a:lstStyle/>
+                    <a:p>
+                      <a:pPr algn="l" fontAlgn="b"/>
+                      <a:r>
+                        <a:rPr lang="es-CL" sz="1100" b="0" i="0" u="none" strike="noStrike">
+                          <a:solidFill>
+                            <a:srgbClr val="000000"/>
+                          </a:solidFill>
+                          <a:effectLst/>
+                          <a:latin typeface="Calibri" panose="020F0502020204030204" pitchFamily="34" charset="0"/>
+                        </a:rPr>
+                        <a:t>Columna</a:t>
+                      </a:r>
+                    </a:p>
+                  </a:txBody>
+                  <a:tcPr marL="7620" marR="7620" marT="7620" marB="0" anchor="b">
+                    <a:lnL w="6350" cap="flat" cmpd="sng" algn="ctr">
+                      <a:solidFill>
+                        <a:srgbClr val="000000"/>
+                      </a:solidFill>
+                      <a:prstDash val="solid"/>
+                      <a:round/>
+                      <a:headEnd type="none" w="med" len="med"/>
+                      <a:tailEnd type="none" w="med" len="med"/>
+                    </a:lnL>
+                    <a:lnR w="6350" cap="flat" cmpd="sng" algn="ctr">
+                      <a:solidFill>
+                        <a:srgbClr val="000000"/>
+                      </a:solidFill>
+                      <a:prstDash val="solid"/>
+                      <a:round/>
+                      <a:headEnd type="none" w="med" len="med"/>
+                      <a:tailEnd type="none" w="med" len="med"/>
+                    </a:lnR>
+                    <a:lnT w="6350" cap="flat" cmpd="sng" algn="ctr">
+                      <a:solidFill>
+                        <a:srgbClr val="000000"/>
+                      </a:solidFill>
+                      <a:prstDash val="solid"/>
+                      <a:round/>
+                      <a:headEnd type="none" w="med" len="med"/>
+                      <a:tailEnd type="none" w="med" len="med"/>
+                    </a:lnT>
+                    <a:lnB w="6350" cap="flat" cmpd="sng" algn="ctr">
+                      <a:solidFill>
+                        <a:srgbClr val="000000"/>
+                      </a:solidFill>
+                      <a:prstDash val="solid"/>
+                      <a:round/>
+                      <a:headEnd type="none" w="med" len="med"/>
+                      <a:tailEnd type="none" w="med" len="med"/>
+                    </a:lnB>
+                    <a:solidFill>
+                      <a:srgbClr val="9BC2E6"/>
+                    </a:solidFill>
+                  </a:tcPr>
+                </a:tc>
+                <a:tc>
+                  <a:txBody>
+                    <a:bodyPr/>
+                    <a:lstStyle/>
+                    <a:p>
+                      <a:pPr algn="l" fontAlgn="b"/>
+                      <a:r>
+                        <a:rPr lang="es-CL" sz="1100" b="0" i="0" u="none" strike="noStrike">
+                          <a:solidFill>
+                            <a:srgbClr val="000000"/>
+                          </a:solidFill>
+                          <a:effectLst/>
+                          <a:latin typeface="Calibri" panose="020F0502020204030204" pitchFamily="34" charset="0"/>
+                        </a:rPr>
+                        <a:t>Tipo de dato</a:t>
+                      </a:r>
+                    </a:p>
+                  </a:txBody>
+                  <a:tcPr marL="7620" marR="7620" marT="7620" marB="0" anchor="b">
+                    <a:lnL w="6350" cap="flat" cmpd="sng" algn="ctr">
+                      <a:solidFill>
+                        <a:srgbClr val="000000"/>
+                      </a:solidFill>
+                      <a:prstDash val="solid"/>
+                      <a:round/>
+                      <a:headEnd type="none" w="med" len="med"/>
+                      <a:tailEnd type="none" w="med" len="med"/>
+                    </a:lnL>
+                    <a:lnR w="6350" cap="flat" cmpd="sng" algn="ctr">
+                      <a:solidFill>
+                        <a:srgbClr val="000000"/>
+                      </a:solidFill>
+                      <a:prstDash val="solid"/>
+                      <a:round/>
+                      <a:headEnd type="none" w="med" len="med"/>
+                      <a:tailEnd type="none" w="med" len="med"/>
+                    </a:lnR>
+                    <a:lnT w="6350" cap="flat" cmpd="sng" algn="ctr">
+                      <a:solidFill>
+                        <a:srgbClr val="000000"/>
+                      </a:solidFill>
+                      <a:prstDash val="solid"/>
+                      <a:round/>
+                      <a:headEnd type="none" w="med" len="med"/>
+                      <a:tailEnd type="none" w="med" len="med"/>
+                    </a:lnT>
+                    <a:lnB w="6350" cap="flat" cmpd="sng" algn="ctr">
+                      <a:solidFill>
+                        <a:srgbClr val="000000"/>
+                      </a:solidFill>
+                      <a:prstDash val="solid"/>
+                      <a:round/>
+                      <a:headEnd type="none" w="med" len="med"/>
+                      <a:tailEnd type="none" w="med" len="med"/>
+                    </a:lnB>
+                    <a:solidFill>
+                      <a:srgbClr val="9BC2E6"/>
+                    </a:solidFill>
+                  </a:tcPr>
+                </a:tc>
+                <a:tc>
+                  <a:txBody>
+                    <a:bodyPr/>
+                    <a:lstStyle/>
+                    <a:p>
+                      <a:pPr algn="l" fontAlgn="b"/>
+                      <a:r>
+                        <a:rPr lang="es-CL" sz="1100" b="0" i="0" u="none" strike="noStrike">
+                          <a:solidFill>
+                            <a:srgbClr val="000000"/>
+                          </a:solidFill>
+                          <a:effectLst/>
+                          <a:latin typeface="Calibri" panose="020F0502020204030204" pitchFamily="34" charset="0"/>
+                        </a:rPr>
+                        <a:t>Tipo de clave</a:t>
+                      </a:r>
+                    </a:p>
+                  </a:txBody>
+                  <a:tcPr marL="7620" marR="7620" marT="7620" marB="0" anchor="b">
+                    <a:lnL w="6350" cap="flat" cmpd="sng" algn="ctr">
+                      <a:solidFill>
+                        <a:srgbClr val="000000"/>
+                      </a:solidFill>
+                      <a:prstDash val="solid"/>
+                      <a:round/>
+                      <a:headEnd type="none" w="med" len="med"/>
+                      <a:tailEnd type="none" w="med" len="med"/>
+                    </a:lnL>
+                    <a:lnR w="6350" cap="flat" cmpd="sng" algn="ctr">
+                      <a:solidFill>
+                        <a:srgbClr val="000000"/>
+                      </a:solidFill>
+                      <a:prstDash val="solid"/>
+                      <a:round/>
+                      <a:headEnd type="none" w="med" len="med"/>
+                      <a:tailEnd type="none" w="med" len="med"/>
+                    </a:lnR>
+                    <a:lnT w="6350" cap="flat" cmpd="sng" algn="ctr">
+                      <a:solidFill>
+                        <a:srgbClr val="000000"/>
+                      </a:solidFill>
+                      <a:prstDash val="solid"/>
+                      <a:round/>
+                      <a:headEnd type="none" w="med" len="med"/>
+                      <a:tailEnd type="none" w="med" len="med"/>
+                    </a:lnT>
+                    <a:lnB w="6350" cap="flat" cmpd="sng" algn="ctr">
+                      <a:solidFill>
+                        <a:srgbClr val="000000"/>
+                      </a:solidFill>
+                      <a:prstDash val="solid"/>
+                      <a:round/>
+                      <a:headEnd type="none" w="med" len="med"/>
+                      <a:tailEnd type="none" w="med" len="med"/>
+                    </a:lnB>
+                    <a:solidFill>
+                      <a:srgbClr val="9BC2E6"/>
+                    </a:solidFill>
+                  </a:tcPr>
+                </a:tc>
+                <a:extLst>
+                  <a:ext uri="{0D108BD9-81ED-4DB2-BD59-A6C34878D82A}">
+                    <a16:rowId xmlns:a16="http://schemas.microsoft.com/office/drawing/2014/main" val="3532098407"/>
+                  </a:ext>
+                </a:extLst>
+              </a:tr>
+              <a:tr h="182880">
+                <a:tc>
+                  <a:txBody>
+                    <a:bodyPr/>
+                    <a:lstStyle/>
+                    <a:p>
+                      <a:pPr algn="l" fontAlgn="b"/>
+                      <a:r>
+                        <a:rPr lang="es-CL" sz="1100" b="0" i="0" u="none" strike="noStrike">
+                          <a:solidFill>
+                            <a:srgbClr val="000000"/>
+                          </a:solidFill>
+                          <a:effectLst/>
+                          <a:latin typeface="Calibri" panose="020F0502020204030204" pitchFamily="34" charset="0"/>
+                        </a:rPr>
+                        <a:t>customer_id</a:t>
+                      </a:r>
+                    </a:p>
+                  </a:txBody>
+                  <a:tcPr marL="7620" marR="7620" marT="7620" marB="0" anchor="b">
+                    <a:lnL w="6350" cap="flat" cmpd="sng" algn="ctr">
+                      <a:solidFill>
+                        <a:srgbClr val="000000"/>
+                      </a:solidFill>
+                      <a:prstDash val="solid"/>
+                      <a:round/>
+                      <a:headEnd type="none" w="med" len="med"/>
+                      <a:tailEnd type="none" w="med" len="med"/>
+                    </a:lnL>
+                    <a:lnR w="6350" cap="flat" cmpd="sng" algn="ctr">
+                      <a:solidFill>
+                        <a:srgbClr val="000000"/>
+                      </a:solidFill>
+                      <a:prstDash val="solid"/>
+                      <a:round/>
+                      <a:headEnd type="none" w="med" len="med"/>
+                      <a:tailEnd type="none" w="med" len="med"/>
+                    </a:lnR>
+                    <a:lnT w="6350" cap="flat" cmpd="sng" algn="ctr">
+                      <a:solidFill>
+                        <a:srgbClr val="000000"/>
+                      </a:solidFill>
+                      <a:prstDash val="solid"/>
+                      <a:round/>
+                      <a:headEnd type="none" w="med" len="med"/>
+                      <a:tailEnd type="none" w="med" len="med"/>
+                    </a:lnT>
+                    <a:lnB w="6350" cap="flat" cmpd="sng" algn="ctr">
+                      <a:solidFill>
+                        <a:srgbClr val="000000"/>
+                      </a:solidFill>
+                      <a:prstDash val="solid"/>
+                      <a:round/>
+                      <a:headEnd type="none" w="med" len="med"/>
+                      <a:tailEnd type="none" w="med" len="med"/>
+                    </a:lnB>
+                  </a:tcPr>
+                </a:tc>
+                <a:tc>
+                  <a:txBody>
+                    <a:bodyPr/>
+                    <a:lstStyle/>
+                    <a:p>
+                      <a:pPr algn="l" fontAlgn="b"/>
+                      <a:r>
+                        <a:rPr lang="es-CL" sz="1100" b="0" i="0" u="none" strike="noStrike">
+                          <a:solidFill>
+                            <a:srgbClr val="000000"/>
+                          </a:solidFill>
+                          <a:effectLst/>
+                          <a:latin typeface="Calibri" panose="020F0502020204030204" pitchFamily="34" charset="0"/>
+                        </a:rPr>
+                        <a:t>varchar</a:t>
+                      </a:r>
+                    </a:p>
+                  </a:txBody>
+                  <a:tcPr marL="7620" marR="7620" marT="7620" marB="0" anchor="b">
+                    <a:lnL w="6350" cap="flat" cmpd="sng" algn="ctr">
+                      <a:solidFill>
+                        <a:srgbClr val="000000"/>
+                      </a:solidFill>
+                      <a:prstDash val="solid"/>
+                      <a:round/>
+                      <a:headEnd type="none" w="med" len="med"/>
+                      <a:tailEnd type="none" w="med" len="med"/>
+                    </a:lnL>
+                    <a:lnR w="6350" cap="flat" cmpd="sng" algn="ctr">
+                      <a:solidFill>
+                        <a:srgbClr val="000000"/>
+                      </a:solidFill>
+                      <a:prstDash val="solid"/>
+                      <a:round/>
+                      <a:headEnd type="none" w="med" len="med"/>
+                      <a:tailEnd type="none" w="med" len="med"/>
+                    </a:lnR>
+                    <a:lnT w="6350" cap="flat" cmpd="sng" algn="ctr">
+                      <a:solidFill>
+                        <a:srgbClr val="000000"/>
+                      </a:solidFill>
+                      <a:prstDash val="solid"/>
+                      <a:round/>
+                      <a:headEnd type="none" w="med" len="med"/>
+                      <a:tailEnd type="none" w="med" len="med"/>
+                    </a:lnT>
+                    <a:lnB w="6350" cap="flat" cmpd="sng" algn="ctr">
+                      <a:solidFill>
+                        <a:srgbClr val="000000"/>
+                      </a:solidFill>
+                      <a:prstDash val="solid"/>
+                      <a:round/>
+                      <a:headEnd type="none" w="med" len="med"/>
+                      <a:tailEnd type="none" w="med" len="med"/>
+                    </a:lnB>
+                  </a:tcPr>
+                </a:tc>
+                <a:tc>
+                  <a:txBody>
+                    <a:bodyPr/>
+                    <a:lstStyle/>
+                    <a:p>
+                      <a:pPr algn="l" fontAlgn="b"/>
+                      <a:r>
+                        <a:rPr lang="es-CL" sz="1100" b="0" i="0" u="none" strike="noStrike">
+                          <a:solidFill>
+                            <a:srgbClr val="000000"/>
+                          </a:solidFill>
+                          <a:effectLst/>
+                          <a:latin typeface="Calibri" panose="020F0502020204030204" pitchFamily="34" charset="0"/>
+                        </a:rPr>
+                        <a:t>PK-Index</a:t>
+                      </a:r>
+                    </a:p>
+                  </a:txBody>
+                  <a:tcPr marL="7620" marR="7620" marT="7620" marB="0" anchor="b">
+                    <a:lnL w="6350" cap="flat" cmpd="sng" algn="ctr">
+                      <a:solidFill>
+                        <a:srgbClr val="000000"/>
+                      </a:solidFill>
+                      <a:prstDash val="solid"/>
+                      <a:round/>
+                      <a:headEnd type="none" w="med" len="med"/>
+                      <a:tailEnd type="none" w="med" len="med"/>
+                    </a:lnL>
+                    <a:lnR w="6350" cap="flat" cmpd="sng" algn="ctr">
+                      <a:solidFill>
+                        <a:srgbClr val="000000"/>
+                      </a:solidFill>
+                      <a:prstDash val="solid"/>
+                      <a:round/>
+                      <a:headEnd type="none" w="med" len="med"/>
+                      <a:tailEnd type="none" w="med" len="med"/>
+                    </a:lnR>
+                    <a:lnT w="6350" cap="flat" cmpd="sng" algn="ctr">
+                      <a:solidFill>
+                        <a:srgbClr val="000000"/>
+                      </a:solidFill>
+                      <a:prstDash val="solid"/>
+                      <a:round/>
+                      <a:headEnd type="none" w="med" len="med"/>
+                      <a:tailEnd type="none" w="med" len="med"/>
+                    </a:lnT>
+                    <a:lnB w="6350" cap="flat" cmpd="sng" algn="ctr">
+                      <a:solidFill>
+                        <a:srgbClr val="000000"/>
+                      </a:solidFill>
+                      <a:prstDash val="solid"/>
+                      <a:round/>
+                      <a:headEnd type="none" w="med" len="med"/>
+                      <a:tailEnd type="none" w="med" len="med"/>
+                    </a:lnB>
+                  </a:tcPr>
+                </a:tc>
+                <a:extLst>
+                  <a:ext uri="{0D108BD9-81ED-4DB2-BD59-A6C34878D82A}">
+                    <a16:rowId xmlns:a16="http://schemas.microsoft.com/office/drawing/2014/main" val="303331039"/>
+                  </a:ext>
+                </a:extLst>
+              </a:tr>
+              <a:tr h="182880">
+                <a:tc>
+                  <a:txBody>
+                    <a:bodyPr/>
+                    <a:lstStyle/>
+                    <a:p>
+                      <a:pPr algn="l" fontAlgn="b"/>
+                      <a:r>
+                        <a:rPr lang="es-CL" sz="1100" b="0" i="0" u="none" strike="noStrike" dirty="0" err="1">
+                          <a:solidFill>
+                            <a:srgbClr val="000000"/>
+                          </a:solidFill>
+                          <a:effectLst/>
+                          <a:latin typeface="Calibri" panose="020F0502020204030204" pitchFamily="34" charset="0"/>
+                        </a:rPr>
+                        <a:t>gender</a:t>
+                      </a:r>
+                      <a:endParaRPr lang="es-CL" sz="1100" b="0" i="0" u="none" strike="noStrike" dirty="0">
+                        <a:solidFill>
+                          <a:srgbClr val="000000"/>
+                        </a:solidFill>
+                        <a:effectLst/>
+                        <a:latin typeface="Calibri" panose="020F0502020204030204" pitchFamily="34" charset="0"/>
+                      </a:endParaRPr>
+                    </a:p>
+                  </a:txBody>
+                  <a:tcPr marL="7620" marR="7620" marT="7620" marB="0" anchor="b">
+                    <a:lnL w="6350" cap="flat" cmpd="sng" algn="ctr">
+                      <a:solidFill>
+                        <a:srgbClr val="000000"/>
+                      </a:solidFill>
+                      <a:prstDash val="solid"/>
+                      <a:round/>
+                      <a:headEnd type="none" w="med" len="med"/>
+                      <a:tailEnd type="none" w="med" len="med"/>
+                    </a:lnL>
+                    <a:lnR w="6350" cap="flat" cmpd="sng" algn="ctr">
+                      <a:solidFill>
+                        <a:srgbClr val="000000"/>
+                      </a:solidFill>
+                      <a:prstDash val="solid"/>
+                      <a:round/>
+                      <a:headEnd type="none" w="med" len="med"/>
+                      <a:tailEnd type="none" w="med" len="med"/>
+                    </a:lnR>
+                    <a:lnT w="6350" cap="flat" cmpd="sng" algn="ctr">
+                      <a:solidFill>
+                        <a:srgbClr val="000000"/>
+                      </a:solidFill>
+                      <a:prstDash val="solid"/>
+                      <a:round/>
+                      <a:headEnd type="none" w="med" len="med"/>
+                      <a:tailEnd type="none" w="med" len="med"/>
+                    </a:lnT>
+                    <a:lnB w="6350" cap="flat" cmpd="sng" algn="ctr">
+                      <a:solidFill>
+                        <a:srgbClr val="000000"/>
+                      </a:solidFill>
+                      <a:prstDash val="solid"/>
+                      <a:round/>
+                      <a:headEnd type="none" w="med" len="med"/>
+                      <a:tailEnd type="none" w="med" len="med"/>
+                    </a:lnB>
+                  </a:tcPr>
+                </a:tc>
+                <a:tc>
+                  <a:txBody>
+                    <a:bodyPr/>
+                    <a:lstStyle/>
+                    <a:p>
+                      <a:pPr algn="l" fontAlgn="b"/>
+                      <a:r>
+                        <a:rPr lang="es-CL" sz="1100" b="0" i="0" u="none" strike="noStrike">
+                          <a:solidFill>
+                            <a:srgbClr val="000000"/>
+                          </a:solidFill>
+                          <a:effectLst/>
+                          <a:latin typeface="Calibri" panose="020F0502020204030204" pitchFamily="34" charset="0"/>
+                        </a:rPr>
+                        <a:t>varchar</a:t>
+                      </a:r>
+                    </a:p>
+                  </a:txBody>
+                  <a:tcPr marL="7620" marR="7620" marT="7620" marB="0" anchor="b">
+                    <a:lnL w="6350" cap="flat" cmpd="sng" algn="ctr">
+                      <a:solidFill>
+                        <a:srgbClr val="000000"/>
+                      </a:solidFill>
+                      <a:prstDash val="solid"/>
+                      <a:round/>
+                      <a:headEnd type="none" w="med" len="med"/>
+                      <a:tailEnd type="none" w="med" len="med"/>
+                    </a:lnL>
+                    <a:lnR w="6350" cap="flat" cmpd="sng" algn="ctr">
+                      <a:solidFill>
+                        <a:srgbClr val="000000"/>
+                      </a:solidFill>
+                      <a:prstDash val="solid"/>
+                      <a:round/>
+                      <a:headEnd type="none" w="med" len="med"/>
+                      <a:tailEnd type="none" w="med" len="med"/>
+                    </a:lnR>
+                    <a:lnT w="6350" cap="flat" cmpd="sng" algn="ctr">
+                      <a:solidFill>
+                        <a:srgbClr val="000000"/>
+                      </a:solidFill>
+                      <a:prstDash val="solid"/>
+                      <a:round/>
+                      <a:headEnd type="none" w="med" len="med"/>
+                      <a:tailEnd type="none" w="med" len="med"/>
+                    </a:lnT>
+                    <a:lnB w="6350" cap="flat" cmpd="sng" algn="ctr">
+                      <a:solidFill>
+                        <a:srgbClr val="000000"/>
+                      </a:solidFill>
+                      <a:prstDash val="solid"/>
+                      <a:round/>
+                      <a:headEnd type="none" w="med" len="med"/>
+                      <a:tailEnd type="none" w="med" len="med"/>
+                    </a:lnB>
+                  </a:tcPr>
+                </a:tc>
+                <a:tc>
+                  <a:txBody>
+                    <a:bodyPr/>
+                    <a:lstStyle/>
+                    <a:p>
+                      <a:pPr algn="l" fontAlgn="b"/>
+                      <a:r>
+                        <a:rPr lang="es-CL" sz="1100" b="0" i="0" u="none" strike="noStrike">
+                          <a:solidFill>
+                            <a:srgbClr val="000000"/>
+                          </a:solidFill>
+                          <a:effectLst/>
+                          <a:latin typeface="Calibri" panose="020F0502020204030204" pitchFamily="34" charset="0"/>
+                        </a:rPr>
+                        <a:t> </a:t>
+                      </a:r>
+                    </a:p>
+                  </a:txBody>
+                  <a:tcPr marL="7620" marR="7620" marT="7620" marB="0" anchor="b">
+                    <a:lnL w="6350" cap="flat" cmpd="sng" algn="ctr">
+                      <a:solidFill>
+                        <a:srgbClr val="000000"/>
+                      </a:solidFill>
+                      <a:prstDash val="solid"/>
+                      <a:round/>
+                      <a:headEnd type="none" w="med" len="med"/>
+                      <a:tailEnd type="none" w="med" len="med"/>
+                    </a:lnL>
+                    <a:lnR w="6350" cap="flat" cmpd="sng" algn="ctr">
+                      <a:solidFill>
+                        <a:srgbClr val="000000"/>
+                      </a:solidFill>
+                      <a:prstDash val="solid"/>
+                      <a:round/>
+                      <a:headEnd type="none" w="med" len="med"/>
+                      <a:tailEnd type="none" w="med" len="med"/>
+                    </a:lnR>
+                    <a:lnT w="6350" cap="flat" cmpd="sng" algn="ctr">
+                      <a:solidFill>
+                        <a:srgbClr val="000000"/>
+                      </a:solidFill>
+                      <a:prstDash val="solid"/>
+                      <a:round/>
+                      <a:headEnd type="none" w="med" len="med"/>
+                      <a:tailEnd type="none" w="med" len="med"/>
+                    </a:lnT>
+                    <a:lnB w="6350" cap="flat" cmpd="sng" algn="ctr">
+                      <a:solidFill>
+                        <a:srgbClr val="000000"/>
+                      </a:solidFill>
+                      <a:prstDash val="solid"/>
+                      <a:round/>
+                      <a:headEnd type="none" w="med" len="med"/>
+                      <a:tailEnd type="none" w="med" len="med"/>
+                    </a:lnB>
+                  </a:tcPr>
+                </a:tc>
+                <a:extLst>
+                  <a:ext uri="{0D108BD9-81ED-4DB2-BD59-A6C34878D82A}">
+                    <a16:rowId xmlns:a16="http://schemas.microsoft.com/office/drawing/2014/main" val="3738371872"/>
+                  </a:ext>
+                </a:extLst>
+              </a:tr>
+              <a:tr h="182880">
+                <a:tc>
+                  <a:txBody>
+                    <a:bodyPr/>
+                    <a:lstStyle/>
+                    <a:p>
+                      <a:pPr algn="l" fontAlgn="b"/>
+                      <a:r>
+                        <a:rPr lang="es-CL" sz="1100" b="0" i="0" u="none" strike="noStrike">
+                          <a:solidFill>
+                            <a:srgbClr val="000000"/>
+                          </a:solidFill>
+                          <a:effectLst/>
+                          <a:latin typeface="Calibri" panose="020F0502020204030204" pitchFamily="34" charset="0"/>
+                        </a:rPr>
+                        <a:t>age</a:t>
+                      </a:r>
+                    </a:p>
+                  </a:txBody>
+                  <a:tcPr marL="7620" marR="7620" marT="7620" marB="0" anchor="b">
+                    <a:lnL w="6350" cap="flat" cmpd="sng" algn="ctr">
+                      <a:solidFill>
+                        <a:srgbClr val="000000"/>
+                      </a:solidFill>
+                      <a:prstDash val="solid"/>
+                      <a:round/>
+                      <a:headEnd type="none" w="med" len="med"/>
+                      <a:tailEnd type="none" w="med" len="med"/>
+                    </a:lnL>
+                    <a:lnR w="6350" cap="flat" cmpd="sng" algn="ctr">
+                      <a:solidFill>
+                        <a:srgbClr val="000000"/>
+                      </a:solidFill>
+                      <a:prstDash val="solid"/>
+                      <a:round/>
+                      <a:headEnd type="none" w="med" len="med"/>
+                      <a:tailEnd type="none" w="med" len="med"/>
+                    </a:lnR>
+                    <a:lnT w="6350" cap="flat" cmpd="sng" algn="ctr">
+                      <a:solidFill>
+                        <a:srgbClr val="000000"/>
+                      </a:solidFill>
+                      <a:prstDash val="solid"/>
+                      <a:round/>
+                      <a:headEnd type="none" w="med" len="med"/>
+                      <a:tailEnd type="none" w="med" len="med"/>
+                    </a:lnT>
+                    <a:lnB w="6350" cap="flat" cmpd="sng" algn="ctr">
+                      <a:solidFill>
+                        <a:srgbClr val="000000"/>
+                      </a:solidFill>
+                      <a:prstDash val="solid"/>
+                      <a:round/>
+                      <a:headEnd type="none" w="med" len="med"/>
+                      <a:tailEnd type="none" w="med" len="med"/>
+                    </a:lnB>
+                  </a:tcPr>
+                </a:tc>
+                <a:tc>
+                  <a:txBody>
+                    <a:bodyPr/>
+                    <a:lstStyle/>
+                    <a:p>
+                      <a:pPr algn="l" fontAlgn="b"/>
+                      <a:r>
+                        <a:rPr lang="es-CL" sz="1100" b="0" i="0" u="none" strike="noStrike">
+                          <a:solidFill>
+                            <a:srgbClr val="000000"/>
+                          </a:solidFill>
+                          <a:effectLst/>
+                          <a:latin typeface="Calibri" panose="020F0502020204030204" pitchFamily="34" charset="0"/>
+                        </a:rPr>
+                        <a:t>int</a:t>
+                      </a:r>
+                    </a:p>
+                  </a:txBody>
+                  <a:tcPr marL="7620" marR="7620" marT="7620" marB="0" anchor="b">
+                    <a:lnL w="6350" cap="flat" cmpd="sng" algn="ctr">
+                      <a:solidFill>
+                        <a:srgbClr val="000000"/>
+                      </a:solidFill>
+                      <a:prstDash val="solid"/>
+                      <a:round/>
+                      <a:headEnd type="none" w="med" len="med"/>
+                      <a:tailEnd type="none" w="med" len="med"/>
+                    </a:lnL>
+                    <a:lnR w="6350" cap="flat" cmpd="sng" algn="ctr">
+                      <a:solidFill>
+                        <a:srgbClr val="000000"/>
+                      </a:solidFill>
+                      <a:prstDash val="solid"/>
+                      <a:round/>
+                      <a:headEnd type="none" w="med" len="med"/>
+                      <a:tailEnd type="none" w="med" len="med"/>
+                    </a:lnR>
+                    <a:lnT w="6350" cap="flat" cmpd="sng" algn="ctr">
+                      <a:solidFill>
+                        <a:srgbClr val="000000"/>
+                      </a:solidFill>
+                      <a:prstDash val="solid"/>
+                      <a:round/>
+                      <a:headEnd type="none" w="med" len="med"/>
+                      <a:tailEnd type="none" w="med" len="med"/>
+                    </a:lnT>
+                    <a:lnB w="6350" cap="flat" cmpd="sng" algn="ctr">
+                      <a:solidFill>
+                        <a:srgbClr val="000000"/>
+                      </a:solidFill>
+                      <a:prstDash val="solid"/>
+                      <a:round/>
+                      <a:headEnd type="none" w="med" len="med"/>
+                      <a:tailEnd type="none" w="med" len="med"/>
+                    </a:lnB>
+                  </a:tcPr>
+                </a:tc>
+                <a:tc>
+                  <a:txBody>
+                    <a:bodyPr/>
+                    <a:lstStyle/>
+                    <a:p>
+                      <a:pPr algn="l" fontAlgn="b"/>
+                      <a:r>
+                        <a:rPr lang="es-CL" sz="1100" b="0" i="0" u="none" strike="noStrike" dirty="0">
+                          <a:solidFill>
+                            <a:srgbClr val="000000"/>
+                          </a:solidFill>
+                          <a:effectLst/>
+                          <a:latin typeface="Calibri" panose="020F0502020204030204" pitchFamily="34" charset="0"/>
+                        </a:rPr>
+                        <a:t> </a:t>
+                      </a:r>
+                    </a:p>
+                  </a:txBody>
+                  <a:tcPr marL="7620" marR="7620" marT="7620" marB="0" anchor="b">
+                    <a:lnL w="6350" cap="flat" cmpd="sng" algn="ctr">
+                      <a:solidFill>
+                        <a:srgbClr val="000000"/>
+                      </a:solidFill>
+                      <a:prstDash val="solid"/>
+                      <a:round/>
+                      <a:headEnd type="none" w="med" len="med"/>
+                      <a:tailEnd type="none" w="med" len="med"/>
+                    </a:lnL>
+                    <a:lnR w="6350" cap="flat" cmpd="sng" algn="ctr">
+                      <a:solidFill>
+                        <a:srgbClr val="000000"/>
+                      </a:solidFill>
+                      <a:prstDash val="solid"/>
+                      <a:round/>
+                      <a:headEnd type="none" w="med" len="med"/>
+                      <a:tailEnd type="none" w="med" len="med"/>
+                    </a:lnR>
+                    <a:lnT w="6350" cap="flat" cmpd="sng" algn="ctr">
+                      <a:solidFill>
+                        <a:srgbClr val="000000"/>
+                      </a:solidFill>
+                      <a:prstDash val="solid"/>
+                      <a:round/>
+                      <a:headEnd type="none" w="med" len="med"/>
+                      <a:tailEnd type="none" w="med" len="med"/>
+                    </a:lnT>
+                    <a:lnB w="6350" cap="flat" cmpd="sng" algn="ctr">
+                      <a:solidFill>
+                        <a:srgbClr val="000000"/>
+                      </a:solidFill>
+                      <a:prstDash val="solid"/>
+                      <a:round/>
+                      <a:headEnd type="none" w="med" len="med"/>
+                      <a:tailEnd type="none" w="med" len="med"/>
+                    </a:lnB>
+                  </a:tcPr>
+                </a:tc>
+                <a:extLst>
+                  <a:ext uri="{0D108BD9-81ED-4DB2-BD59-A6C34878D82A}">
+                    <a16:rowId xmlns:a16="http://schemas.microsoft.com/office/drawing/2014/main" val="3305962401"/>
+                  </a:ext>
+                </a:extLst>
+              </a:tr>
+            </a:tbl>
+          </a:graphicData>
+        </a:graphic>
+      </p:graphicFrame>
+      <p:graphicFrame>
+        <p:nvGraphicFramePr>
+          <p:cNvPr id="29" name="Tabla 28">
+            <a:extLst>
+              <a:ext uri="{FF2B5EF4-FFF2-40B4-BE49-F238E27FC236}">
+                <a16:creationId xmlns:a16="http://schemas.microsoft.com/office/drawing/2014/main" id="{EB266EF6-BA4A-6A3E-A275-9A4624647833}"/>
+              </a:ext>
+            </a:extLst>
+          </p:cNvPr>
+          <p:cNvGraphicFramePr>
+            <a:graphicFrameLocks noGrp="1"/>
+          </p:cNvGraphicFramePr>
+          <p:nvPr>
+            <p:extLst>
+              <p:ext uri="{D42A27DB-BD31-4B8C-83A1-F6EECF244321}">
+                <p14:modId xmlns:p14="http://schemas.microsoft.com/office/powerpoint/2010/main" val="1156751814"/>
+              </p:ext>
+            </p:extLst>
+          </p:nvPr>
+        </p:nvGraphicFramePr>
+        <p:xfrm>
+          <a:off x="5053777" y="5054426"/>
+          <a:ext cx="2576055" cy="731520"/>
+        </p:xfrm>
+        <a:graphic>
+          <a:graphicData uri="http://schemas.openxmlformats.org/drawingml/2006/table">
+            <a:tbl>
+              <a:tblPr/>
+              <a:tblGrid>
+                <a:gridCol w="858685">
+                  <a:extLst>
+                    <a:ext uri="{9D8B030D-6E8A-4147-A177-3AD203B41FA5}">
+                      <a16:colId xmlns:a16="http://schemas.microsoft.com/office/drawing/2014/main" val="4193726702"/>
+                    </a:ext>
+                  </a:extLst>
+                </a:gridCol>
+                <a:gridCol w="858685">
+                  <a:extLst>
+                    <a:ext uri="{9D8B030D-6E8A-4147-A177-3AD203B41FA5}">
+                      <a16:colId xmlns:a16="http://schemas.microsoft.com/office/drawing/2014/main" val="3484494176"/>
+                    </a:ext>
+                  </a:extLst>
+                </a:gridCol>
+                <a:gridCol w="858685">
+                  <a:extLst>
+                    <a:ext uri="{9D8B030D-6E8A-4147-A177-3AD203B41FA5}">
+                      <a16:colId xmlns:a16="http://schemas.microsoft.com/office/drawing/2014/main" val="1780318397"/>
+                    </a:ext>
+                  </a:extLst>
+                </a:gridCol>
+              </a:tblGrid>
+              <a:tr h="182880">
+                <a:tc gridSpan="3">
+                  <a:txBody>
+                    <a:bodyPr/>
+                    <a:lstStyle/>
+                    <a:p>
+                      <a:pPr algn="ctr" fontAlgn="b"/>
+                      <a:r>
+                        <a:rPr lang="es-CL" sz="1100" b="0" i="0" u="none" strike="noStrike" dirty="0" err="1">
+                          <a:solidFill>
+                            <a:srgbClr val="000000"/>
+                          </a:solidFill>
+                          <a:effectLst/>
+                          <a:latin typeface="Calibri" panose="020F0502020204030204" pitchFamily="34" charset="0"/>
+                        </a:rPr>
+                        <a:t>Category</a:t>
+                      </a:r>
+                      <a:endParaRPr lang="es-CL" sz="1100" b="0" i="0" u="none" strike="noStrike" dirty="0">
+                        <a:solidFill>
+                          <a:srgbClr val="000000"/>
+                        </a:solidFill>
+                        <a:effectLst/>
+                        <a:latin typeface="Calibri" panose="020F0502020204030204" pitchFamily="34" charset="0"/>
+                      </a:endParaRPr>
+                    </a:p>
+                  </a:txBody>
+                  <a:tcPr marL="7620" marR="7620" marT="7620" marB="0" anchor="b">
+                    <a:lnL>
+                      <a:noFill/>
+                    </a:lnL>
+                    <a:lnR>
+                      <a:noFill/>
+                    </a:lnR>
+                    <a:lnT>
+                      <a:noFill/>
+                    </a:lnT>
+                    <a:lnB w="6350" cap="flat" cmpd="sng" algn="ctr">
+                      <a:solidFill>
+                        <a:srgbClr val="000000"/>
+                      </a:solidFill>
+                      <a:prstDash val="solid"/>
+                      <a:round/>
+                      <a:headEnd type="none" w="med" len="med"/>
+                      <a:tailEnd type="none" w="med" len="med"/>
+                    </a:lnB>
+                    <a:solidFill>
+                      <a:srgbClr val="ED7D31"/>
+                    </a:solidFill>
+                  </a:tcPr>
+                </a:tc>
+                <a:tc hMerge="1">
+                  <a:txBody>
+                    <a:bodyPr/>
+                    <a:lstStyle/>
+                    <a:p>
+                      <a:endParaRPr lang="es-CL"/>
+                    </a:p>
+                  </a:txBody>
+                  <a:tcPr/>
+                </a:tc>
+                <a:tc hMerge="1">
+                  <a:txBody>
+                    <a:bodyPr/>
+                    <a:lstStyle/>
+                    <a:p>
+                      <a:endParaRPr lang="es-CL"/>
+                    </a:p>
+                  </a:txBody>
+                  <a:tcPr/>
+                </a:tc>
+                <a:extLst>
+                  <a:ext uri="{0D108BD9-81ED-4DB2-BD59-A6C34878D82A}">
+                    <a16:rowId xmlns:a16="http://schemas.microsoft.com/office/drawing/2014/main" val="3463266044"/>
+                  </a:ext>
+                </a:extLst>
+              </a:tr>
+              <a:tr h="182880">
+                <a:tc>
+                  <a:txBody>
+                    <a:bodyPr/>
+                    <a:lstStyle/>
+                    <a:p>
+                      <a:pPr algn="l" fontAlgn="b"/>
+                      <a:r>
+                        <a:rPr lang="es-CL" sz="1100" b="0" i="0" u="none" strike="noStrike">
+                          <a:solidFill>
+                            <a:srgbClr val="000000"/>
+                          </a:solidFill>
+                          <a:effectLst/>
+                          <a:latin typeface="Calibri" panose="020F0502020204030204" pitchFamily="34" charset="0"/>
+                        </a:rPr>
+                        <a:t>Columna</a:t>
+                      </a:r>
+                    </a:p>
+                  </a:txBody>
+                  <a:tcPr marL="7620" marR="7620" marT="7620" marB="0" anchor="b">
+                    <a:lnL w="6350" cap="flat" cmpd="sng" algn="ctr">
+                      <a:solidFill>
+                        <a:srgbClr val="000000"/>
+                      </a:solidFill>
+                      <a:prstDash val="solid"/>
+                      <a:round/>
+                      <a:headEnd type="none" w="med" len="med"/>
+                      <a:tailEnd type="none" w="med" len="med"/>
+                    </a:lnL>
+                    <a:lnR w="6350" cap="flat" cmpd="sng" algn="ctr">
+                      <a:solidFill>
+                        <a:srgbClr val="000000"/>
+                      </a:solidFill>
+                      <a:prstDash val="solid"/>
+                      <a:round/>
+                      <a:headEnd type="none" w="med" len="med"/>
+                      <a:tailEnd type="none" w="med" len="med"/>
+                    </a:lnR>
+                    <a:lnT w="6350" cap="flat" cmpd="sng" algn="ctr">
+                      <a:solidFill>
+                        <a:srgbClr val="000000"/>
+                      </a:solidFill>
+                      <a:prstDash val="solid"/>
+                      <a:round/>
+                      <a:headEnd type="none" w="med" len="med"/>
+                      <a:tailEnd type="none" w="med" len="med"/>
+                    </a:lnT>
+                    <a:lnB w="6350" cap="flat" cmpd="sng" algn="ctr">
+                      <a:solidFill>
+                        <a:srgbClr val="000000"/>
+                      </a:solidFill>
+                      <a:prstDash val="solid"/>
+                      <a:round/>
+                      <a:headEnd type="none" w="med" len="med"/>
+                      <a:tailEnd type="none" w="med" len="med"/>
+                    </a:lnB>
+                    <a:solidFill>
+                      <a:srgbClr val="9BC2E6"/>
+                    </a:solidFill>
+                  </a:tcPr>
+                </a:tc>
+                <a:tc>
+                  <a:txBody>
+                    <a:bodyPr/>
+                    <a:lstStyle/>
+                    <a:p>
+                      <a:pPr algn="l" fontAlgn="b"/>
+                      <a:r>
+                        <a:rPr lang="es-CL" sz="1100" b="0" i="0" u="none" strike="noStrike">
+                          <a:solidFill>
+                            <a:srgbClr val="000000"/>
+                          </a:solidFill>
+                          <a:effectLst/>
+                          <a:latin typeface="Calibri" panose="020F0502020204030204" pitchFamily="34" charset="0"/>
+                        </a:rPr>
+                        <a:t>Tipo de dato</a:t>
+                      </a:r>
+                    </a:p>
+                  </a:txBody>
+                  <a:tcPr marL="7620" marR="7620" marT="7620" marB="0" anchor="b">
+                    <a:lnL w="6350" cap="flat" cmpd="sng" algn="ctr">
+                      <a:solidFill>
+                        <a:srgbClr val="000000"/>
+                      </a:solidFill>
+                      <a:prstDash val="solid"/>
+                      <a:round/>
+                      <a:headEnd type="none" w="med" len="med"/>
+                      <a:tailEnd type="none" w="med" len="med"/>
+                    </a:lnL>
+                    <a:lnR w="6350" cap="flat" cmpd="sng" algn="ctr">
+                      <a:solidFill>
+                        <a:srgbClr val="000000"/>
+                      </a:solidFill>
+                      <a:prstDash val="solid"/>
+                      <a:round/>
+                      <a:headEnd type="none" w="med" len="med"/>
+                      <a:tailEnd type="none" w="med" len="med"/>
+                    </a:lnR>
+                    <a:lnT w="6350" cap="flat" cmpd="sng" algn="ctr">
+                      <a:solidFill>
+                        <a:srgbClr val="000000"/>
+                      </a:solidFill>
+                      <a:prstDash val="solid"/>
+                      <a:round/>
+                      <a:headEnd type="none" w="med" len="med"/>
+                      <a:tailEnd type="none" w="med" len="med"/>
+                    </a:lnT>
+                    <a:lnB w="6350" cap="flat" cmpd="sng" algn="ctr">
+                      <a:solidFill>
+                        <a:srgbClr val="000000"/>
+                      </a:solidFill>
+                      <a:prstDash val="solid"/>
+                      <a:round/>
+                      <a:headEnd type="none" w="med" len="med"/>
+                      <a:tailEnd type="none" w="med" len="med"/>
+                    </a:lnB>
+                    <a:solidFill>
+                      <a:srgbClr val="9BC2E6"/>
+                    </a:solidFill>
+                  </a:tcPr>
+                </a:tc>
+                <a:tc>
+                  <a:txBody>
+                    <a:bodyPr/>
+                    <a:lstStyle/>
+                    <a:p>
+                      <a:pPr algn="l" fontAlgn="b"/>
+                      <a:r>
+                        <a:rPr lang="es-CL" sz="1100" b="0" i="0" u="none" strike="noStrike">
+                          <a:solidFill>
+                            <a:srgbClr val="000000"/>
+                          </a:solidFill>
+                          <a:effectLst/>
+                          <a:latin typeface="Calibri" panose="020F0502020204030204" pitchFamily="34" charset="0"/>
+                        </a:rPr>
+                        <a:t>Tipo de clave</a:t>
+                      </a:r>
+                    </a:p>
+                  </a:txBody>
+                  <a:tcPr marL="7620" marR="7620" marT="7620" marB="0" anchor="b">
+                    <a:lnL w="6350" cap="flat" cmpd="sng" algn="ctr">
+                      <a:solidFill>
+                        <a:srgbClr val="000000"/>
+                      </a:solidFill>
+                      <a:prstDash val="solid"/>
+                      <a:round/>
+                      <a:headEnd type="none" w="med" len="med"/>
+                      <a:tailEnd type="none" w="med" len="med"/>
+                    </a:lnL>
+                    <a:lnR w="6350" cap="flat" cmpd="sng" algn="ctr">
+                      <a:solidFill>
+                        <a:srgbClr val="000000"/>
+                      </a:solidFill>
+                      <a:prstDash val="solid"/>
+                      <a:round/>
+                      <a:headEnd type="none" w="med" len="med"/>
+                      <a:tailEnd type="none" w="med" len="med"/>
+                    </a:lnR>
+                    <a:lnT w="6350" cap="flat" cmpd="sng" algn="ctr">
+                      <a:solidFill>
+                        <a:srgbClr val="000000"/>
+                      </a:solidFill>
+                      <a:prstDash val="solid"/>
+                      <a:round/>
+                      <a:headEnd type="none" w="med" len="med"/>
+                      <a:tailEnd type="none" w="med" len="med"/>
+                    </a:lnT>
+                    <a:lnB w="6350" cap="flat" cmpd="sng" algn="ctr">
+                      <a:solidFill>
+                        <a:srgbClr val="000000"/>
+                      </a:solidFill>
+                      <a:prstDash val="solid"/>
+                      <a:round/>
+                      <a:headEnd type="none" w="med" len="med"/>
+                      <a:tailEnd type="none" w="med" len="med"/>
+                    </a:lnB>
+                    <a:solidFill>
+                      <a:srgbClr val="9BC2E6"/>
+                    </a:solidFill>
+                  </a:tcPr>
+                </a:tc>
+                <a:extLst>
+                  <a:ext uri="{0D108BD9-81ED-4DB2-BD59-A6C34878D82A}">
+                    <a16:rowId xmlns:a16="http://schemas.microsoft.com/office/drawing/2014/main" val="1768109075"/>
+                  </a:ext>
+                </a:extLst>
+              </a:tr>
+              <a:tr h="182880">
+                <a:tc>
+                  <a:txBody>
+                    <a:bodyPr/>
+                    <a:lstStyle/>
+                    <a:p>
+                      <a:pPr algn="l" fontAlgn="b"/>
+                      <a:r>
+                        <a:rPr lang="es-CL" sz="1100" b="0" i="0" u="none" strike="noStrike">
+                          <a:solidFill>
+                            <a:srgbClr val="000000"/>
+                          </a:solidFill>
+                          <a:effectLst/>
+                          <a:latin typeface="Calibri" panose="020F0502020204030204" pitchFamily="34" charset="0"/>
+                        </a:rPr>
+                        <a:t>Category</a:t>
+                      </a:r>
+                    </a:p>
+                  </a:txBody>
+                  <a:tcPr marL="7620" marR="7620" marT="7620" marB="0" anchor="b">
+                    <a:lnL w="6350" cap="flat" cmpd="sng" algn="ctr">
+                      <a:solidFill>
+                        <a:srgbClr val="000000"/>
+                      </a:solidFill>
+                      <a:prstDash val="solid"/>
+                      <a:round/>
+                      <a:headEnd type="none" w="med" len="med"/>
+                      <a:tailEnd type="none" w="med" len="med"/>
+                    </a:lnL>
+                    <a:lnR w="6350" cap="flat" cmpd="sng" algn="ctr">
+                      <a:solidFill>
+                        <a:srgbClr val="000000"/>
+                      </a:solidFill>
+                      <a:prstDash val="solid"/>
+                      <a:round/>
+                      <a:headEnd type="none" w="med" len="med"/>
+                      <a:tailEnd type="none" w="med" len="med"/>
+                    </a:lnR>
+                    <a:lnT w="6350" cap="flat" cmpd="sng" algn="ctr">
+                      <a:solidFill>
+                        <a:srgbClr val="000000"/>
+                      </a:solidFill>
+                      <a:prstDash val="solid"/>
+                      <a:round/>
+                      <a:headEnd type="none" w="med" len="med"/>
+                      <a:tailEnd type="none" w="med" len="med"/>
+                    </a:lnT>
+                    <a:lnB w="6350" cap="flat" cmpd="sng" algn="ctr">
+                      <a:solidFill>
+                        <a:srgbClr val="000000"/>
+                      </a:solidFill>
+                      <a:prstDash val="solid"/>
+                      <a:round/>
+                      <a:headEnd type="none" w="med" len="med"/>
+                      <a:tailEnd type="none" w="med" len="med"/>
+                    </a:lnB>
+                  </a:tcPr>
+                </a:tc>
+                <a:tc>
+                  <a:txBody>
+                    <a:bodyPr/>
+                    <a:lstStyle/>
+                    <a:p>
+                      <a:pPr algn="l" fontAlgn="b"/>
+                      <a:r>
+                        <a:rPr lang="es-CL" sz="1100" b="0" i="0" u="none" strike="noStrike">
+                          <a:solidFill>
+                            <a:srgbClr val="000000"/>
+                          </a:solidFill>
+                          <a:effectLst/>
+                          <a:latin typeface="Calibri" panose="020F0502020204030204" pitchFamily="34" charset="0"/>
+                        </a:rPr>
+                        <a:t>varchar</a:t>
+                      </a:r>
+                    </a:p>
+                  </a:txBody>
+                  <a:tcPr marL="7620" marR="7620" marT="7620" marB="0" anchor="b">
+                    <a:lnL w="6350" cap="flat" cmpd="sng" algn="ctr">
+                      <a:solidFill>
+                        <a:srgbClr val="000000"/>
+                      </a:solidFill>
+                      <a:prstDash val="solid"/>
+                      <a:round/>
+                      <a:headEnd type="none" w="med" len="med"/>
+                      <a:tailEnd type="none" w="med" len="med"/>
+                    </a:lnL>
+                    <a:lnR w="6350" cap="flat" cmpd="sng" algn="ctr">
+                      <a:solidFill>
+                        <a:srgbClr val="000000"/>
+                      </a:solidFill>
+                      <a:prstDash val="solid"/>
+                      <a:round/>
+                      <a:headEnd type="none" w="med" len="med"/>
+                      <a:tailEnd type="none" w="med" len="med"/>
+                    </a:lnR>
+                    <a:lnT w="6350" cap="flat" cmpd="sng" algn="ctr">
+                      <a:solidFill>
+                        <a:srgbClr val="000000"/>
+                      </a:solidFill>
+                      <a:prstDash val="solid"/>
+                      <a:round/>
+                      <a:headEnd type="none" w="med" len="med"/>
+                      <a:tailEnd type="none" w="med" len="med"/>
+                    </a:lnT>
+                    <a:lnB w="6350" cap="flat" cmpd="sng" algn="ctr">
+                      <a:solidFill>
+                        <a:srgbClr val="000000"/>
+                      </a:solidFill>
+                      <a:prstDash val="solid"/>
+                      <a:round/>
+                      <a:headEnd type="none" w="med" len="med"/>
+                      <a:tailEnd type="none" w="med" len="med"/>
+                    </a:lnB>
+                  </a:tcPr>
+                </a:tc>
+                <a:tc>
+                  <a:txBody>
+                    <a:bodyPr/>
+                    <a:lstStyle/>
+                    <a:p>
+                      <a:pPr algn="l" fontAlgn="b"/>
+                      <a:r>
+                        <a:rPr lang="es-CL" sz="1100" b="0" i="0" u="none" strike="noStrike">
+                          <a:solidFill>
+                            <a:srgbClr val="000000"/>
+                          </a:solidFill>
+                          <a:effectLst/>
+                          <a:latin typeface="Calibri" panose="020F0502020204030204" pitchFamily="34" charset="0"/>
+                        </a:rPr>
+                        <a:t>PK-Index</a:t>
+                      </a:r>
+                    </a:p>
+                  </a:txBody>
+                  <a:tcPr marL="7620" marR="7620" marT="7620" marB="0" anchor="b">
+                    <a:lnL w="6350" cap="flat" cmpd="sng" algn="ctr">
+                      <a:solidFill>
+                        <a:srgbClr val="000000"/>
+                      </a:solidFill>
+                      <a:prstDash val="solid"/>
+                      <a:round/>
+                      <a:headEnd type="none" w="med" len="med"/>
+                      <a:tailEnd type="none" w="med" len="med"/>
+                    </a:lnL>
+                    <a:lnR w="6350" cap="flat" cmpd="sng" algn="ctr">
+                      <a:solidFill>
+                        <a:srgbClr val="000000"/>
+                      </a:solidFill>
+                      <a:prstDash val="solid"/>
+                      <a:round/>
+                      <a:headEnd type="none" w="med" len="med"/>
+                      <a:tailEnd type="none" w="med" len="med"/>
+                    </a:lnR>
+                    <a:lnT w="6350" cap="flat" cmpd="sng" algn="ctr">
+                      <a:solidFill>
+                        <a:srgbClr val="000000"/>
+                      </a:solidFill>
+                      <a:prstDash val="solid"/>
+                      <a:round/>
+                      <a:headEnd type="none" w="med" len="med"/>
+                      <a:tailEnd type="none" w="med" len="med"/>
+                    </a:lnT>
+                    <a:lnB w="6350" cap="flat" cmpd="sng" algn="ctr">
+                      <a:solidFill>
+                        <a:srgbClr val="000000"/>
+                      </a:solidFill>
+                      <a:prstDash val="solid"/>
+                      <a:round/>
+                      <a:headEnd type="none" w="med" len="med"/>
+                      <a:tailEnd type="none" w="med" len="med"/>
+                    </a:lnB>
+                  </a:tcPr>
+                </a:tc>
+                <a:extLst>
+                  <a:ext uri="{0D108BD9-81ED-4DB2-BD59-A6C34878D82A}">
+                    <a16:rowId xmlns:a16="http://schemas.microsoft.com/office/drawing/2014/main" val="2449723441"/>
+                  </a:ext>
+                </a:extLst>
+              </a:tr>
+              <a:tr h="182880">
+                <a:tc>
+                  <a:txBody>
+                    <a:bodyPr/>
+                    <a:lstStyle/>
+                    <a:p>
+                      <a:pPr algn="l" fontAlgn="b"/>
+                      <a:r>
+                        <a:rPr lang="es-CL" sz="1100" b="0" i="0" u="none" strike="noStrike">
+                          <a:solidFill>
+                            <a:srgbClr val="000000"/>
+                          </a:solidFill>
+                          <a:effectLst/>
+                          <a:latin typeface="Calibri" panose="020F0502020204030204" pitchFamily="34" charset="0"/>
+                        </a:rPr>
+                        <a:t>Category_id</a:t>
+                      </a:r>
+                    </a:p>
+                  </a:txBody>
+                  <a:tcPr marL="7620" marR="7620" marT="7620" marB="0" anchor="b">
+                    <a:lnL w="6350" cap="flat" cmpd="sng" algn="ctr">
+                      <a:solidFill>
+                        <a:srgbClr val="000000"/>
+                      </a:solidFill>
+                      <a:prstDash val="solid"/>
+                      <a:round/>
+                      <a:headEnd type="none" w="med" len="med"/>
+                      <a:tailEnd type="none" w="med" len="med"/>
+                    </a:lnL>
+                    <a:lnR w="6350" cap="flat" cmpd="sng" algn="ctr">
+                      <a:solidFill>
+                        <a:srgbClr val="000000"/>
+                      </a:solidFill>
+                      <a:prstDash val="solid"/>
+                      <a:round/>
+                      <a:headEnd type="none" w="med" len="med"/>
+                      <a:tailEnd type="none" w="med" len="med"/>
+                    </a:lnR>
+                    <a:lnT w="6350" cap="flat" cmpd="sng" algn="ctr">
+                      <a:solidFill>
+                        <a:srgbClr val="000000"/>
+                      </a:solidFill>
+                      <a:prstDash val="solid"/>
+                      <a:round/>
+                      <a:headEnd type="none" w="med" len="med"/>
+                      <a:tailEnd type="none" w="med" len="med"/>
+                    </a:lnT>
+                    <a:lnB w="6350" cap="flat" cmpd="sng" algn="ctr">
+                      <a:solidFill>
+                        <a:srgbClr val="000000"/>
+                      </a:solidFill>
+                      <a:prstDash val="solid"/>
+                      <a:round/>
+                      <a:headEnd type="none" w="med" len="med"/>
+                      <a:tailEnd type="none" w="med" len="med"/>
+                    </a:lnB>
+                  </a:tcPr>
+                </a:tc>
+                <a:tc>
+                  <a:txBody>
+                    <a:bodyPr/>
+                    <a:lstStyle/>
+                    <a:p>
+                      <a:pPr algn="l" fontAlgn="b"/>
+                      <a:r>
+                        <a:rPr lang="es-CL" sz="1100" b="0" i="0" u="none" strike="noStrike">
+                          <a:solidFill>
+                            <a:srgbClr val="000000"/>
+                          </a:solidFill>
+                          <a:effectLst/>
+                          <a:latin typeface="Calibri" panose="020F0502020204030204" pitchFamily="34" charset="0"/>
+                        </a:rPr>
+                        <a:t>int</a:t>
+                      </a:r>
+                    </a:p>
+                  </a:txBody>
+                  <a:tcPr marL="7620" marR="7620" marT="7620" marB="0" anchor="b">
+                    <a:lnL w="6350" cap="flat" cmpd="sng" algn="ctr">
+                      <a:solidFill>
+                        <a:srgbClr val="000000"/>
+                      </a:solidFill>
+                      <a:prstDash val="solid"/>
+                      <a:round/>
+                      <a:headEnd type="none" w="med" len="med"/>
+                      <a:tailEnd type="none" w="med" len="med"/>
+                    </a:lnL>
+                    <a:lnR w="6350" cap="flat" cmpd="sng" algn="ctr">
+                      <a:solidFill>
+                        <a:srgbClr val="000000"/>
+                      </a:solidFill>
+                      <a:prstDash val="solid"/>
+                      <a:round/>
+                      <a:headEnd type="none" w="med" len="med"/>
+                      <a:tailEnd type="none" w="med" len="med"/>
+                    </a:lnR>
+                    <a:lnT w="6350" cap="flat" cmpd="sng" algn="ctr">
+                      <a:solidFill>
+                        <a:srgbClr val="000000"/>
+                      </a:solidFill>
+                      <a:prstDash val="solid"/>
+                      <a:round/>
+                      <a:headEnd type="none" w="med" len="med"/>
+                      <a:tailEnd type="none" w="med" len="med"/>
+                    </a:lnT>
+                    <a:lnB w="6350" cap="flat" cmpd="sng" algn="ctr">
+                      <a:solidFill>
+                        <a:srgbClr val="000000"/>
+                      </a:solidFill>
+                      <a:prstDash val="solid"/>
+                      <a:round/>
+                      <a:headEnd type="none" w="med" len="med"/>
+                      <a:tailEnd type="none" w="med" len="med"/>
+                    </a:lnB>
+                  </a:tcPr>
+                </a:tc>
+                <a:tc>
+                  <a:txBody>
+                    <a:bodyPr/>
+                    <a:lstStyle/>
+                    <a:p>
+                      <a:pPr algn="l" fontAlgn="b"/>
+                      <a:r>
+                        <a:rPr lang="es-CL" sz="1100" b="0" i="0" u="none" strike="noStrike" dirty="0">
+                          <a:solidFill>
+                            <a:srgbClr val="000000"/>
+                          </a:solidFill>
+                          <a:effectLst/>
+                          <a:latin typeface="Calibri" panose="020F0502020204030204" pitchFamily="34" charset="0"/>
+                        </a:rPr>
+                        <a:t> </a:t>
+                      </a:r>
+                    </a:p>
+                  </a:txBody>
+                  <a:tcPr marL="7620" marR="7620" marT="7620" marB="0" anchor="b">
+                    <a:lnL w="6350" cap="flat" cmpd="sng" algn="ctr">
+                      <a:solidFill>
+                        <a:srgbClr val="000000"/>
+                      </a:solidFill>
+                      <a:prstDash val="solid"/>
+                      <a:round/>
+                      <a:headEnd type="none" w="med" len="med"/>
+                      <a:tailEnd type="none" w="med" len="med"/>
+                    </a:lnL>
+                    <a:lnR w="6350" cap="flat" cmpd="sng" algn="ctr">
+                      <a:solidFill>
+                        <a:srgbClr val="000000"/>
+                      </a:solidFill>
+                      <a:prstDash val="solid"/>
+                      <a:round/>
+                      <a:headEnd type="none" w="med" len="med"/>
+                      <a:tailEnd type="none" w="med" len="med"/>
+                    </a:lnR>
+                    <a:lnT w="6350" cap="flat" cmpd="sng" algn="ctr">
+                      <a:solidFill>
+                        <a:srgbClr val="000000"/>
+                      </a:solidFill>
+                      <a:prstDash val="solid"/>
+                      <a:round/>
+                      <a:headEnd type="none" w="med" len="med"/>
+                      <a:tailEnd type="none" w="med" len="med"/>
+                    </a:lnT>
+                    <a:lnB w="6350" cap="flat" cmpd="sng" algn="ctr">
+                      <a:solidFill>
+                        <a:srgbClr val="000000"/>
+                      </a:solidFill>
+                      <a:prstDash val="solid"/>
+                      <a:round/>
+                      <a:headEnd type="none" w="med" len="med"/>
+                      <a:tailEnd type="none" w="med" len="med"/>
+                    </a:lnB>
+                  </a:tcPr>
+                </a:tc>
+                <a:extLst>
+                  <a:ext uri="{0D108BD9-81ED-4DB2-BD59-A6C34878D82A}">
+                    <a16:rowId xmlns:a16="http://schemas.microsoft.com/office/drawing/2014/main" val="2498331359"/>
+                  </a:ext>
+                </a:extLst>
+              </a:tr>
+            </a:tbl>
+          </a:graphicData>
+        </a:graphic>
+      </p:graphicFrame>
+      <p:graphicFrame>
+        <p:nvGraphicFramePr>
+          <p:cNvPr id="32" name="Tabla 31">
+            <a:extLst>
+              <a:ext uri="{FF2B5EF4-FFF2-40B4-BE49-F238E27FC236}">
+                <a16:creationId xmlns:a16="http://schemas.microsoft.com/office/drawing/2014/main" id="{9DF57DCF-9987-C96A-7ABE-BB1368AEFFB4}"/>
+              </a:ext>
+            </a:extLst>
+          </p:cNvPr>
+          <p:cNvGraphicFramePr>
+            <a:graphicFrameLocks noGrp="1"/>
+          </p:cNvGraphicFramePr>
+          <p:nvPr>
+            <p:extLst>
+              <p:ext uri="{D42A27DB-BD31-4B8C-83A1-F6EECF244321}">
+                <p14:modId xmlns:p14="http://schemas.microsoft.com/office/powerpoint/2010/main" val="1707782283"/>
+              </p:ext>
+            </p:extLst>
+          </p:nvPr>
+        </p:nvGraphicFramePr>
+        <p:xfrm>
+          <a:off x="7787148" y="5054426"/>
+          <a:ext cx="3195483" cy="731520"/>
+        </p:xfrm>
+        <a:graphic>
+          <a:graphicData uri="http://schemas.openxmlformats.org/drawingml/2006/table">
+            <a:tbl>
+              <a:tblPr/>
+              <a:tblGrid>
+                <a:gridCol w="1065161">
+                  <a:extLst>
+                    <a:ext uri="{9D8B030D-6E8A-4147-A177-3AD203B41FA5}">
+                      <a16:colId xmlns:a16="http://schemas.microsoft.com/office/drawing/2014/main" val="1098182054"/>
+                    </a:ext>
+                  </a:extLst>
+                </a:gridCol>
+                <a:gridCol w="1065161">
+                  <a:extLst>
+                    <a:ext uri="{9D8B030D-6E8A-4147-A177-3AD203B41FA5}">
+                      <a16:colId xmlns:a16="http://schemas.microsoft.com/office/drawing/2014/main" val="1906418766"/>
+                    </a:ext>
+                  </a:extLst>
+                </a:gridCol>
+                <a:gridCol w="1065161">
+                  <a:extLst>
+                    <a:ext uri="{9D8B030D-6E8A-4147-A177-3AD203B41FA5}">
+                      <a16:colId xmlns:a16="http://schemas.microsoft.com/office/drawing/2014/main" val="2612968930"/>
+                    </a:ext>
+                  </a:extLst>
+                </a:gridCol>
+              </a:tblGrid>
+              <a:tr h="182880">
+                <a:tc gridSpan="3">
+                  <a:txBody>
+                    <a:bodyPr/>
+                    <a:lstStyle/>
+                    <a:p>
+                      <a:pPr algn="ctr" fontAlgn="b"/>
+                      <a:r>
+                        <a:rPr lang="es-CL" sz="1100" b="0" i="0" u="none" strike="noStrike" dirty="0" err="1">
+                          <a:solidFill>
+                            <a:srgbClr val="000000"/>
+                          </a:solidFill>
+                          <a:effectLst/>
+                          <a:latin typeface="Calibri" panose="020F0502020204030204" pitchFamily="34" charset="0"/>
+                        </a:rPr>
+                        <a:t>Payment_method</a:t>
+                      </a:r>
+                      <a:endParaRPr lang="es-CL" sz="1100" b="0" i="0" u="none" strike="noStrike" dirty="0">
+                        <a:solidFill>
+                          <a:srgbClr val="000000"/>
+                        </a:solidFill>
+                        <a:effectLst/>
+                        <a:latin typeface="Calibri" panose="020F0502020204030204" pitchFamily="34" charset="0"/>
+                      </a:endParaRPr>
+                    </a:p>
+                  </a:txBody>
+                  <a:tcPr marL="7620" marR="7620" marT="7620" marB="0" anchor="b">
+                    <a:lnL>
+                      <a:noFill/>
+                    </a:lnL>
+                    <a:lnR>
+                      <a:noFill/>
+                    </a:lnR>
+                    <a:lnT>
+                      <a:noFill/>
+                    </a:lnT>
+                    <a:lnB w="6350" cap="flat" cmpd="sng" algn="ctr">
+                      <a:solidFill>
+                        <a:srgbClr val="000000"/>
+                      </a:solidFill>
+                      <a:prstDash val="solid"/>
+                      <a:round/>
+                      <a:headEnd type="none" w="med" len="med"/>
+                      <a:tailEnd type="none" w="med" len="med"/>
+                    </a:lnB>
+                    <a:solidFill>
+                      <a:srgbClr val="ED7D31"/>
+                    </a:solidFill>
+                  </a:tcPr>
+                </a:tc>
+                <a:tc hMerge="1">
+                  <a:txBody>
+                    <a:bodyPr/>
+                    <a:lstStyle/>
+                    <a:p>
+                      <a:endParaRPr lang="es-CL"/>
+                    </a:p>
+                  </a:txBody>
+                  <a:tcPr/>
+                </a:tc>
+                <a:tc hMerge="1">
+                  <a:txBody>
+                    <a:bodyPr/>
+                    <a:lstStyle/>
+                    <a:p>
+                      <a:endParaRPr lang="es-CL"/>
+                    </a:p>
+                  </a:txBody>
+                  <a:tcPr/>
+                </a:tc>
+                <a:extLst>
+                  <a:ext uri="{0D108BD9-81ED-4DB2-BD59-A6C34878D82A}">
+                    <a16:rowId xmlns:a16="http://schemas.microsoft.com/office/drawing/2014/main" val="395551724"/>
+                  </a:ext>
+                </a:extLst>
+              </a:tr>
+              <a:tr h="182880">
+                <a:tc>
+                  <a:txBody>
+                    <a:bodyPr/>
+                    <a:lstStyle/>
+                    <a:p>
+                      <a:pPr algn="l" fontAlgn="b"/>
+                      <a:r>
+                        <a:rPr lang="es-CL" sz="1100" b="0" i="0" u="none" strike="noStrike">
+                          <a:solidFill>
+                            <a:srgbClr val="000000"/>
+                          </a:solidFill>
+                          <a:effectLst/>
+                          <a:latin typeface="Calibri" panose="020F0502020204030204" pitchFamily="34" charset="0"/>
+                        </a:rPr>
+                        <a:t>Columna</a:t>
+                      </a:r>
+                    </a:p>
+                  </a:txBody>
+                  <a:tcPr marL="7620" marR="7620" marT="7620" marB="0" anchor="b">
+                    <a:lnL w="6350" cap="flat" cmpd="sng" algn="ctr">
+                      <a:solidFill>
+                        <a:srgbClr val="000000"/>
+                      </a:solidFill>
+                      <a:prstDash val="solid"/>
+                      <a:round/>
+                      <a:headEnd type="none" w="med" len="med"/>
+                      <a:tailEnd type="none" w="med" len="med"/>
+                    </a:lnL>
+                    <a:lnR w="6350" cap="flat" cmpd="sng" algn="ctr">
+                      <a:solidFill>
+                        <a:srgbClr val="000000"/>
+                      </a:solidFill>
+                      <a:prstDash val="solid"/>
+                      <a:round/>
+                      <a:headEnd type="none" w="med" len="med"/>
+                      <a:tailEnd type="none" w="med" len="med"/>
+                    </a:lnR>
+                    <a:lnT w="6350" cap="flat" cmpd="sng" algn="ctr">
+                      <a:solidFill>
+                        <a:srgbClr val="000000"/>
+                      </a:solidFill>
+                      <a:prstDash val="solid"/>
+                      <a:round/>
+                      <a:headEnd type="none" w="med" len="med"/>
+                      <a:tailEnd type="none" w="med" len="med"/>
+                    </a:lnT>
+                    <a:lnB w="6350" cap="flat" cmpd="sng" algn="ctr">
+                      <a:solidFill>
+                        <a:srgbClr val="000000"/>
+                      </a:solidFill>
+                      <a:prstDash val="solid"/>
+                      <a:round/>
+                      <a:headEnd type="none" w="med" len="med"/>
+                      <a:tailEnd type="none" w="med" len="med"/>
+                    </a:lnB>
+                    <a:solidFill>
+                      <a:srgbClr val="9BC2E6"/>
+                    </a:solidFill>
+                  </a:tcPr>
+                </a:tc>
+                <a:tc>
+                  <a:txBody>
+                    <a:bodyPr/>
+                    <a:lstStyle/>
+                    <a:p>
+                      <a:pPr algn="l" fontAlgn="b"/>
+                      <a:r>
+                        <a:rPr lang="es-CL" sz="1100" b="0" i="0" u="none" strike="noStrike">
+                          <a:solidFill>
+                            <a:srgbClr val="000000"/>
+                          </a:solidFill>
+                          <a:effectLst/>
+                          <a:latin typeface="Calibri" panose="020F0502020204030204" pitchFamily="34" charset="0"/>
+                        </a:rPr>
+                        <a:t>Tipo de dato</a:t>
+                      </a:r>
+                    </a:p>
+                  </a:txBody>
+                  <a:tcPr marL="7620" marR="7620" marT="7620" marB="0" anchor="b">
+                    <a:lnL w="6350" cap="flat" cmpd="sng" algn="ctr">
+                      <a:solidFill>
+                        <a:srgbClr val="000000"/>
+                      </a:solidFill>
+                      <a:prstDash val="solid"/>
+                      <a:round/>
+                      <a:headEnd type="none" w="med" len="med"/>
+                      <a:tailEnd type="none" w="med" len="med"/>
+                    </a:lnL>
+                    <a:lnR w="6350" cap="flat" cmpd="sng" algn="ctr">
+                      <a:solidFill>
+                        <a:srgbClr val="000000"/>
+                      </a:solidFill>
+                      <a:prstDash val="solid"/>
+                      <a:round/>
+                      <a:headEnd type="none" w="med" len="med"/>
+                      <a:tailEnd type="none" w="med" len="med"/>
+                    </a:lnR>
+                    <a:lnT w="6350" cap="flat" cmpd="sng" algn="ctr">
+                      <a:solidFill>
+                        <a:srgbClr val="000000"/>
+                      </a:solidFill>
+                      <a:prstDash val="solid"/>
+                      <a:round/>
+                      <a:headEnd type="none" w="med" len="med"/>
+                      <a:tailEnd type="none" w="med" len="med"/>
+                    </a:lnT>
+                    <a:lnB w="6350" cap="flat" cmpd="sng" algn="ctr">
+                      <a:solidFill>
+                        <a:srgbClr val="000000"/>
+                      </a:solidFill>
+                      <a:prstDash val="solid"/>
+                      <a:round/>
+                      <a:headEnd type="none" w="med" len="med"/>
+                      <a:tailEnd type="none" w="med" len="med"/>
+                    </a:lnB>
+                    <a:solidFill>
+                      <a:srgbClr val="9BC2E6"/>
+                    </a:solidFill>
+                  </a:tcPr>
+                </a:tc>
+                <a:tc>
+                  <a:txBody>
+                    <a:bodyPr/>
+                    <a:lstStyle/>
+                    <a:p>
+                      <a:pPr algn="l" fontAlgn="b"/>
+                      <a:r>
+                        <a:rPr lang="es-CL" sz="1100" b="0" i="0" u="none" strike="noStrike">
+                          <a:solidFill>
+                            <a:srgbClr val="000000"/>
+                          </a:solidFill>
+                          <a:effectLst/>
+                          <a:latin typeface="Calibri" panose="020F0502020204030204" pitchFamily="34" charset="0"/>
+                        </a:rPr>
+                        <a:t>Tipo de clave</a:t>
+                      </a:r>
+                    </a:p>
+                  </a:txBody>
+                  <a:tcPr marL="7620" marR="7620" marT="7620" marB="0" anchor="b">
+                    <a:lnL w="6350" cap="flat" cmpd="sng" algn="ctr">
+                      <a:solidFill>
+                        <a:srgbClr val="000000"/>
+                      </a:solidFill>
+                      <a:prstDash val="solid"/>
+                      <a:round/>
+                      <a:headEnd type="none" w="med" len="med"/>
+                      <a:tailEnd type="none" w="med" len="med"/>
+                    </a:lnL>
+                    <a:lnR w="6350" cap="flat" cmpd="sng" algn="ctr">
+                      <a:solidFill>
+                        <a:srgbClr val="000000"/>
+                      </a:solidFill>
+                      <a:prstDash val="solid"/>
+                      <a:round/>
+                      <a:headEnd type="none" w="med" len="med"/>
+                      <a:tailEnd type="none" w="med" len="med"/>
+                    </a:lnR>
+                    <a:lnT w="6350" cap="flat" cmpd="sng" algn="ctr">
+                      <a:solidFill>
+                        <a:srgbClr val="000000"/>
+                      </a:solidFill>
+                      <a:prstDash val="solid"/>
+                      <a:round/>
+                      <a:headEnd type="none" w="med" len="med"/>
+                      <a:tailEnd type="none" w="med" len="med"/>
+                    </a:lnT>
+                    <a:lnB w="6350" cap="flat" cmpd="sng" algn="ctr">
+                      <a:solidFill>
+                        <a:srgbClr val="000000"/>
+                      </a:solidFill>
+                      <a:prstDash val="solid"/>
+                      <a:round/>
+                      <a:headEnd type="none" w="med" len="med"/>
+                      <a:tailEnd type="none" w="med" len="med"/>
+                    </a:lnB>
+                    <a:solidFill>
+                      <a:srgbClr val="9BC2E6"/>
+                    </a:solidFill>
+                  </a:tcPr>
+                </a:tc>
+                <a:extLst>
+                  <a:ext uri="{0D108BD9-81ED-4DB2-BD59-A6C34878D82A}">
+                    <a16:rowId xmlns:a16="http://schemas.microsoft.com/office/drawing/2014/main" val="3241326019"/>
+                  </a:ext>
+                </a:extLst>
+              </a:tr>
+              <a:tr h="182880">
+                <a:tc>
+                  <a:txBody>
+                    <a:bodyPr/>
+                    <a:lstStyle/>
+                    <a:p>
+                      <a:pPr algn="l" fontAlgn="b"/>
+                      <a:r>
+                        <a:rPr lang="es-CL" sz="1100" b="0" i="0" u="none" strike="noStrike">
+                          <a:solidFill>
+                            <a:srgbClr val="000000"/>
+                          </a:solidFill>
+                          <a:effectLst/>
+                          <a:latin typeface="Calibri" panose="020F0502020204030204" pitchFamily="34" charset="0"/>
+                        </a:rPr>
+                        <a:t>payment_method</a:t>
+                      </a:r>
+                    </a:p>
+                  </a:txBody>
+                  <a:tcPr marL="7620" marR="7620" marT="7620" marB="0" anchor="b">
+                    <a:lnL w="6350" cap="flat" cmpd="sng" algn="ctr">
+                      <a:solidFill>
+                        <a:srgbClr val="000000"/>
+                      </a:solidFill>
+                      <a:prstDash val="solid"/>
+                      <a:round/>
+                      <a:headEnd type="none" w="med" len="med"/>
+                      <a:tailEnd type="none" w="med" len="med"/>
+                    </a:lnL>
+                    <a:lnR w="6350" cap="flat" cmpd="sng" algn="ctr">
+                      <a:solidFill>
+                        <a:srgbClr val="000000"/>
+                      </a:solidFill>
+                      <a:prstDash val="solid"/>
+                      <a:round/>
+                      <a:headEnd type="none" w="med" len="med"/>
+                      <a:tailEnd type="none" w="med" len="med"/>
+                    </a:lnR>
+                    <a:lnT w="6350" cap="flat" cmpd="sng" algn="ctr">
+                      <a:solidFill>
+                        <a:srgbClr val="000000"/>
+                      </a:solidFill>
+                      <a:prstDash val="solid"/>
+                      <a:round/>
+                      <a:headEnd type="none" w="med" len="med"/>
+                      <a:tailEnd type="none" w="med" len="med"/>
+                    </a:lnT>
+                    <a:lnB w="6350" cap="flat" cmpd="sng" algn="ctr">
+                      <a:solidFill>
+                        <a:srgbClr val="000000"/>
+                      </a:solidFill>
+                      <a:prstDash val="solid"/>
+                      <a:round/>
+                      <a:headEnd type="none" w="med" len="med"/>
+                      <a:tailEnd type="none" w="med" len="med"/>
+                    </a:lnB>
+                  </a:tcPr>
+                </a:tc>
+                <a:tc>
+                  <a:txBody>
+                    <a:bodyPr/>
+                    <a:lstStyle/>
+                    <a:p>
+                      <a:pPr algn="l" fontAlgn="b"/>
+                      <a:r>
+                        <a:rPr lang="es-CL" sz="1100" b="0" i="0" u="none" strike="noStrike">
+                          <a:solidFill>
+                            <a:srgbClr val="000000"/>
+                          </a:solidFill>
+                          <a:effectLst/>
+                          <a:latin typeface="Calibri" panose="020F0502020204030204" pitchFamily="34" charset="0"/>
+                        </a:rPr>
+                        <a:t>varchar</a:t>
+                      </a:r>
+                    </a:p>
+                  </a:txBody>
+                  <a:tcPr marL="7620" marR="7620" marT="7620" marB="0" anchor="b">
+                    <a:lnL w="6350" cap="flat" cmpd="sng" algn="ctr">
+                      <a:solidFill>
+                        <a:srgbClr val="000000"/>
+                      </a:solidFill>
+                      <a:prstDash val="solid"/>
+                      <a:round/>
+                      <a:headEnd type="none" w="med" len="med"/>
+                      <a:tailEnd type="none" w="med" len="med"/>
+                    </a:lnL>
+                    <a:lnR w="6350" cap="flat" cmpd="sng" algn="ctr">
+                      <a:solidFill>
+                        <a:srgbClr val="000000"/>
+                      </a:solidFill>
+                      <a:prstDash val="solid"/>
+                      <a:round/>
+                      <a:headEnd type="none" w="med" len="med"/>
+                      <a:tailEnd type="none" w="med" len="med"/>
+                    </a:lnR>
+                    <a:lnT w="6350" cap="flat" cmpd="sng" algn="ctr">
+                      <a:solidFill>
+                        <a:srgbClr val="000000"/>
+                      </a:solidFill>
+                      <a:prstDash val="solid"/>
+                      <a:round/>
+                      <a:headEnd type="none" w="med" len="med"/>
+                      <a:tailEnd type="none" w="med" len="med"/>
+                    </a:lnT>
+                    <a:lnB w="6350" cap="flat" cmpd="sng" algn="ctr">
+                      <a:solidFill>
+                        <a:srgbClr val="000000"/>
+                      </a:solidFill>
+                      <a:prstDash val="solid"/>
+                      <a:round/>
+                      <a:headEnd type="none" w="med" len="med"/>
+                      <a:tailEnd type="none" w="med" len="med"/>
+                    </a:lnB>
+                  </a:tcPr>
+                </a:tc>
+                <a:tc>
+                  <a:txBody>
+                    <a:bodyPr/>
+                    <a:lstStyle/>
+                    <a:p>
+                      <a:pPr algn="l" fontAlgn="b"/>
+                      <a:r>
+                        <a:rPr lang="es-CL" sz="1100" b="0" i="0" u="none" strike="noStrike">
+                          <a:solidFill>
+                            <a:srgbClr val="000000"/>
+                          </a:solidFill>
+                          <a:effectLst/>
+                          <a:latin typeface="Calibri" panose="020F0502020204030204" pitchFamily="34" charset="0"/>
+                        </a:rPr>
+                        <a:t>PK-Index</a:t>
+                      </a:r>
+                    </a:p>
+                  </a:txBody>
+                  <a:tcPr marL="7620" marR="7620" marT="7620" marB="0" anchor="b">
+                    <a:lnL w="6350" cap="flat" cmpd="sng" algn="ctr">
+                      <a:solidFill>
+                        <a:srgbClr val="000000"/>
+                      </a:solidFill>
+                      <a:prstDash val="solid"/>
+                      <a:round/>
+                      <a:headEnd type="none" w="med" len="med"/>
+                      <a:tailEnd type="none" w="med" len="med"/>
+                    </a:lnL>
+                    <a:lnR w="6350" cap="flat" cmpd="sng" algn="ctr">
+                      <a:solidFill>
+                        <a:srgbClr val="000000"/>
+                      </a:solidFill>
+                      <a:prstDash val="solid"/>
+                      <a:round/>
+                      <a:headEnd type="none" w="med" len="med"/>
+                      <a:tailEnd type="none" w="med" len="med"/>
+                    </a:lnR>
+                    <a:lnT w="6350" cap="flat" cmpd="sng" algn="ctr">
+                      <a:solidFill>
+                        <a:srgbClr val="000000"/>
+                      </a:solidFill>
+                      <a:prstDash val="solid"/>
+                      <a:round/>
+                      <a:headEnd type="none" w="med" len="med"/>
+                      <a:tailEnd type="none" w="med" len="med"/>
+                    </a:lnT>
+                    <a:lnB w="6350" cap="flat" cmpd="sng" algn="ctr">
+                      <a:solidFill>
+                        <a:srgbClr val="000000"/>
+                      </a:solidFill>
+                      <a:prstDash val="solid"/>
+                      <a:round/>
+                      <a:headEnd type="none" w="med" len="med"/>
+                      <a:tailEnd type="none" w="med" len="med"/>
+                    </a:lnB>
+                  </a:tcPr>
+                </a:tc>
+                <a:extLst>
+                  <a:ext uri="{0D108BD9-81ED-4DB2-BD59-A6C34878D82A}">
+                    <a16:rowId xmlns:a16="http://schemas.microsoft.com/office/drawing/2014/main" val="1502915282"/>
+                  </a:ext>
+                </a:extLst>
+              </a:tr>
+              <a:tr h="182880">
+                <a:tc>
+                  <a:txBody>
+                    <a:bodyPr/>
+                    <a:lstStyle/>
+                    <a:p>
+                      <a:pPr algn="l" fontAlgn="b"/>
+                      <a:r>
+                        <a:rPr lang="es-CL" sz="1100" b="0" i="0" u="none" strike="noStrike">
+                          <a:solidFill>
+                            <a:srgbClr val="000000"/>
+                          </a:solidFill>
+                          <a:effectLst/>
+                          <a:latin typeface="Calibri" panose="020F0502020204030204" pitchFamily="34" charset="0"/>
+                        </a:rPr>
+                        <a:t>payment_id</a:t>
+                      </a:r>
+                    </a:p>
+                  </a:txBody>
+                  <a:tcPr marL="7620" marR="7620" marT="7620" marB="0" anchor="b">
+                    <a:lnL w="6350" cap="flat" cmpd="sng" algn="ctr">
+                      <a:solidFill>
+                        <a:srgbClr val="000000"/>
+                      </a:solidFill>
+                      <a:prstDash val="solid"/>
+                      <a:round/>
+                      <a:headEnd type="none" w="med" len="med"/>
+                      <a:tailEnd type="none" w="med" len="med"/>
+                    </a:lnL>
+                    <a:lnR w="6350" cap="flat" cmpd="sng" algn="ctr">
+                      <a:solidFill>
+                        <a:srgbClr val="000000"/>
+                      </a:solidFill>
+                      <a:prstDash val="solid"/>
+                      <a:round/>
+                      <a:headEnd type="none" w="med" len="med"/>
+                      <a:tailEnd type="none" w="med" len="med"/>
+                    </a:lnR>
+                    <a:lnT w="6350" cap="flat" cmpd="sng" algn="ctr">
+                      <a:solidFill>
+                        <a:srgbClr val="000000"/>
+                      </a:solidFill>
+                      <a:prstDash val="solid"/>
+                      <a:round/>
+                      <a:headEnd type="none" w="med" len="med"/>
+                      <a:tailEnd type="none" w="med" len="med"/>
+                    </a:lnT>
+                    <a:lnB w="6350" cap="flat" cmpd="sng" algn="ctr">
+                      <a:solidFill>
+                        <a:srgbClr val="000000"/>
+                      </a:solidFill>
+                      <a:prstDash val="solid"/>
+                      <a:round/>
+                      <a:headEnd type="none" w="med" len="med"/>
+                      <a:tailEnd type="none" w="med" len="med"/>
+                    </a:lnB>
+                  </a:tcPr>
+                </a:tc>
+                <a:tc>
+                  <a:txBody>
+                    <a:bodyPr/>
+                    <a:lstStyle/>
+                    <a:p>
+                      <a:pPr algn="l" fontAlgn="b"/>
+                      <a:r>
+                        <a:rPr lang="es-CL" sz="1100" b="0" i="0" u="none" strike="noStrike">
+                          <a:solidFill>
+                            <a:srgbClr val="000000"/>
+                          </a:solidFill>
+                          <a:effectLst/>
+                          <a:latin typeface="Calibri" panose="020F0502020204030204" pitchFamily="34" charset="0"/>
+                        </a:rPr>
+                        <a:t>int</a:t>
+                      </a:r>
+                    </a:p>
+                  </a:txBody>
+                  <a:tcPr marL="7620" marR="7620" marT="7620" marB="0" anchor="b">
+                    <a:lnL w="6350" cap="flat" cmpd="sng" algn="ctr">
+                      <a:solidFill>
+                        <a:srgbClr val="000000"/>
+                      </a:solidFill>
+                      <a:prstDash val="solid"/>
+                      <a:round/>
+                      <a:headEnd type="none" w="med" len="med"/>
+                      <a:tailEnd type="none" w="med" len="med"/>
+                    </a:lnL>
+                    <a:lnR w="6350" cap="flat" cmpd="sng" algn="ctr">
+                      <a:solidFill>
+                        <a:srgbClr val="000000"/>
+                      </a:solidFill>
+                      <a:prstDash val="solid"/>
+                      <a:round/>
+                      <a:headEnd type="none" w="med" len="med"/>
+                      <a:tailEnd type="none" w="med" len="med"/>
+                    </a:lnR>
+                    <a:lnT w="6350" cap="flat" cmpd="sng" algn="ctr">
+                      <a:solidFill>
+                        <a:srgbClr val="000000"/>
+                      </a:solidFill>
+                      <a:prstDash val="solid"/>
+                      <a:round/>
+                      <a:headEnd type="none" w="med" len="med"/>
+                      <a:tailEnd type="none" w="med" len="med"/>
+                    </a:lnT>
+                    <a:lnB w="6350" cap="flat" cmpd="sng" algn="ctr">
+                      <a:solidFill>
+                        <a:srgbClr val="000000"/>
+                      </a:solidFill>
+                      <a:prstDash val="solid"/>
+                      <a:round/>
+                      <a:headEnd type="none" w="med" len="med"/>
+                      <a:tailEnd type="none" w="med" len="med"/>
+                    </a:lnB>
+                  </a:tcPr>
+                </a:tc>
+                <a:tc>
+                  <a:txBody>
+                    <a:bodyPr/>
+                    <a:lstStyle/>
+                    <a:p>
+                      <a:pPr algn="l" fontAlgn="b"/>
+                      <a:r>
+                        <a:rPr lang="es-CL" sz="1100" b="0" i="0" u="none" strike="noStrike" dirty="0">
+                          <a:solidFill>
+                            <a:srgbClr val="000000"/>
+                          </a:solidFill>
+                          <a:effectLst/>
+                          <a:latin typeface="Calibri" panose="020F0502020204030204" pitchFamily="34" charset="0"/>
+                        </a:rPr>
+                        <a:t> </a:t>
+                      </a:r>
+                    </a:p>
+                  </a:txBody>
+                  <a:tcPr marL="7620" marR="7620" marT="7620" marB="0" anchor="b">
+                    <a:lnL w="6350" cap="flat" cmpd="sng" algn="ctr">
+                      <a:solidFill>
+                        <a:srgbClr val="000000"/>
+                      </a:solidFill>
+                      <a:prstDash val="solid"/>
+                      <a:round/>
+                      <a:headEnd type="none" w="med" len="med"/>
+                      <a:tailEnd type="none" w="med" len="med"/>
+                    </a:lnL>
+                    <a:lnR w="6350" cap="flat" cmpd="sng" algn="ctr">
+                      <a:solidFill>
+                        <a:srgbClr val="000000"/>
+                      </a:solidFill>
+                      <a:prstDash val="solid"/>
+                      <a:round/>
+                      <a:headEnd type="none" w="med" len="med"/>
+                      <a:tailEnd type="none" w="med" len="med"/>
+                    </a:lnR>
+                    <a:lnT w="6350" cap="flat" cmpd="sng" algn="ctr">
+                      <a:solidFill>
+                        <a:srgbClr val="000000"/>
+                      </a:solidFill>
+                      <a:prstDash val="solid"/>
+                      <a:round/>
+                      <a:headEnd type="none" w="med" len="med"/>
+                      <a:tailEnd type="none" w="med" len="med"/>
+                    </a:lnT>
+                    <a:lnB w="6350" cap="flat" cmpd="sng" algn="ctr">
+                      <a:solidFill>
+                        <a:srgbClr val="000000"/>
+                      </a:solidFill>
+                      <a:prstDash val="solid"/>
+                      <a:round/>
+                      <a:headEnd type="none" w="med" len="med"/>
+                      <a:tailEnd type="none" w="med" len="med"/>
+                    </a:lnB>
+                  </a:tcPr>
+                </a:tc>
+                <a:extLst>
+                  <a:ext uri="{0D108BD9-81ED-4DB2-BD59-A6C34878D82A}">
+                    <a16:rowId xmlns:a16="http://schemas.microsoft.com/office/drawing/2014/main" val="1176302285"/>
+                  </a:ext>
+                </a:extLst>
+              </a:tr>
+            </a:tbl>
+          </a:graphicData>
+        </a:graphic>
+      </p:graphicFrame>
+    </p:spTree>
+    <p:extLst>
+      <p:ext uri="{BB962C8B-B14F-4D97-AF65-F5344CB8AC3E}">
+        <p14:creationId xmlns:p14="http://schemas.microsoft.com/office/powerpoint/2010/main" val="1954652426"/>
       </p:ext>
     </p:extLst>
   </p:cSld>
